--- a/src/HW7/NonTechnical_Audience_Presentation.pptx
+++ b/src/HW7/NonTechnical_Audience_Presentation.pptx
@@ -5,21 +5,22 @@
     <p:sldMasterId id="2147483648" r:id="rId1"/>
   </p:sldMasterIdLst>
   <p:notesMasterIdLst>
-    <p:notesMasterId r:id="rId14"/>
+    <p:notesMasterId r:id="rId15"/>
   </p:notesMasterIdLst>
   <p:sldIdLst>
     <p:sldId id="256" r:id="rId2"/>
     <p:sldId id="257" r:id="rId3"/>
     <p:sldId id="260" r:id="rId4"/>
-    <p:sldId id="264" r:id="rId5"/>
-    <p:sldId id="266" r:id="rId6"/>
-    <p:sldId id="267" r:id="rId7"/>
-    <p:sldId id="265" r:id="rId8"/>
-    <p:sldId id="258" r:id="rId9"/>
-    <p:sldId id="262" r:id="rId10"/>
-    <p:sldId id="259" r:id="rId11"/>
-    <p:sldId id="261" r:id="rId12"/>
-    <p:sldId id="263" r:id="rId13"/>
+    <p:sldId id="268" r:id="rId5"/>
+    <p:sldId id="264" r:id="rId6"/>
+    <p:sldId id="266" r:id="rId7"/>
+    <p:sldId id="267" r:id="rId8"/>
+    <p:sldId id="265" r:id="rId9"/>
+    <p:sldId id="258" r:id="rId10"/>
+    <p:sldId id="262" r:id="rId11"/>
+    <p:sldId id="259" r:id="rId12"/>
+    <p:sldId id="261" r:id="rId13"/>
+    <p:sldId id="263" r:id="rId14"/>
   </p:sldIdLst>
   <p:sldSz cx="9144000" cy="6858000" type="screen4x3"/>
   <p:notesSz cx="6858000" cy="9144000"/>
@@ -121,6 +122,2703 @@
 </p:presentation>
 </file>
 
+<file path=ppt/diagrams/colors1.xml><?xml version="1.0" encoding="utf-8"?>
+<dgm:colorsDef xmlns:dgm="http://schemas.openxmlformats.org/drawingml/2006/diagram" xmlns:a="http://schemas.openxmlformats.org/drawingml/2006/main" uniqueId="urn:microsoft.com/office/officeart/2005/8/colors/accent1_3">
+  <dgm:title val=""/>
+  <dgm:desc val=""/>
+  <dgm:catLst>
+    <dgm:cat type="accent1" pri="11300"/>
+  </dgm:catLst>
+  <dgm:styleLbl name="node0">
+    <dgm:fillClrLst meth="repeat">
+      <a:schemeClr val="accent1">
+        <a:shade val="80000"/>
+      </a:schemeClr>
+    </dgm:fillClrLst>
+    <dgm:linClrLst meth="repeat">
+      <a:schemeClr val="lt1"/>
+    </dgm:linClrLst>
+    <dgm:effectClrLst/>
+    <dgm:txLinClrLst/>
+    <dgm:txFillClrLst/>
+    <dgm:txEffectClrLst/>
+  </dgm:styleLbl>
+  <dgm:styleLbl name="alignNode1">
+    <dgm:fillClrLst>
+      <a:schemeClr val="accent1">
+        <a:shade val="80000"/>
+      </a:schemeClr>
+      <a:schemeClr val="accent1">
+        <a:tint val="70000"/>
+      </a:schemeClr>
+    </dgm:fillClrLst>
+    <dgm:linClrLst>
+      <a:schemeClr val="accent1">
+        <a:shade val="80000"/>
+      </a:schemeClr>
+      <a:schemeClr val="accent1">
+        <a:tint val="70000"/>
+      </a:schemeClr>
+    </dgm:linClrLst>
+    <dgm:effectClrLst/>
+    <dgm:txLinClrLst/>
+    <dgm:txFillClrLst/>
+    <dgm:txEffectClrLst/>
+  </dgm:styleLbl>
+  <dgm:styleLbl name="node1">
+    <dgm:fillClrLst>
+      <a:schemeClr val="accent1">
+        <a:shade val="80000"/>
+      </a:schemeClr>
+      <a:schemeClr val="accent1">
+        <a:tint val="70000"/>
+      </a:schemeClr>
+    </dgm:fillClrLst>
+    <dgm:linClrLst meth="repeat">
+      <a:schemeClr val="lt1"/>
+    </dgm:linClrLst>
+    <dgm:effectClrLst/>
+    <dgm:txLinClrLst/>
+    <dgm:txFillClrLst/>
+    <dgm:txEffectClrLst/>
+  </dgm:styleLbl>
+  <dgm:styleLbl name="lnNode1">
+    <dgm:fillClrLst>
+      <a:schemeClr val="accent1">
+        <a:shade val="80000"/>
+      </a:schemeClr>
+      <a:schemeClr val="accent1">
+        <a:tint val="70000"/>
+      </a:schemeClr>
+    </dgm:fillClrLst>
+    <dgm:linClrLst meth="repeat">
+      <a:schemeClr val="lt1"/>
+    </dgm:linClrLst>
+    <dgm:effectClrLst/>
+    <dgm:txLinClrLst/>
+    <dgm:txFillClrLst/>
+    <dgm:txEffectClrLst/>
+  </dgm:styleLbl>
+  <dgm:styleLbl name="vennNode1">
+    <dgm:fillClrLst>
+      <a:schemeClr val="accent1">
+        <a:shade val="80000"/>
+        <a:alpha val="50000"/>
+      </a:schemeClr>
+      <a:schemeClr val="accent1">
+        <a:tint val="70000"/>
+        <a:alpha val="50000"/>
+      </a:schemeClr>
+    </dgm:fillClrLst>
+    <dgm:linClrLst meth="repeat">
+      <a:schemeClr val="lt1"/>
+    </dgm:linClrLst>
+    <dgm:effectClrLst/>
+    <dgm:txLinClrLst/>
+    <dgm:txFillClrLst/>
+    <dgm:txEffectClrLst/>
+  </dgm:styleLbl>
+  <dgm:styleLbl name="node2">
+    <dgm:fillClrLst>
+      <a:schemeClr val="accent1">
+        <a:tint val="99000"/>
+      </a:schemeClr>
+    </dgm:fillClrLst>
+    <dgm:linClrLst meth="repeat">
+      <a:schemeClr val="lt1"/>
+    </dgm:linClrLst>
+    <dgm:effectClrLst/>
+    <dgm:txLinClrLst/>
+    <dgm:txFillClrLst/>
+    <dgm:txEffectClrLst/>
+  </dgm:styleLbl>
+  <dgm:styleLbl name="node3">
+    <dgm:fillClrLst>
+      <a:schemeClr val="accent1">
+        <a:tint val="80000"/>
+      </a:schemeClr>
+    </dgm:fillClrLst>
+    <dgm:linClrLst meth="repeat">
+      <a:schemeClr val="lt1"/>
+    </dgm:linClrLst>
+    <dgm:effectClrLst/>
+    <dgm:txLinClrLst/>
+    <dgm:txFillClrLst/>
+    <dgm:txEffectClrLst/>
+  </dgm:styleLbl>
+  <dgm:styleLbl name="node4">
+    <dgm:fillClrLst>
+      <a:schemeClr val="accent1">
+        <a:tint val="70000"/>
+      </a:schemeClr>
+    </dgm:fillClrLst>
+    <dgm:linClrLst meth="repeat">
+      <a:schemeClr val="lt1"/>
+    </dgm:linClrLst>
+    <dgm:effectClrLst/>
+    <dgm:txLinClrLst/>
+    <dgm:txFillClrLst/>
+    <dgm:txEffectClrLst/>
+  </dgm:styleLbl>
+  <dgm:styleLbl name="fgImgPlace1">
+    <dgm:fillClrLst>
+      <a:schemeClr val="accent1">
+        <a:tint val="50000"/>
+      </a:schemeClr>
+      <a:schemeClr val="accent1">
+        <a:tint val="20000"/>
+      </a:schemeClr>
+    </dgm:fillClrLst>
+    <dgm:linClrLst meth="repeat">
+      <a:schemeClr val="lt1"/>
+    </dgm:linClrLst>
+    <dgm:effectClrLst/>
+    <dgm:txLinClrLst/>
+    <dgm:txFillClrLst meth="repeat">
+      <a:schemeClr val="lt1"/>
+    </dgm:txFillClrLst>
+    <dgm:txEffectClrLst/>
+  </dgm:styleLbl>
+  <dgm:styleLbl name="alignImgPlace1">
+    <dgm:fillClrLst>
+      <a:schemeClr val="accent1">
+        <a:tint val="50000"/>
+      </a:schemeClr>
+      <a:schemeClr val="accent1">
+        <a:tint val="20000"/>
+      </a:schemeClr>
+    </dgm:fillClrLst>
+    <dgm:linClrLst meth="repeat">
+      <a:schemeClr val="lt1"/>
+    </dgm:linClrLst>
+    <dgm:effectClrLst/>
+    <dgm:txLinClrLst/>
+    <dgm:txFillClrLst meth="repeat">
+      <a:schemeClr val="lt1"/>
+    </dgm:txFillClrLst>
+    <dgm:txEffectClrLst/>
+  </dgm:styleLbl>
+  <dgm:styleLbl name="bgImgPlace1">
+    <dgm:fillClrLst>
+      <a:schemeClr val="accent1">
+        <a:tint val="50000"/>
+      </a:schemeClr>
+      <a:schemeClr val="accent1">
+        <a:tint val="20000"/>
+      </a:schemeClr>
+    </dgm:fillClrLst>
+    <dgm:linClrLst meth="repeat">
+      <a:schemeClr val="lt1"/>
+    </dgm:linClrLst>
+    <dgm:effectClrLst/>
+    <dgm:txLinClrLst/>
+    <dgm:txFillClrLst meth="repeat">
+      <a:schemeClr val="lt1"/>
+    </dgm:txFillClrLst>
+    <dgm:txEffectClrLst/>
+  </dgm:styleLbl>
+  <dgm:styleLbl name="sibTrans2D1">
+    <dgm:fillClrLst>
+      <a:schemeClr val="accent1">
+        <a:shade val="90000"/>
+      </a:schemeClr>
+      <a:schemeClr val="accent1">
+        <a:tint val="70000"/>
+      </a:schemeClr>
+    </dgm:fillClrLst>
+    <dgm:linClrLst>
+      <a:schemeClr val="accent1">
+        <a:shade val="90000"/>
+      </a:schemeClr>
+      <a:schemeClr val="accent1">
+        <a:tint val="70000"/>
+      </a:schemeClr>
+    </dgm:linClrLst>
+    <dgm:effectClrLst/>
+    <dgm:txLinClrLst/>
+    <dgm:txFillClrLst/>
+    <dgm:txEffectClrLst/>
+  </dgm:styleLbl>
+  <dgm:styleLbl name="fgSibTrans2D1">
+    <dgm:fillClrLst>
+      <a:schemeClr val="accent1">
+        <a:shade val="90000"/>
+      </a:schemeClr>
+      <a:schemeClr val="accent1">
+        <a:tint val="70000"/>
+      </a:schemeClr>
+    </dgm:fillClrLst>
+    <dgm:linClrLst>
+      <a:schemeClr val="accent1">
+        <a:shade val="90000"/>
+      </a:schemeClr>
+      <a:schemeClr val="accent1">
+        <a:tint val="70000"/>
+      </a:schemeClr>
+    </dgm:linClrLst>
+    <dgm:effectClrLst/>
+    <dgm:txLinClrLst/>
+    <dgm:txFillClrLst meth="repeat">
+      <a:schemeClr val="lt1"/>
+    </dgm:txFillClrLst>
+    <dgm:txEffectClrLst/>
+  </dgm:styleLbl>
+  <dgm:styleLbl name="bgSibTrans2D1">
+    <dgm:fillClrLst>
+      <a:schemeClr val="accent1">
+        <a:shade val="90000"/>
+      </a:schemeClr>
+      <a:schemeClr val="accent1">
+        <a:tint val="70000"/>
+      </a:schemeClr>
+    </dgm:fillClrLst>
+    <dgm:linClrLst>
+      <a:schemeClr val="accent1">
+        <a:shade val="90000"/>
+      </a:schemeClr>
+      <a:schemeClr val="accent1">
+        <a:tint val="70000"/>
+      </a:schemeClr>
+    </dgm:linClrLst>
+    <dgm:effectClrLst/>
+    <dgm:txLinClrLst/>
+    <dgm:txFillClrLst meth="repeat">
+      <a:schemeClr val="lt1"/>
+    </dgm:txFillClrLst>
+    <dgm:txEffectClrLst/>
+  </dgm:styleLbl>
+  <dgm:styleLbl name="sibTrans1D1">
+    <dgm:fillClrLst>
+      <a:schemeClr val="accent1">
+        <a:shade val="90000"/>
+      </a:schemeClr>
+      <a:schemeClr val="accent1">
+        <a:tint val="70000"/>
+      </a:schemeClr>
+    </dgm:fillClrLst>
+    <dgm:linClrLst>
+      <a:schemeClr val="accent1">
+        <a:shade val="90000"/>
+      </a:schemeClr>
+      <a:schemeClr val="accent1">
+        <a:tint val="70000"/>
+      </a:schemeClr>
+    </dgm:linClrLst>
+    <dgm:effectClrLst/>
+    <dgm:txLinClrLst/>
+    <dgm:txFillClrLst meth="repeat">
+      <a:schemeClr val="tx1"/>
+    </dgm:txFillClrLst>
+    <dgm:txEffectClrLst/>
+  </dgm:styleLbl>
+  <dgm:styleLbl name="callout">
+    <dgm:fillClrLst meth="repeat">
+      <a:schemeClr val="accent1"/>
+    </dgm:fillClrLst>
+    <dgm:linClrLst meth="repeat">
+      <a:schemeClr val="accent1"/>
+    </dgm:linClrLst>
+    <dgm:effectClrLst/>
+    <dgm:txLinClrLst/>
+    <dgm:txFillClrLst meth="repeat">
+      <a:schemeClr val="tx1"/>
+    </dgm:txFillClrLst>
+    <dgm:txEffectClrLst/>
+  </dgm:styleLbl>
+  <dgm:styleLbl name="asst0">
+    <dgm:fillClrLst meth="repeat">
+      <a:schemeClr val="accent1">
+        <a:shade val="80000"/>
+      </a:schemeClr>
+    </dgm:fillClrLst>
+    <dgm:linClrLst meth="repeat">
+      <a:schemeClr val="lt1"/>
+    </dgm:linClrLst>
+    <dgm:effectClrLst/>
+    <dgm:txLinClrLst/>
+    <dgm:txFillClrLst/>
+    <dgm:txEffectClrLst/>
+  </dgm:styleLbl>
+  <dgm:styleLbl name="asst1">
+    <dgm:fillClrLst meth="repeat">
+      <a:schemeClr val="accent1">
+        <a:shade val="80000"/>
+      </a:schemeClr>
+    </dgm:fillClrLst>
+    <dgm:linClrLst meth="repeat">
+      <a:schemeClr val="lt1"/>
+    </dgm:linClrLst>
+    <dgm:effectClrLst/>
+    <dgm:txLinClrLst/>
+    <dgm:txFillClrLst/>
+    <dgm:txEffectClrLst/>
+  </dgm:styleLbl>
+  <dgm:styleLbl name="asst2">
+    <dgm:fillClrLst>
+      <a:schemeClr val="accent1">
+        <a:tint val="99000"/>
+      </a:schemeClr>
+    </dgm:fillClrLst>
+    <dgm:linClrLst meth="repeat">
+      <a:schemeClr val="lt1"/>
+    </dgm:linClrLst>
+    <dgm:effectClrLst/>
+    <dgm:txLinClrLst/>
+    <dgm:txFillClrLst/>
+    <dgm:txEffectClrLst/>
+  </dgm:styleLbl>
+  <dgm:styleLbl name="asst3">
+    <dgm:fillClrLst>
+      <a:schemeClr val="accent1">
+        <a:tint val="80000"/>
+      </a:schemeClr>
+    </dgm:fillClrLst>
+    <dgm:linClrLst meth="repeat">
+      <a:schemeClr val="lt1"/>
+    </dgm:linClrLst>
+    <dgm:effectClrLst/>
+    <dgm:txLinClrLst/>
+    <dgm:txFillClrLst/>
+    <dgm:txEffectClrLst/>
+  </dgm:styleLbl>
+  <dgm:styleLbl name="asst4">
+    <dgm:fillClrLst>
+      <a:schemeClr val="accent1">
+        <a:tint val="70000"/>
+      </a:schemeClr>
+    </dgm:fillClrLst>
+    <dgm:linClrLst meth="repeat">
+      <a:schemeClr val="lt1"/>
+    </dgm:linClrLst>
+    <dgm:effectClrLst/>
+    <dgm:txLinClrLst/>
+    <dgm:txFillClrLst/>
+    <dgm:txEffectClrLst/>
+  </dgm:styleLbl>
+  <dgm:styleLbl name="parChTrans2D1">
+    <dgm:fillClrLst meth="repeat">
+      <a:schemeClr val="accent1">
+        <a:tint val="60000"/>
+      </a:schemeClr>
+    </dgm:fillClrLst>
+    <dgm:linClrLst meth="repeat">
+      <a:schemeClr val="accent1">
+        <a:tint val="60000"/>
+      </a:schemeClr>
+    </dgm:linClrLst>
+    <dgm:effectClrLst/>
+    <dgm:txLinClrLst/>
+    <dgm:txFillClrLst meth="repeat">
+      <a:schemeClr val="lt1"/>
+    </dgm:txFillClrLst>
+    <dgm:txEffectClrLst/>
+  </dgm:styleLbl>
+  <dgm:styleLbl name="parChTrans2D2">
+    <dgm:fillClrLst meth="repeat">
+      <a:schemeClr val="accent1">
+        <a:tint val="90000"/>
+      </a:schemeClr>
+    </dgm:fillClrLst>
+    <dgm:linClrLst meth="repeat">
+      <a:schemeClr val="accent1">
+        <a:tint val="90000"/>
+      </a:schemeClr>
+    </dgm:linClrLst>
+    <dgm:effectClrLst/>
+    <dgm:txLinClrLst/>
+    <dgm:txFillClrLst/>
+    <dgm:txEffectClrLst/>
+  </dgm:styleLbl>
+  <dgm:styleLbl name="parChTrans2D3">
+    <dgm:fillClrLst meth="repeat">
+      <a:schemeClr val="accent1">
+        <a:tint val="70000"/>
+      </a:schemeClr>
+    </dgm:fillClrLst>
+    <dgm:linClrLst meth="repeat">
+      <a:schemeClr val="accent1">
+        <a:tint val="70000"/>
+      </a:schemeClr>
+    </dgm:linClrLst>
+    <dgm:effectClrLst/>
+    <dgm:txLinClrLst/>
+    <dgm:txFillClrLst/>
+    <dgm:txEffectClrLst/>
+  </dgm:styleLbl>
+  <dgm:styleLbl name="parChTrans2D4">
+    <dgm:fillClrLst meth="repeat">
+      <a:schemeClr val="accent1">
+        <a:tint val="50000"/>
+      </a:schemeClr>
+    </dgm:fillClrLst>
+    <dgm:linClrLst meth="repeat">
+      <a:schemeClr val="accent1">
+        <a:tint val="50000"/>
+      </a:schemeClr>
+    </dgm:linClrLst>
+    <dgm:effectClrLst/>
+    <dgm:txLinClrLst/>
+    <dgm:txFillClrLst meth="repeat">
+      <a:schemeClr val="lt1"/>
+    </dgm:txFillClrLst>
+    <dgm:txEffectClrLst/>
+  </dgm:styleLbl>
+  <dgm:styleLbl name="parChTrans1D1">
+    <dgm:fillClrLst meth="repeat">
+      <a:schemeClr val="accent1">
+        <a:shade val="80000"/>
+      </a:schemeClr>
+    </dgm:fillClrLst>
+    <dgm:linClrLst meth="repeat">
+      <a:schemeClr val="accent1">
+        <a:shade val="80000"/>
+      </a:schemeClr>
+    </dgm:linClrLst>
+    <dgm:effectClrLst/>
+    <dgm:txLinClrLst/>
+    <dgm:txFillClrLst meth="repeat">
+      <a:schemeClr val="tx1"/>
+    </dgm:txFillClrLst>
+    <dgm:txEffectClrLst/>
+  </dgm:styleLbl>
+  <dgm:styleLbl name="parChTrans1D2">
+    <dgm:fillClrLst meth="repeat">
+      <a:schemeClr val="accent1">
+        <a:tint val="99000"/>
+      </a:schemeClr>
+    </dgm:fillClrLst>
+    <dgm:linClrLst meth="repeat">
+      <a:schemeClr val="accent1">
+        <a:tint val="99000"/>
+      </a:schemeClr>
+    </dgm:linClrLst>
+    <dgm:effectClrLst/>
+    <dgm:txLinClrLst/>
+    <dgm:txFillClrLst meth="repeat">
+      <a:schemeClr val="tx1"/>
+    </dgm:txFillClrLst>
+    <dgm:txEffectClrLst/>
+  </dgm:styleLbl>
+  <dgm:styleLbl name="parChTrans1D3">
+    <dgm:fillClrLst meth="repeat">
+      <a:schemeClr val="accent1">
+        <a:tint val="80000"/>
+      </a:schemeClr>
+    </dgm:fillClrLst>
+    <dgm:linClrLst meth="repeat">
+      <a:schemeClr val="accent1">
+        <a:tint val="80000"/>
+      </a:schemeClr>
+    </dgm:linClrLst>
+    <dgm:effectClrLst/>
+    <dgm:txLinClrLst/>
+    <dgm:txFillClrLst meth="repeat">
+      <a:schemeClr val="tx1"/>
+    </dgm:txFillClrLst>
+    <dgm:txEffectClrLst/>
+  </dgm:styleLbl>
+  <dgm:styleLbl name="parChTrans1D4">
+    <dgm:fillClrLst meth="repeat">
+      <a:schemeClr val="accent1">
+        <a:tint val="70000"/>
+      </a:schemeClr>
+    </dgm:fillClrLst>
+    <dgm:linClrLst meth="repeat">
+      <a:schemeClr val="accent1">
+        <a:tint val="70000"/>
+      </a:schemeClr>
+    </dgm:linClrLst>
+    <dgm:effectClrLst/>
+    <dgm:txLinClrLst/>
+    <dgm:txFillClrLst meth="repeat">
+      <a:schemeClr val="tx1"/>
+    </dgm:txFillClrLst>
+    <dgm:txEffectClrLst/>
+  </dgm:styleLbl>
+  <dgm:styleLbl name="fgAcc1">
+    <dgm:fillClrLst meth="repeat">
+      <a:schemeClr val="lt1">
+        <a:alpha val="90000"/>
+      </a:schemeClr>
+    </dgm:fillClrLst>
+    <dgm:linClrLst>
+      <a:schemeClr val="accent1">
+        <a:shade val="80000"/>
+      </a:schemeClr>
+      <a:schemeClr val="accent1">
+        <a:tint val="70000"/>
+      </a:schemeClr>
+    </dgm:linClrLst>
+    <dgm:effectClrLst/>
+    <dgm:txLinClrLst/>
+    <dgm:txFillClrLst meth="repeat">
+      <a:schemeClr val="dk1"/>
+    </dgm:txFillClrLst>
+    <dgm:txEffectClrLst/>
+  </dgm:styleLbl>
+  <dgm:styleLbl name="conFgAcc1">
+    <dgm:fillClrLst meth="repeat">
+      <a:schemeClr val="lt1">
+        <a:alpha val="90000"/>
+      </a:schemeClr>
+    </dgm:fillClrLst>
+    <dgm:linClrLst>
+      <a:schemeClr val="accent1">
+        <a:shade val="80000"/>
+      </a:schemeClr>
+      <a:schemeClr val="accent1">
+        <a:tint val="70000"/>
+      </a:schemeClr>
+    </dgm:linClrLst>
+    <dgm:effectClrLst/>
+    <dgm:txLinClrLst/>
+    <dgm:txFillClrLst meth="repeat">
+      <a:schemeClr val="dk1"/>
+    </dgm:txFillClrLst>
+    <dgm:txEffectClrLst/>
+  </dgm:styleLbl>
+  <dgm:styleLbl name="alignAcc1">
+    <dgm:fillClrLst meth="repeat">
+      <a:schemeClr val="lt1">
+        <a:alpha val="90000"/>
+      </a:schemeClr>
+    </dgm:fillClrLst>
+    <dgm:linClrLst>
+      <a:schemeClr val="accent1">
+        <a:shade val="80000"/>
+      </a:schemeClr>
+      <a:schemeClr val="accent1">
+        <a:tint val="70000"/>
+      </a:schemeClr>
+    </dgm:linClrLst>
+    <dgm:effectClrLst/>
+    <dgm:txLinClrLst/>
+    <dgm:txFillClrLst meth="repeat">
+      <a:schemeClr val="dk1"/>
+    </dgm:txFillClrLst>
+    <dgm:txEffectClrLst/>
+  </dgm:styleLbl>
+  <dgm:styleLbl name="trAlignAcc1">
+    <dgm:fillClrLst meth="repeat">
+      <a:schemeClr val="lt1">
+        <a:alpha val="40000"/>
+      </a:schemeClr>
+    </dgm:fillClrLst>
+    <dgm:linClrLst meth="repeat">
+      <a:schemeClr val="accent1"/>
+    </dgm:linClrLst>
+    <dgm:effectClrLst/>
+    <dgm:txLinClrLst/>
+    <dgm:txFillClrLst meth="repeat">
+      <a:schemeClr val="dk1"/>
+    </dgm:txFillClrLst>
+    <dgm:txEffectClrLst/>
+  </dgm:styleLbl>
+  <dgm:styleLbl name="bgAcc1">
+    <dgm:fillClrLst meth="repeat">
+      <a:schemeClr val="lt1">
+        <a:alpha val="90000"/>
+      </a:schemeClr>
+    </dgm:fillClrLst>
+    <dgm:linClrLst>
+      <a:schemeClr val="accent1">
+        <a:shade val="80000"/>
+      </a:schemeClr>
+      <a:schemeClr val="accent1">
+        <a:tint val="70000"/>
+      </a:schemeClr>
+    </dgm:linClrLst>
+    <dgm:effectClrLst/>
+    <dgm:txLinClrLst/>
+    <dgm:txFillClrLst meth="repeat">
+      <a:schemeClr val="dk1"/>
+    </dgm:txFillClrLst>
+    <dgm:txEffectClrLst/>
+  </dgm:styleLbl>
+  <dgm:styleLbl name="solidFgAcc1">
+    <dgm:fillClrLst meth="repeat">
+      <a:schemeClr val="lt1"/>
+    </dgm:fillClrLst>
+    <dgm:linClrLst>
+      <a:schemeClr val="accent1">
+        <a:shade val="80000"/>
+      </a:schemeClr>
+      <a:schemeClr val="accent1">
+        <a:tint val="70000"/>
+      </a:schemeClr>
+    </dgm:linClrLst>
+    <dgm:effectClrLst/>
+    <dgm:txLinClrLst/>
+    <dgm:txFillClrLst meth="repeat">
+      <a:schemeClr val="dk1"/>
+    </dgm:txFillClrLst>
+    <dgm:txEffectClrLst/>
+  </dgm:styleLbl>
+  <dgm:styleLbl name="solidAlignAcc1">
+    <dgm:fillClrLst meth="repeat">
+      <a:schemeClr val="lt1"/>
+    </dgm:fillClrLst>
+    <dgm:linClrLst meth="repeat">
+      <a:schemeClr val="accent1"/>
+    </dgm:linClrLst>
+    <dgm:effectClrLst/>
+    <dgm:txLinClrLst/>
+    <dgm:txFillClrLst meth="repeat">
+      <a:schemeClr val="dk1"/>
+    </dgm:txFillClrLst>
+    <dgm:txEffectClrLst/>
+  </dgm:styleLbl>
+  <dgm:styleLbl name="solidBgAcc1">
+    <dgm:fillClrLst meth="repeat">
+      <a:schemeClr val="lt1"/>
+    </dgm:fillClrLst>
+    <dgm:linClrLst meth="repeat">
+      <a:schemeClr val="accent1"/>
+    </dgm:linClrLst>
+    <dgm:effectClrLst/>
+    <dgm:txLinClrLst/>
+    <dgm:txFillClrLst meth="repeat">
+      <a:schemeClr val="dk1"/>
+    </dgm:txFillClrLst>
+    <dgm:txEffectClrLst/>
+  </dgm:styleLbl>
+  <dgm:styleLbl name="fgAccFollowNode1">
+    <dgm:fillClrLst meth="repeat">
+      <a:schemeClr val="accent1">
+        <a:alpha val="90000"/>
+        <a:tint val="40000"/>
+      </a:schemeClr>
+    </dgm:fillClrLst>
+    <dgm:linClrLst meth="repeat">
+      <a:schemeClr val="accent1">
+        <a:alpha val="90000"/>
+        <a:tint val="40000"/>
+      </a:schemeClr>
+    </dgm:linClrLst>
+    <dgm:effectClrLst/>
+    <dgm:txLinClrLst/>
+    <dgm:txFillClrLst meth="repeat">
+      <a:schemeClr val="dk1"/>
+    </dgm:txFillClrLst>
+    <dgm:txEffectClrLst/>
+  </dgm:styleLbl>
+  <dgm:styleLbl name="alignAccFollowNode1">
+    <dgm:fillClrLst meth="repeat">
+      <a:schemeClr val="accent1">
+        <a:alpha val="90000"/>
+        <a:tint val="40000"/>
+      </a:schemeClr>
+    </dgm:fillClrLst>
+    <dgm:linClrLst meth="repeat">
+      <a:schemeClr val="accent1">
+        <a:alpha val="90000"/>
+        <a:tint val="40000"/>
+      </a:schemeClr>
+    </dgm:linClrLst>
+    <dgm:effectClrLst/>
+    <dgm:txLinClrLst/>
+    <dgm:txFillClrLst meth="repeat">
+      <a:schemeClr val="dk1"/>
+    </dgm:txFillClrLst>
+    <dgm:txEffectClrLst/>
+  </dgm:styleLbl>
+  <dgm:styleLbl name="bgAccFollowNode1">
+    <dgm:fillClrLst meth="repeat">
+      <a:schemeClr val="accent1">
+        <a:alpha val="90000"/>
+        <a:tint val="40000"/>
+      </a:schemeClr>
+    </dgm:fillClrLst>
+    <dgm:linClrLst meth="repeat">
+      <a:schemeClr val="lt1"/>
+    </dgm:linClrLst>
+    <dgm:effectClrLst/>
+    <dgm:txLinClrLst/>
+    <dgm:txFillClrLst meth="repeat">
+      <a:schemeClr val="dk1"/>
+    </dgm:txFillClrLst>
+    <dgm:txEffectClrLst/>
+  </dgm:styleLbl>
+  <dgm:styleLbl name="fgAcc0">
+    <dgm:fillClrLst meth="repeat">
+      <a:schemeClr val="lt1">
+        <a:alpha val="90000"/>
+      </a:schemeClr>
+    </dgm:fillClrLst>
+    <dgm:linClrLst meth="repeat">
+      <a:schemeClr val="accent1">
+        <a:shade val="80000"/>
+      </a:schemeClr>
+    </dgm:linClrLst>
+    <dgm:effectClrLst/>
+    <dgm:txLinClrLst/>
+    <dgm:txFillClrLst meth="repeat">
+      <a:schemeClr val="dk1"/>
+    </dgm:txFillClrLst>
+    <dgm:txEffectClrLst/>
+  </dgm:styleLbl>
+  <dgm:styleLbl name="fgAcc2">
+    <dgm:fillClrLst meth="repeat">
+      <a:schemeClr val="lt1">
+        <a:alpha val="90000"/>
+      </a:schemeClr>
+    </dgm:fillClrLst>
+    <dgm:linClrLst meth="repeat">
+      <a:schemeClr val="accent1">
+        <a:tint val="99000"/>
+      </a:schemeClr>
+    </dgm:linClrLst>
+    <dgm:effectClrLst/>
+    <dgm:txLinClrLst/>
+    <dgm:txFillClrLst meth="repeat">
+      <a:schemeClr val="dk1"/>
+    </dgm:txFillClrLst>
+    <dgm:txEffectClrLst/>
+  </dgm:styleLbl>
+  <dgm:styleLbl name="fgAcc3">
+    <dgm:fillClrLst meth="repeat">
+      <a:schemeClr val="lt1">
+        <a:alpha val="90000"/>
+      </a:schemeClr>
+    </dgm:fillClrLst>
+    <dgm:linClrLst meth="repeat">
+      <a:schemeClr val="accent1">
+        <a:tint val="80000"/>
+      </a:schemeClr>
+    </dgm:linClrLst>
+    <dgm:effectClrLst/>
+    <dgm:txLinClrLst/>
+    <dgm:txFillClrLst meth="repeat">
+      <a:schemeClr val="dk1"/>
+    </dgm:txFillClrLst>
+    <dgm:txEffectClrLst/>
+  </dgm:styleLbl>
+  <dgm:styleLbl name="fgAcc4">
+    <dgm:fillClrLst meth="repeat">
+      <a:schemeClr val="lt1">
+        <a:alpha val="90000"/>
+      </a:schemeClr>
+    </dgm:fillClrLst>
+    <dgm:linClrLst meth="repeat">
+      <a:schemeClr val="accent1">
+        <a:tint val="70000"/>
+      </a:schemeClr>
+    </dgm:linClrLst>
+    <dgm:effectClrLst/>
+    <dgm:txLinClrLst/>
+    <dgm:txFillClrLst meth="repeat">
+      <a:schemeClr val="dk1"/>
+    </dgm:txFillClrLst>
+    <dgm:txEffectClrLst/>
+  </dgm:styleLbl>
+  <dgm:styleLbl name="bgShp">
+    <dgm:fillClrLst meth="repeat">
+      <a:schemeClr val="accent1">
+        <a:tint val="40000"/>
+      </a:schemeClr>
+    </dgm:fillClrLst>
+    <dgm:linClrLst meth="repeat">
+      <a:schemeClr val="dk1"/>
+    </dgm:linClrLst>
+    <dgm:effectClrLst/>
+    <dgm:txLinClrLst/>
+    <dgm:txFillClrLst meth="repeat">
+      <a:schemeClr val="dk1"/>
+    </dgm:txFillClrLst>
+    <dgm:txEffectClrLst/>
+  </dgm:styleLbl>
+  <dgm:styleLbl name="dkBgShp">
+    <dgm:fillClrLst meth="repeat">
+      <a:schemeClr val="accent1">
+        <a:shade val="90000"/>
+      </a:schemeClr>
+    </dgm:fillClrLst>
+    <dgm:linClrLst meth="repeat">
+      <a:schemeClr val="dk1"/>
+    </dgm:linClrLst>
+    <dgm:effectClrLst/>
+    <dgm:txLinClrLst/>
+    <dgm:txFillClrLst meth="repeat">
+      <a:schemeClr val="lt1"/>
+    </dgm:txFillClrLst>
+    <dgm:txEffectClrLst/>
+  </dgm:styleLbl>
+  <dgm:styleLbl name="trBgShp">
+    <dgm:fillClrLst meth="repeat">
+      <a:schemeClr val="accent1">
+        <a:tint val="50000"/>
+        <a:alpha val="40000"/>
+      </a:schemeClr>
+    </dgm:fillClrLst>
+    <dgm:linClrLst meth="repeat">
+      <a:schemeClr val="accent1"/>
+    </dgm:linClrLst>
+    <dgm:effectClrLst/>
+    <dgm:txLinClrLst/>
+    <dgm:txFillClrLst meth="repeat">
+      <a:schemeClr val="lt1"/>
+    </dgm:txFillClrLst>
+    <dgm:txEffectClrLst/>
+  </dgm:styleLbl>
+  <dgm:styleLbl name="fgShp">
+    <dgm:fillClrLst meth="repeat">
+      <a:schemeClr val="accent1">
+        <a:tint val="40000"/>
+      </a:schemeClr>
+    </dgm:fillClrLst>
+    <dgm:linClrLst meth="repeat">
+      <a:schemeClr val="lt1"/>
+    </dgm:linClrLst>
+    <dgm:effectClrLst/>
+    <dgm:txLinClrLst/>
+    <dgm:txFillClrLst meth="repeat">
+      <a:schemeClr val="dk1"/>
+    </dgm:txFillClrLst>
+    <dgm:txEffectClrLst/>
+  </dgm:styleLbl>
+  <dgm:styleLbl name="revTx">
+    <dgm:fillClrLst meth="repeat">
+      <a:schemeClr val="lt1">
+        <a:alpha val="0"/>
+      </a:schemeClr>
+    </dgm:fillClrLst>
+    <dgm:linClrLst meth="repeat">
+      <a:schemeClr val="dk1">
+        <a:alpha val="0"/>
+      </a:schemeClr>
+    </dgm:linClrLst>
+    <dgm:effectClrLst/>
+    <dgm:txLinClrLst/>
+    <dgm:txFillClrLst meth="repeat">
+      <a:schemeClr val="tx1"/>
+    </dgm:txFillClrLst>
+    <dgm:txEffectClrLst/>
+  </dgm:styleLbl>
+</dgm:colorsDef>
+</file>
+
+<file path=ppt/diagrams/data1.xml><?xml version="1.0" encoding="utf-8"?>
+<dgm:dataModel xmlns:dgm="http://schemas.openxmlformats.org/drawingml/2006/diagram" xmlns:a="http://schemas.openxmlformats.org/drawingml/2006/main">
+  <dgm:ptLst>
+    <dgm:pt modelId="{DE3A5B10-AC9F-C344-9FEC-8B6887A19507}" type="doc">
+      <dgm:prSet loTypeId="urn:microsoft.com/office/officeart/2005/8/layout/process1" loCatId="" qsTypeId="urn:microsoft.com/office/officeart/2005/8/quickstyle/simple4" qsCatId="simple" csTypeId="urn:microsoft.com/office/officeart/2005/8/colors/accent1_3" csCatId="accent1" phldr="1"/>
+      <dgm:spPr/>
+    </dgm:pt>
+    <dgm:pt modelId="{97ACF81B-7121-FE4E-B001-A30A18998A79}">
+      <dgm:prSet phldrT="[文本]"/>
+      <dgm:spPr>
+        <a:solidFill>
+          <a:schemeClr val="accent5"/>
+        </a:solidFill>
+      </dgm:spPr>
+      <dgm:t>
+        <a:bodyPr/>
+        <a:lstStyle/>
+        <a:p>
+          <a:r>
+            <a:rPr lang="en-US" altLang="zh-CN" dirty="0" smtClean="0"/>
+            <a:t>Splitter</a:t>
+          </a:r>
+          <a:endParaRPr lang="zh-CN" altLang="en-US" dirty="0"/>
+        </a:p>
+      </dgm:t>
+    </dgm:pt>
+    <dgm:pt modelId="{5A4E20C8-630F-D447-BAD8-3B3D18E4E8AA}" type="parTrans" cxnId="{17482CC6-A652-2B43-AC86-F25539CF2633}">
+      <dgm:prSet/>
+      <dgm:spPr/>
+      <dgm:t>
+        <a:bodyPr/>
+        <a:lstStyle/>
+        <a:p>
+          <a:endParaRPr lang="zh-CN" altLang="en-US"/>
+        </a:p>
+      </dgm:t>
+    </dgm:pt>
+    <dgm:pt modelId="{74842A2A-9819-804A-AF26-B37849E1BEFD}" type="sibTrans" cxnId="{17482CC6-A652-2B43-AC86-F25539CF2633}">
+      <dgm:prSet/>
+      <dgm:spPr/>
+      <dgm:t>
+        <a:bodyPr/>
+        <a:lstStyle/>
+        <a:p>
+          <a:endParaRPr lang="zh-CN" altLang="en-US"/>
+        </a:p>
+      </dgm:t>
+    </dgm:pt>
+    <dgm:pt modelId="{2AFFADB5-2FD9-A54D-BD14-34F1D56050EB}">
+      <dgm:prSet phldrT="[文本]"/>
+      <dgm:spPr>
+        <a:solidFill>
+          <a:schemeClr val="accent5"/>
+        </a:solidFill>
+      </dgm:spPr>
+      <dgm:t>
+        <a:bodyPr/>
+        <a:lstStyle/>
+        <a:p>
+          <a:r>
+            <a:rPr lang="en-US" altLang="zh-CN" dirty="0" smtClean="0"/>
+            <a:t>Extractor</a:t>
+          </a:r>
+          <a:endParaRPr lang="zh-CN" altLang="en-US" dirty="0"/>
+        </a:p>
+      </dgm:t>
+    </dgm:pt>
+    <dgm:pt modelId="{3BC8D67C-2C2C-BD43-9E47-F6EDEBCC2935}" type="parTrans" cxnId="{633E79BD-DBAB-6247-A5D3-D9F587BC3DCC}">
+      <dgm:prSet/>
+      <dgm:spPr/>
+      <dgm:t>
+        <a:bodyPr/>
+        <a:lstStyle/>
+        <a:p>
+          <a:endParaRPr lang="zh-CN" altLang="en-US"/>
+        </a:p>
+      </dgm:t>
+    </dgm:pt>
+    <dgm:pt modelId="{8D456137-1A61-BA4D-BF7D-2CC10A68B41A}" type="sibTrans" cxnId="{633E79BD-DBAB-6247-A5D3-D9F587BC3DCC}">
+      <dgm:prSet/>
+      <dgm:spPr/>
+      <dgm:t>
+        <a:bodyPr/>
+        <a:lstStyle/>
+        <a:p>
+          <a:endParaRPr lang="zh-CN" altLang="en-US"/>
+        </a:p>
+      </dgm:t>
+    </dgm:pt>
+    <dgm:pt modelId="{ED519EC0-D695-5648-A79E-1F44C9860B19}">
+      <dgm:prSet phldrT="[文本]"/>
+      <dgm:spPr>
+        <a:solidFill>
+          <a:schemeClr val="accent2"/>
+        </a:solidFill>
+      </dgm:spPr>
+      <dgm:t>
+        <a:bodyPr/>
+        <a:lstStyle/>
+        <a:p>
+          <a:r>
+            <a:rPr lang="en-US" altLang="zh-CN" dirty="0" smtClean="0"/>
+            <a:t>Random Forest</a:t>
+          </a:r>
+          <a:endParaRPr lang="zh-CN" altLang="en-US" dirty="0"/>
+        </a:p>
+      </dgm:t>
+    </dgm:pt>
+    <dgm:pt modelId="{4AF5C66E-1E3D-F543-84BE-5A13327AF7C0}" type="parTrans" cxnId="{5D74D57C-710C-394D-BC67-38DE7EBF8DFC}">
+      <dgm:prSet/>
+      <dgm:spPr/>
+      <dgm:t>
+        <a:bodyPr/>
+        <a:lstStyle/>
+        <a:p>
+          <a:endParaRPr lang="zh-CN" altLang="en-US"/>
+        </a:p>
+      </dgm:t>
+    </dgm:pt>
+    <dgm:pt modelId="{730D4CB4-D74B-734B-BE92-919395373CBD}" type="sibTrans" cxnId="{5D74D57C-710C-394D-BC67-38DE7EBF8DFC}">
+      <dgm:prSet/>
+      <dgm:spPr/>
+      <dgm:t>
+        <a:bodyPr/>
+        <a:lstStyle/>
+        <a:p>
+          <a:endParaRPr lang="zh-CN" altLang="en-US"/>
+        </a:p>
+      </dgm:t>
+    </dgm:pt>
+    <dgm:pt modelId="{4D34E6E4-DC1C-0243-9AD5-DC95BF0DD3E9}" type="pres">
+      <dgm:prSet presAssocID="{DE3A5B10-AC9F-C344-9FEC-8B6887A19507}" presName="Name0" presStyleCnt="0">
+        <dgm:presLayoutVars>
+          <dgm:dir/>
+          <dgm:resizeHandles val="exact"/>
+        </dgm:presLayoutVars>
+      </dgm:prSet>
+      <dgm:spPr/>
+    </dgm:pt>
+    <dgm:pt modelId="{C376FAB0-9B49-6F4C-844D-F48C1A6B19BD}" type="pres">
+      <dgm:prSet presAssocID="{97ACF81B-7121-FE4E-B001-A30A18998A79}" presName="node" presStyleLbl="node1" presStyleIdx="0" presStyleCnt="3">
+        <dgm:presLayoutVars>
+          <dgm:bulletEnabled val="1"/>
+        </dgm:presLayoutVars>
+      </dgm:prSet>
+      <dgm:spPr/>
+    </dgm:pt>
+    <dgm:pt modelId="{C930B510-8E5B-3244-B7EF-F547688128FA}" type="pres">
+      <dgm:prSet presAssocID="{74842A2A-9819-804A-AF26-B37849E1BEFD}" presName="sibTrans" presStyleLbl="sibTrans2D1" presStyleIdx="0" presStyleCnt="2"/>
+      <dgm:spPr/>
+    </dgm:pt>
+    <dgm:pt modelId="{9A06A2C7-4FA5-ED4A-B8DB-05B31DC46184}" type="pres">
+      <dgm:prSet presAssocID="{74842A2A-9819-804A-AF26-B37849E1BEFD}" presName="connectorText" presStyleLbl="sibTrans2D1" presStyleIdx="0" presStyleCnt="2"/>
+      <dgm:spPr/>
+    </dgm:pt>
+    <dgm:pt modelId="{63C508AB-1E84-E74C-B315-C68099F70BB8}" type="pres">
+      <dgm:prSet presAssocID="{2AFFADB5-2FD9-A54D-BD14-34F1D56050EB}" presName="node" presStyleLbl="node1" presStyleIdx="1" presStyleCnt="3">
+        <dgm:presLayoutVars>
+          <dgm:bulletEnabled val="1"/>
+        </dgm:presLayoutVars>
+      </dgm:prSet>
+      <dgm:spPr/>
+      <dgm:t>
+        <a:bodyPr/>
+        <a:lstStyle/>
+        <a:p>
+          <a:endParaRPr lang="zh-CN" altLang="en-US"/>
+        </a:p>
+      </dgm:t>
+    </dgm:pt>
+    <dgm:pt modelId="{33892F8B-FB7B-2542-A983-FFCFB89B6512}" type="pres">
+      <dgm:prSet presAssocID="{8D456137-1A61-BA4D-BF7D-2CC10A68B41A}" presName="sibTrans" presStyleLbl="sibTrans2D1" presStyleIdx="1" presStyleCnt="2"/>
+      <dgm:spPr/>
+    </dgm:pt>
+    <dgm:pt modelId="{3638FCE4-6486-3446-B7EA-1B1C6185491F}" type="pres">
+      <dgm:prSet presAssocID="{8D456137-1A61-BA4D-BF7D-2CC10A68B41A}" presName="connectorText" presStyleLbl="sibTrans2D1" presStyleIdx="1" presStyleCnt="2"/>
+      <dgm:spPr/>
+    </dgm:pt>
+    <dgm:pt modelId="{49AF9875-7129-6943-9AEE-C55444EB0440}" type="pres">
+      <dgm:prSet presAssocID="{ED519EC0-D695-5648-A79E-1F44C9860B19}" presName="node" presStyleLbl="node1" presStyleIdx="2" presStyleCnt="3">
+        <dgm:presLayoutVars>
+          <dgm:bulletEnabled val="1"/>
+        </dgm:presLayoutVars>
+      </dgm:prSet>
+      <dgm:spPr/>
+      <dgm:t>
+        <a:bodyPr/>
+        <a:lstStyle/>
+        <a:p>
+          <a:endParaRPr lang="zh-CN" altLang="en-US"/>
+        </a:p>
+      </dgm:t>
+    </dgm:pt>
+  </dgm:ptLst>
+  <dgm:cxnLst>
+    <dgm:cxn modelId="{8CCBC260-015B-994B-AA92-0DD76F58F753}" type="presOf" srcId="{8D456137-1A61-BA4D-BF7D-2CC10A68B41A}" destId="{3638FCE4-6486-3446-B7EA-1B1C6185491F}" srcOrd="1" destOrd="0" presId="urn:microsoft.com/office/officeart/2005/8/layout/process1"/>
+    <dgm:cxn modelId="{633E79BD-DBAB-6247-A5D3-D9F587BC3DCC}" srcId="{DE3A5B10-AC9F-C344-9FEC-8B6887A19507}" destId="{2AFFADB5-2FD9-A54D-BD14-34F1D56050EB}" srcOrd="1" destOrd="0" parTransId="{3BC8D67C-2C2C-BD43-9E47-F6EDEBCC2935}" sibTransId="{8D456137-1A61-BA4D-BF7D-2CC10A68B41A}"/>
+    <dgm:cxn modelId="{577859BB-3416-0B48-812C-9851889E23DB}" type="presOf" srcId="{74842A2A-9819-804A-AF26-B37849E1BEFD}" destId="{C930B510-8E5B-3244-B7EF-F547688128FA}" srcOrd="0" destOrd="0" presId="urn:microsoft.com/office/officeart/2005/8/layout/process1"/>
+    <dgm:cxn modelId="{BFF38D4B-95B8-AD48-B898-3BBA133B7446}" type="presOf" srcId="{74842A2A-9819-804A-AF26-B37849E1BEFD}" destId="{9A06A2C7-4FA5-ED4A-B8DB-05B31DC46184}" srcOrd="1" destOrd="0" presId="urn:microsoft.com/office/officeart/2005/8/layout/process1"/>
+    <dgm:cxn modelId="{F957421F-60FA-1842-AEA9-0F3640C615D5}" type="presOf" srcId="{2AFFADB5-2FD9-A54D-BD14-34F1D56050EB}" destId="{63C508AB-1E84-E74C-B315-C68099F70BB8}" srcOrd="0" destOrd="0" presId="urn:microsoft.com/office/officeart/2005/8/layout/process1"/>
+    <dgm:cxn modelId="{CD892C7B-922F-9B4B-A5FF-7FB5CAA0187C}" type="presOf" srcId="{DE3A5B10-AC9F-C344-9FEC-8B6887A19507}" destId="{4D34E6E4-DC1C-0243-9AD5-DC95BF0DD3E9}" srcOrd="0" destOrd="0" presId="urn:microsoft.com/office/officeart/2005/8/layout/process1"/>
+    <dgm:cxn modelId="{5D74D57C-710C-394D-BC67-38DE7EBF8DFC}" srcId="{DE3A5B10-AC9F-C344-9FEC-8B6887A19507}" destId="{ED519EC0-D695-5648-A79E-1F44C9860B19}" srcOrd="2" destOrd="0" parTransId="{4AF5C66E-1E3D-F543-84BE-5A13327AF7C0}" sibTransId="{730D4CB4-D74B-734B-BE92-919395373CBD}"/>
+    <dgm:cxn modelId="{2C139330-1B5D-F048-836A-C22F5EED0505}" type="presOf" srcId="{97ACF81B-7121-FE4E-B001-A30A18998A79}" destId="{C376FAB0-9B49-6F4C-844D-F48C1A6B19BD}" srcOrd="0" destOrd="0" presId="urn:microsoft.com/office/officeart/2005/8/layout/process1"/>
+    <dgm:cxn modelId="{F1EED440-58F6-904D-8E07-12314ABE155F}" type="presOf" srcId="{8D456137-1A61-BA4D-BF7D-2CC10A68B41A}" destId="{33892F8B-FB7B-2542-A983-FFCFB89B6512}" srcOrd="0" destOrd="0" presId="urn:microsoft.com/office/officeart/2005/8/layout/process1"/>
+    <dgm:cxn modelId="{17482CC6-A652-2B43-AC86-F25539CF2633}" srcId="{DE3A5B10-AC9F-C344-9FEC-8B6887A19507}" destId="{97ACF81B-7121-FE4E-B001-A30A18998A79}" srcOrd="0" destOrd="0" parTransId="{5A4E20C8-630F-D447-BAD8-3B3D18E4E8AA}" sibTransId="{74842A2A-9819-804A-AF26-B37849E1BEFD}"/>
+    <dgm:cxn modelId="{6B59913A-8635-934D-BFFF-20E372EAF706}" type="presOf" srcId="{ED519EC0-D695-5648-A79E-1F44C9860B19}" destId="{49AF9875-7129-6943-9AEE-C55444EB0440}" srcOrd="0" destOrd="0" presId="urn:microsoft.com/office/officeart/2005/8/layout/process1"/>
+    <dgm:cxn modelId="{64CB019A-6692-9D4E-A2C7-53C927CE9D6A}" type="presParOf" srcId="{4D34E6E4-DC1C-0243-9AD5-DC95BF0DD3E9}" destId="{C376FAB0-9B49-6F4C-844D-F48C1A6B19BD}" srcOrd="0" destOrd="0" presId="urn:microsoft.com/office/officeart/2005/8/layout/process1"/>
+    <dgm:cxn modelId="{82C7CFE9-AFA9-A84F-A7C6-EBE3EBE681A1}" type="presParOf" srcId="{4D34E6E4-DC1C-0243-9AD5-DC95BF0DD3E9}" destId="{C930B510-8E5B-3244-B7EF-F547688128FA}" srcOrd="1" destOrd="0" presId="urn:microsoft.com/office/officeart/2005/8/layout/process1"/>
+    <dgm:cxn modelId="{482127F8-E682-B54E-8DE9-4FA099A95DC7}" type="presParOf" srcId="{C930B510-8E5B-3244-B7EF-F547688128FA}" destId="{9A06A2C7-4FA5-ED4A-B8DB-05B31DC46184}" srcOrd="0" destOrd="0" presId="urn:microsoft.com/office/officeart/2005/8/layout/process1"/>
+    <dgm:cxn modelId="{82FA1D9F-97F3-AF44-AF5E-29D80EAE4D06}" type="presParOf" srcId="{4D34E6E4-DC1C-0243-9AD5-DC95BF0DD3E9}" destId="{63C508AB-1E84-E74C-B315-C68099F70BB8}" srcOrd="2" destOrd="0" presId="urn:microsoft.com/office/officeart/2005/8/layout/process1"/>
+    <dgm:cxn modelId="{C1CD2371-7A2D-1E4E-99AE-EA19A57318E5}" type="presParOf" srcId="{4D34E6E4-DC1C-0243-9AD5-DC95BF0DD3E9}" destId="{33892F8B-FB7B-2542-A983-FFCFB89B6512}" srcOrd="3" destOrd="0" presId="urn:microsoft.com/office/officeart/2005/8/layout/process1"/>
+    <dgm:cxn modelId="{E5148166-0601-6548-8E0E-8967AAF4E0D7}" type="presParOf" srcId="{33892F8B-FB7B-2542-A983-FFCFB89B6512}" destId="{3638FCE4-6486-3446-B7EA-1B1C6185491F}" srcOrd="0" destOrd="0" presId="urn:microsoft.com/office/officeart/2005/8/layout/process1"/>
+    <dgm:cxn modelId="{466DE6D9-DFB1-3B41-916B-245E55C41577}" type="presParOf" srcId="{4D34E6E4-DC1C-0243-9AD5-DC95BF0DD3E9}" destId="{49AF9875-7129-6943-9AEE-C55444EB0440}" srcOrd="4" destOrd="0" presId="urn:microsoft.com/office/officeart/2005/8/layout/process1"/>
+  </dgm:cxnLst>
+  <dgm:bg/>
+  <dgm:whole/>
+  <dgm:extLst>
+    <a:ext uri="http://schemas.microsoft.com/office/drawing/2008/diagram">
+      <dsp:dataModelExt xmlns:dsp="http://schemas.microsoft.com/office/drawing/2008/diagram" relId="rId7" minVer="http://schemas.openxmlformats.org/drawingml/2006/diagram"/>
+    </a:ext>
+  </dgm:extLst>
+</dgm:dataModel>
+</file>
+
+<file path=ppt/diagrams/drawing1.xml><?xml version="1.0" encoding="utf-8"?>
+<dsp:drawing xmlns:dgm="http://schemas.openxmlformats.org/drawingml/2006/diagram" xmlns:dsp="http://schemas.microsoft.com/office/drawing/2008/diagram" xmlns:a="http://schemas.openxmlformats.org/drawingml/2006/main">
+  <dsp:spTree>
+    <dsp:nvGrpSpPr>
+      <dsp:cNvPr id="0" name=""/>
+      <dsp:cNvGrpSpPr/>
+    </dsp:nvGrpSpPr>
+    <dsp:grpSpPr/>
+    <dsp:sp modelId="{C376FAB0-9B49-6F4C-844D-F48C1A6B19BD}">
+      <dsp:nvSpPr>
+        <dsp:cNvPr id="0" name=""/>
+        <dsp:cNvSpPr/>
+      </dsp:nvSpPr>
+      <dsp:spPr>
+        <a:xfrm>
+          <a:off x="7233" y="1614418"/>
+          <a:ext cx="2161877" cy="1297126"/>
+        </a:xfrm>
+        <a:prstGeom prst="roundRect">
+          <a:avLst>
+            <a:gd name="adj" fmla="val 10000"/>
+          </a:avLst>
+        </a:prstGeom>
+        <a:solidFill>
+          <a:schemeClr val="accent5"/>
+        </a:solidFill>
+        <a:ln>
+          <a:noFill/>
+        </a:ln>
+        <a:effectLst>
+          <a:outerShdw blurRad="40000" dist="23000" dir="5400000" rotWithShape="0">
+            <a:srgbClr val="000000">
+              <a:alpha val="35000"/>
+            </a:srgbClr>
+          </a:outerShdw>
+        </a:effectLst>
+      </dsp:spPr>
+      <dsp:style>
+        <a:lnRef idx="0">
+          <a:scrgbClr r="0" g="0" b="0"/>
+        </a:lnRef>
+        <a:fillRef idx="3">
+          <a:scrgbClr r="0" g="0" b="0"/>
+        </a:fillRef>
+        <a:effectRef idx="2">
+          <a:scrgbClr r="0" g="0" b="0"/>
+        </a:effectRef>
+        <a:fontRef idx="minor">
+          <a:schemeClr val="lt1"/>
+        </a:fontRef>
+      </dsp:style>
+      <dsp:txBody>
+        <a:bodyPr spcFirstLastPara="0" vert="horz" wrap="square" lIns="129540" tIns="129540" rIns="129540" bIns="129540" numCol="1" spcCol="1270" anchor="ctr" anchorCtr="0">
+          <a:noAutofit/>
+        </a:bodyPr>
+        <a:lstStyle/>
+        <a:p>
+          <a:pPr lvl="0" algn="ctr" defTabSz="1511300">
+            <a:lnSpc>
+              <a:spcPct val="90000"/>
+            </a:lnSpc>
+            <a:spcBef>
+              <a:spcPct val="0"/>
+            </a:spcBef>
+            <a:spcAft>
+              <a:spcPct val="35000"/>
+            </a:spcAft>
+          </a:pPr>
+          <a:r>
+            <a:rPr lang="en-US" altLang="zh-CN" sz="3400" kern="1200" dirty="0" smtClean="0"/>
+            <a:t>Splitter</a:t>
+          </a:r>
+          <a:endParaRPr lang="zh-CN" altLang="en-US" sz="3400" kern="1200" dirty="0"/>
+        </a:p>
+      </dsp:txBody>
+      <dsp:txXfrm>
+        <a:off x="45225" y="1652410"/>
+        <a:ext cx="2085893" cy="1221142"/>
+      </dsp:txXfrm>
+    </dsp:sp>
+    <dsp:sp modelId="{C930B510-8E5B-3244-B7EF-F547688128FA}">
+      <dsp:nvSpPr>
+        <dsp:cNvPr id="0" name=""/>
+        <dsp:cNvSpPr/>
+      </dsp:nvSpPr>
+      <dsp:spPr>
+        <a:xfrm>
+          <a:off x="2385298" y="1994908"/>
+          <a:ext cx="458317" cy="536145"/>
+        </a:xfrm>
+        <a:prstGeom prst="rightArrow">
+          <a:avLst>
+            <a:gd name="adj1" fmla="val 60000"/>
+            <a:gd name="adj2" fmla="val 50000"/>
+          </a:avLst>
+        </a:prstGeom>
+        <a:gradFill rotWithShape="0">
+          <a:gsLst>
+            <a:gs pos="0">
+              <a:schemeClr val="accent1">
+                <a:shade val="90000"/>
+                <a:hueOff val="0"/>
+                <a:satOff val="0"/>
+                <a:lumOff val="0"/>
+                <a:alphaOff val="0"/>
+                <a:tint val="100000"/>
+                <a:shade val="100000"/>
+                <a:satMod val="130000"/>
+              </a:schemeClr>
+            </a:gs>
+            <a:gs pos="100000">
+              <a:schemeClr val="accent1">
+                <a:shade val="90000"/>
+                <a:hueOff val="0"/>
+                <a:satOff val="0"/>
+                <a:lumOff val="0"/>
+                <a:alphaOff val="0"/>
+                <a:tint val="50000"/>
+                <a:shade val="100000"/>
+                <a:satMod val="350000"/>
+              </a:schemeClr>
+            </a:gs>
+          </a:gsLst>
+          <a:lin ang="16200000" scaled="0"/>
+        </a:gradFill>
+        <a:ln>
+          <a:noFill/>
+        </a:ln>
+        <a:effectLst>
+          <a:outerShdw blurRad="40000" dist="23000" dir="5400000" rotWithShape="0">
+            <a:srgbClr val="000000">
+              <a:alpha val="35000"/>
+            </a:srgbClr>
+          </a:outerShdw>
+        </a:effectLst>
+      </dsp:spPr>
+      <dsp:style>
+        <a:lnRef idx="0">
+          <a:scrgbClr r="0" g="0" b="0"/>
+        </a:lnRef>
+        <a:fillRef idx="3">
+          <a:scrgbClr r="0" g="0" b="0"/>
+        </a:fillRef>
+        <a:effectRef idx="2">
+          <a:scrgbClr r="0" g="0" b="0"/>
+        </a:effectRef>
+        <a:fontRef idx="minor">
+          <a:schemeClr val="lt1"/>
+        </a:fontRef>
+      </dsp:style>
+      <dsp:txBody>
+        <a:bodyPr spcFirstLastPara="0" vert="horz" wrap="square" lIns="0" tIns="0" rIns="0" bIns="0" numCol="1" spcCol="1270" anchor="ctr" anchorCtr="0">
+          <a:noAutofit/>
+        </a:bodyPr>
+        <a:lstStyle/>
+        <a:p>
+          <a:pPr lvl="0" algn="ctr" defTabSz="1022350">
+            <a:lnSpc>
+              <a:spcPct val="90000"/>
+            </a:lnSpc>
+            <a:spcBef>
+              <a:spcPct val="0"/>
+            </a:spcBef>
+            <a:spcAft>
+              <a:spcPct val="35000"/>
+            </a:spcAft>
+          </a:pPr>
+          <a:endParaRPr lang="zh-CN" altLang="en-US" sz="2300" kern="1200"/>
+        </a:p>
+      </dsp:txBody>
+      <dsp:txXfrm>
+        <a:off x="2385298" y="2102137"/>
+        <a:ext cx="320822" cy="321687"/>
+      </dsp:txXfrm>
+    </dsp:sp>
+    <dsp:sp modelId="{63C508AB-1E84-E74C-B315-C68099F70BB8}">
+      <dsp:nvSpPr>
+        <dsp:cNvPr id="0" name=""/>
+        <dsp:cNvSpPr/>
+      </dsp:nvSpPr>
+      <dsp:spPr>
+        <a:xfrm>
+          <a:off x="3033861" y="1614418"/>
+          <a:ext cx="2161877" cy="1297126"/>
+        </a:xfrm>
+        <a:prstGeom prst="roundRect">
+          <a:avLst>
+            <a:gd name="adj" fmla="val 10000"/>
+          </a:avLst>
+        </a:prstGeom>
+        <a:solidFill>
+          <a:schemeClr val="accent5"/>
+        </a:solidFill>
+        <a:ln>
+          <a:noFill/>
+        </a:ln>
+        <a:effectLst>
+          <a:outerShdw blurRad="40000" dist="23000" dir="5400000" rotWithShape="0">
+            <a:srgbClr val="000000">
+              <a:alpha val="35000"/>
+            </a:srgbClr>
+          </a:outerShdw>
+        </a:effectLst>
+      </dsp:spPr>
+      <dsp:style>
+        <a:lnRef idx="0">
+          <a:scrgbClr r="0" g="0" b="0"/>
+        </a:lnRef>
+        <a:fillRef idx="3">
+          <a:scrgbClr r="0" g="0" b="0"/>
+        </a:fillRef>
+        <a:effectRef idx="2">
+          <a:scrgbClr r="0" g="0" b="0"/>
+        </a:effectRef>
+        <a:fontRef idx="minor">
+          <a:schemeClr val="lt1"/>
+        </a:fontRef>
+      </dsp:style>
+      <dsp:txBody>
+        <a:bodyPr spcFirstLastPara="0" vert="horz" wrap="square" lIns="129540" tIns="129540" rIns="129540" bIns="129540" numCol="1" spcCol="1270" anchor="ctr" anchorCtr="0">
+          <a:noAutofit/>
+        </a:bodyPr>
+        <a:lstStyle/>
+        <a:p>
+          <a:pPr lvl="0" algn="ctr" defTabSz="1511300">
+            <a:lnSpc>
+              <a:spcPct val="90000"/>
+            </a:lnSpc>
+            <a:spcBef>
+              <a:spcPct val="0"/>
+            </a:spcBef>
+            <a:spcAft>
+              <a:spcPct val="35000"/>
+            </a:spcAft>
+          </a:pPr>
+          <a:r>
+            <a:rPr lang="en-US" altLang="zh-CN" sz="3400" kern="1200" dirty="0" smtClean="0"/>
+            <a:t>Extractor</a:t>
+          </a:r>
+          <a:endParaRPr lang="zh-CN" altLang="en-US" sz="3400" kern="1200" dirty="0"/>
+        </a:p>
+      </dsp:txBody>
+      <dsp:txXfrm>
+        <a:off x="3071853" y="1652410"/>
+        <a:ext cx="2085893" cy="1221142"/>
+      </dsp:txXfrm>
+    </dsp:sp>
+    <dsp:sp modelId="{33892F8B-FB7B-2542-A983-FFCFB89B6512}">
+      <dsp:nvSpPr>
+        <dsp:cNvPr id="0" name=""/>
+        <dsp:cNvSpPr/>
+      </dsp:nvSpPr>
+      <dsp:spPr>
+        <a:xfrm>
+          <a:off x="5411926" y="1994908"/>
+          <a:ext cx="458317" cy="536145"/>
+        </a:xfrm>
+        <a:prstGeom prst="rightArrow">
+          <a:avLst>
+            <a:gd name="adj1" fmla="val 60000"/>
+            <a:gd name="adj2" fmla="val 50000"/>
+          </a:avLst>
+        </a:prstGeom>
+        <a:gradFill rotWithShape="0">
+          <a:gsLst>
+            <a:gs pos="0">
+              <a:schemeClr val="accent1">
+                <a:shade val="90000"/>
+                <a:hueOff val="306301"/>
+                <a:satOff val="-4255"/>
+                <a:lumOff val="22954"/>
+                <a:alphaOff val="0"/>
+                <a:tint val="100000"/>
+                <a:shade val="100000"/>
+                <a:satMod val="130000"/>
+              </a:schemeClr>
+            </a:gs>
+            <a:gs pos="100000">
+              <a:schemeClr val="accent1">
+                <a:shade val="90000"/>
+                <a:hueOff val="306301"/>
+                <a:satOff val="-4255"/>
+                <a:lumOff val="22954"/>
+                <a:alphaOff val="0"/>
+                <a:tint val="50000"/>
+                <a:shade val="100000"/>
+                <a:satMod val="350000"/>
+              </a:schemeClr>
+            </a:gs>
+          </a:gsLst>
+          <a:lin ang="16200000" scaled="0"/>
+        </a:gradFill>
+        <a:ln>
+          <a:noFill/>
+        </a:ln>
+        <a:effectLst>
+          <a:outerShdw blurRad="40000" dist="23000" dir="5400000" rotWithShape="0">
+            <a:srgbClr val="000000">
+              <a:alpha val="35000"/>
+            </a:srgbClr>
+          </a:outerShdw>
+        </a:effectLst>
+      </dsp:spPr>
+      <dsp:style>
+        <a:lnRef idx="0">
+          <a:scrgbClr r="0" g="0" b="0"/>
+        </a:lnRef>
+        <a:fillRef idx="3">
+          <a:scrgbClr r="0" g="0" b="0"/>
+        </a:fillRef>
+        <a:effectRef idx="2">
+          <a:scrgbClr r="0" g="0" b="0"/>
+        </a:effectRef>
+        <a:fontRef idx="minor">
+          <a:schemeClr val="lt1"/>
+        </a:fontRef>
+      </dsp:style>
+      <dsp:txBody>
+        <a:bodyPr spcFirstLastPara="0" vert="horz" wrap="square" lIns="0" tIns="0" rIns="0" bIns="0" numCol="1" spcCol="1270" anchor="ctr" anchorCtr="0">
+          <a:noAutofit/>
+        </a:bodyPr>
+        <a:lstStyle/>
+        <a:p>
+          <a:pPr lvl="0" algn="ctr" defTabSz="1022350">
+            <a:lnSpc>
+              <a:spcPct val="90000"/>
+            </a:lnSpc>
+            <a:spcBef>
+              <a:spcPct val="0"/>
+            </a:spcBef>
+            <a:spcAft>
+              <a:spcPct val="35000"/>
+            </a:spcAft>
+          </a:pPr>
+          <a:endParaRPr lang="zh-CN" altLang="en-US" sz="2300" kern="1200"/>
+        </a:p>
+      </dsp:txBody>
+      <dsp:txXfrm>
+        <a:off x="5411926" y="2102137"/>
+        <a:ext cx="320822" cy="321687"/>
+      </dsp:txXfrm>
+    </dsp:sp>
+    <dsp:sp modelId="{49AF9875-7129-6943-9AEE-C55444EB0440}">
+      <dsp:nvSpPr>
+        <dsp:cNvPr id="0" name=""/>
+        <dsp:cNvSpPr/>
+      </dsp:nvSpPr>
+      <dsp:spPr>
+        <a:xfrm>
+          <a:off x="6060489" y="1614418"/>
+          <a:ext cx="2161877" cy="1297126"/>
+        </a:xfrm>
+        <a:prstGeom prst="roundRect">
+          <a:avLst>
+            <a:gd name="adj" fmla="val 10000"/>
+          </a:avLst>
+        </a:prstGeom>
+        <a:solidFill>
+          <a:schemeClr val="accent2"/>
+        </a:solidFill>
+        <a:ln>
+          <a:noFill/>
+        </a:ln>
+        <a:effectLst>
+          <a:outerShdw blurRad="40000" dist="23000" dir="5400000" rotWithShape="0">
+            <a:srgbClr val="000000">
+              <a:alpha val="35000"/>
+            </a:srgbClr>
+          </a:outerShdw>
+        </a:effectLst>
+      </dsp:spPr>
+      <dsp:style>
+        <a:lnRef idx="0">
+          <a:scrgbClr r="0" g="0" b="0"/>
+        </a:lnRef>
+        <a:fillRef idx="3">
+          <a:scrgbClr r="0" g="0" b="0"/>
+        </a:fillRef>
+        <a:effectRef idx="2">
+          <a:scrgbClr r="0" g="0" b="0"/>
+        </a:effectRef>
+        <a:fontRef idx="minor">
+          <a:schemeClr val="lt1"/>
+        </a:fontRef>
+      </dsp:style>
+      <dsp:txBody>
+        <a:bodyPr spcFirstLastPara="0" vert="horz" wrap="square" lIns="129540" tIns="129540" rIns="129540" bIns="129540" numCol="1" spcCol="1270" anchor="ctr" anchorCtr="0">
+          <a:noAutofit/>
+        </a:bodyPr>
+        <a:lstStyle/>
+        <a:p>
+          <a:pPr lvl="0" algn="ctr" defTabSz="1511300">
+            <a:lnSpc>
+              <a:spcPct val="90000"/>
+            </a:lnSpc>
+            <a:spcBef>
+              <a:spcPct val="0"/>
+            </a:spcBef>
+            <a:spcAft>
+              <a:spcPct val="35000"/>
+            </a:spcAft>
+          </a:pPr>
+          <a:r>
+            <a:rPr lang="en-US" altLang="zh-CN" sz="3400" kern="1200" dirty="0" smtClean="0"/>
+            <a:t>Random Forest</a:t>
+          </a:r>
+          <a:endParaRPr lang="zh-CN" altLang="en-US" sz="3400" kern="1200" dirty="0"/>
+        </a:p>
+      </dsp:txBody>
+      <dsp:txXfrm>
+        <a:off x="6098481" y="1652410"/>
+        <a:ext cx="2085893" cy="1221142"/>
+      </dsp:txXfrm>
+    </dsp:sp>
+  </dsp:spTree>
+</dsp:drawing>
+</file>
+
+<file path=ppt/diagrams/layout1.xml><?xml version="1.0" encoding="utf-8"?>
+<dgm:layoutDef xmlns:dgm="http://schemas.openxmlformats.org/drawingml/2006/diagram" xmlns:a="http://schemas.openxmlformats.org/drawingml/2006/main" uniqueId="urn:microsoft.com/office/officeart/2005/8/layout/process1">
+  <dgm:title val=""/>
+  <dgm:desc val=""/>
+  <dgm:catLst>
+    <dgm:cat type="process" pri="1000"/>
+    <dgm:cat type="convert" pri="15000"/>
+  </dgm:catLst>
+  <dgm:sampData useDef="1">
+    <dgm:dataModel>
+      <dgm:ptLst/>
+      <dgm:bg/>
+      <dgm:whole/>
+    </dgm:dataModel>
+  </dgm:sampData>
+  <dgm:styleData>
+    <dgm:dataModel>
+      <dgm:ptLst>
+        <dgm:pt modelId="0" type="doc"/>
+        <dgm:pt modelId="1"/>
+        <dgm:pt modelId="2"/>
+      </dgm:ptLst>
+      <dgm:cxnLst>
+        <dgm:cxn modelId="3" srcId="0" destId="1" srcOrd="0" destOrd="0"/>
+        <dgm:cxn modelId="4" srcId="0" destId="2" srcOrd="1" destOrd="0"/>
+      </dgm:cxnLst>
+      <dgm:bg/>
+      <dgm:whole/>
+    </dgm:dataModel>
+  </dgm:styleData>
+  <dgm:clrData>
+    <dgm:dataModel>
+      <dgm:ptLst>
+        <dgm:pt modelId="0" type="doc"/>
+        <dgm:pt modelId="1"/>
+        <dgm:pt modelId="2"/>
+        <dgm:pt modelId="3"/>
+        <dgm:pt modelId="4"/>
+      </dgm:ptLst>
+      <dgm:cxnLst>
+        <dgm:cxn modelId="5" srcId="0" destId="1" srcOrd="0" destOrd="0"/>
+        <dgm:cxn modelId="6" srcId="0" destId="2" srcOrd="1" destOrd="0"/>
+        <dgm:cxn modelId="7" srcId="0" destId="3" srcOrd="2" destOrd="0"/>
+        <dgm:cxn modelId="8" srcId="0" destId="4" srcOrd="3" destOrd="0"/>
+      </dgm:cxnLst>
+      <dgm:bg/>
+      <dgm:whole/>
+    </dgm:dataModel>
+  </dgm:clrData>
+  <dgm:layoutNode name="Name0">
+    <dgm:varLst>
+      <dgm:dir/>
+      <dgm:resizeHandles val="exact"/>
+    </dgm:varLst>
+    <dgm:choose name="Name1">
+      <dgm:if name="Name2" func="var" arg="dir" op="equ" val="norm">
+        <dgm:alg type="lin"/>
+      </dgm:if>
+      <dgm:else name="Name3">
+        <dgm:alg type="lin">
+          <dgm:param type="linDir" val="fromR"/>
+        </dgm:alg>
+      </dgm:else>
+    </dgm:choose>
+    <dgm:shape xmlns:r="http://schemas.openxmlformats.org/officeDocument/2006/relationships" r:blip="">
+      <dgm:adjLst/>
+    </dgm:shape>
+    <dgm:presOf/>
+    <dgm:constrLst>
+      <dgm:constr type="w" for="ch" ptType="node" refType="w"/>
+      <dgm:constr type="h" for="ch" ptType="node" op="equ"/>
+      <dgm:constr type="primFontSz" for="ch" ptType="node" op="equ" val="65"/>
+      <dgm:constr type="w" for="ch" ptType="sibTrans" refType="w" refFor="ch" refPtType="node" op="equ" fact="0.4"/>
+      <dgm:constr type="h" for="ch" ptType="sibTrans" op="equ"/>
+      <dgm:constr type="primFontSz" for="des" forName="connectorText" op="equ" val="55"/>
+      <dgm:constr type="primFontSz" for="des" forName="connectorText" refType="primFontSz" refFor="ch" refPtType="node" op="lte" fact="0.8"/>
+    </dgm:constrLst>
+    <dgm:ruleLst/>
+    <dgm:forEach name="nodesForEach" axis="ch" ptType="node">
+      <dgm:layoutNode name="node">
+        <dgm:varLst>
+          <dgm:bulletEnabled val="1"/>
+        </dgm:varLst>
+        <dgm:alg type="tx"/>
+        <dgm:shape xmlns:r="http://schemas.openxmlformats.org/officeDocument/2006/relationships" type="roundRect" r:blip="">
+          <dgm:adjLst>
+            <dgm:adj idx="1" val="0.1"/>
+          </dgm:adjLst>
+        </dgm:shape>
+        <dgm:presOf axis="desOrSelf" ptType="node"/>
+        <dgm:constrLst>
+          <dgm:constr type="h" refType="w" fact="0.6"/>
+          <dgm:constr type="tMarg" refType="primFontSz" fact="0.3"/>
+          <dgm:constr type="bMarg" refType="primFontSz" fact="0.3"/>
+          <dgm:constr type="lMarg" refType="primFontSz" fact="0.3"/>
+          <dgm:constr type="rMarg" refType="primFontSz" fact="0.3"/>
+        </dgm:constrLst>
+        <dgm:ruleLst>
+          <dgm:rule type="primFontSz" val="18" fact="NaN" max="NaN"/>
+          <dgm:rule type="h" val="NaN" fact="1.5" max="NaN"/>
+          <dgm:rule type="primFontSz" val="5" fact="NaN" max="NaN"/>
+          <dgm:rule type="h" val="INF" fact="NaN" max="NaN"/>
+        </dgm:ruleLst>
+      </dgm:layoutNode>
+      <dgm:forEach name="sibTransForEach" axis="followSib" ptType="sibTrans" cnt="1">
+        <dgm:layoutNode name="sibTrans">
+          <dgm:alg type="conn">
+            <dgm:param type="begPts" val="auto"/>
+            <dgm:param type="endPts" val="auto"/>
+          </dgm:alg>
+          <dgm:shape xmlns:r="http://schemas.openxmlformats.org/officeDocument/2006/relationships" type="conn" r:blip="">
+            <dgm:adjLst/>
+          </dgm:shape>
+          <dgm:presOf axis="self"/>
+          <dgm:constrLst>
+            <dgm:constr type="h" refType="w" fact="0.62"/>
+            <dgm:constr type="connDist"/>
+            <dgm:constr type="begPad" refType="connDist" fact="0.25"/>
+            <dgm:constr type="endPad" refType="connDist" fact="0.22"/>
+          </dgm:constrLst>
+          <dgm:ruleLst/>
+          <dgm:layoutNode name="connectorText">
+            <dgm:alg type="tx">
+              <dgm:param type="autoTxRot" val="grav"/>
+            </dgm:alg>
+            <dgm:shape xmlns:r="http://schemas.openxmlformats.org/officeDocument/2006/relationships" type="conn" r:blip="" hideGeom="1">
+              <dgm:adjLst/>
+            </dgm:shape>
+            <dgm:presOf axis="self"/>
+            <dgm:constrLst>
+              <dgm:constr type="lMarg"/>
+              <dgm:constr type="rMarg"/>
+              <dgm:constr type="tMarg"/>
+              <dgm:constr type="bMarg"/>
+            </dgm:constrLst>
+            <dgm:ruleLst>
+              <dgm:rule type="primFontSz" val="5" fact="NaN" max="NaN"/>
+            </dgm:ruleLst>
+          </dgm:layoutNode>
+        </dgm:layoutNode>
+      </dgm:forEach>
+    </dgm:forEach>
+  </dgm:layoutNode>
+</dgm:layoutDef>
+</file>
+
+<file path=ppt/diagrams/quickStyle1.xml><?xml version="1.0" encoding="utf-8"?>
+<dgm:styleDef xmlns:dgm="http://schemas.openxmlformats.org/drawingml/2006/diagram" xmlns:a="http://schemas.openxmlformats.org/drawingml/2006/main" uniqueId="urn:microsoft.com/office/officeart/2005/8/quickstyle/simple4">
+  <dgm:title val=""/>
+  <dgm:desc val=""/>
+  <dgm:catLst>
+    <dgm:cat type="simple" pri="10400"/>
+  </dgm:catLst>
+  <dgm:scene3d>
+    <a:camera prst="orthographicFront"/>
+    <a:lightRig rig="threePt" dir="t"/>
+  </dgm:scene3d>
+  <dgm:styleLbl name="node0">
+    <dgm:scene3d>
+      <a:camera prst="orthographicFront"/>
+      <a:lightRig rig="threePt" dir="t"/>
+    </dgm:scene3d>
+    <dgm:sp3d/>
+    <dgm:txPr/>
+    <dgm:style>
+      <a:lnRef idx="0">
+        <a:scrgbClr r="0" g="0" b="0"/>
+      </a:lnRef>
+      <a:fillRef idx="3">
+        <a:scrgbClr r="0" g="0" b="0"/>
+      </a:fillRef>
+      <a:effectRef idx="2">
+        <a:scrgbClr r="0" g="0" b="0"/>
+      </a:effectRef>
+      <a:fontRef idx="minor">
+        <a:schemeClr val="lt1"/>
+      </a:fontRef>
+    </dgm:style>
+  </dgm:styleLbl>
+  <dgm:styleLbl name="lnNode1">
+    <dgm:scene3d>
+      <a:camera prst="orthographicFront"/>
+      <a:lightRig rig="threePt" dir="t"/>
+    </dgm:scene3d>
+    <dgm:sp3d/>
+    <dgm:txPr/>
+    <dgm:style>
+      <a:lnRef idx="1">
+        <a:scrgbClr r="0" g="0" b="0"/>
+      </a:lnRef>
+      <a:fillRef idx="3">
+        <a:scrgbClr r="0" g="0" b="0"/>
+      </a:fillRef>
+      <a:effectRef idx="2">
+        <a:scrgbClr r="0" g="0" b="0"/>
+      </a:effectRef>
+      <a:fontRef idx="minor">
+        <a:schemeClr val="lt1"/>
+      </a:fontRef>
+    </dgm:style>
+  </dgm:styleLbl>
+  <dgm:styleLbl name="vennNode1">
+    <dgm:scene3d>
+      <a:camera prst="orthographicFront"/>
+      <a:lightRig rig="threePt" dir="t"/>
+    </dgm:scene3d>
+    <dgm:sp3d/>
+    <dgm:txPr/>
+    <dgm:style>
+      <a:lnRef idx="0">
+        <a:scrgbClr r="0" g="0" b="0"/>
+      </a:lnRef>
+      <a:fillRef idx="3">
+        <a:scrgbClr r="0" g="0" b="0"/>
+      </a:fillRef>
+      <a:effectRef idx="0">
+        <a:scrgbClr r="0" g="0" b="0"/>
+      </a:effectRef>
+      <a:fontRef idx="minor">
+        <a:schemeClr val="tx1"/>
+      </a:fontRef>
+    </dgm:style>
+  </dgm:styleLbl>
+  <dgm:styleLbl name="alignNode1">
+    <dgm:scene3d>
+      <a:camera prst="orthographicFront"/>
+      <a:lightRig rig="threePt" dir="t"/>
+    </dgm:scene3d>
+    <dgm:sp3d/>
+    <dgm:txPr/>
+    <dgm:style>
+      <a:lnRef idx="1">
+        <a:scrgbClr r="0" g="0" b="0"/>
+      </a:lnRef>
+      <a:fillRef idx="3">
+        <a:scrgbClr r="0" g="0" b="0"/>
+      </a:fillRef>
+      <a:effectRef idx="2">
+        <a:scrgbClr r="0" g="0" b="0"/>
+      </a:effectRef>
+      <a:fontRef idx="minor">
+        <a:schemeClr val="lt1"/>
+      </a:fontRef>
+    </dgm:style>
+  </dgm:styleLbl>
+  <dgm:styleLbl name="node1">
+    <dgm:scene3d>
+      <a:camera prst="orthographicFront"/>
+      <a:lightRig rig="threePt" dir="t"/>
+    </dgm:scene3d>
+    <dgm:sp3d/>
+    <dgm:txPr/>
+    <dgm:style>
+      <a:lnRef idx="0">
+        <a:scrgbClr r="0" g="0" b="0"/>
+      </a:lnRef>
+      <a:fillRef idx="3">
+        <a:scrgbClr r="0" g="0" b="0"/>
+      </a:fillRef>
+      <a:effectRef idx="2">
+        <a:scrgbClr r="0" g="0" b="0"/>
+      </a:effectRef>
+      <a:fontRef idx="minor">
+        <a:schemeClr val="lt1"/>
+      </a:fontRef>
+    </dgm:style>
+  </dgm:styleLbl>
+  <dgm:styleLbl name="node2">
+    <dgm:scene3d>
+      <a:camera prst="orthographicFront"/>
+      <a:lightRig rig="threePt" dir="t"/>
+    </dgm:scene3d>
+    <dgm:sp3d/>
+    <dgm:txPr/>
+    <dgm:style>
+      <a:lnRef idx="0">
+        <a:scrgbClr r="0" g="0" b="0"/>
+      </a:lnRef>
+      <a:fillRef idx="3">
+        <a:scrgbClr r="0" g="0" b="0"/>
+      </a:fillRef>
+      <a:effectRef idx="2">
+        <a:scrgbClr r="0" g="0" b="0"/>
+      </a:effectRef>
+      <a:fontRef idx="minor">
+        <a:schemeClr val="lt1"/>
+      </a:fontRef>
+    </dgm:style>
+  </dgm:styleLbl>
+  <dgm:styleLbl name="node3">
+    <dgm:scene3d>
+      <a:camera prst="orthographicFront"/>
+      <a:lightRig rig="threePt" dir="t"/>
+    </dgm:scene3d>
+    <dgm:sp3d/>
+    <dgm:txPr/>
+    <dgm:style>
+      <a:lnRef idx="0">
+        <a:scrgbClr r="0" g="0" b="0"/>
+      </a:lnRef>
+      <a:fillRef idx="3">
+        <a:scrgbClr r="0" g="0" b="0"/>
+      </a:fillRef>
+      <a:effectRef idx="2">
+        <a:scrgbClr r="0" g="0" b="0"/>
+      </a:effectRef>
+      <a:fontRef idx="minor">
+        <a:schemeClr val="lt1"/>
+      </a:fontRef>
+    </dgm:style>
+  </dgm:styleLbl>
+  <dgm:styleLbl name="node4">
+    <dgm:scene3d>
+      <a:camera prst="orthographicFront"/>
+      <a:lightRig rig="threePt" dir="t"/>
+    </dgm:scene3d>
+    <dgm:sp3d/>
+    <dgm:txPr/>
+    <dgm:style>
+      <a:lnRef idx="0">
+        <a:scrgbClr r="0" g="0" b="0"/>
+      </a:lnRef>
+      <a:fillRef idx="3">
+        <a:scrgbClr r="0" g="0" b="0"/>
+      </a:fillRef>
+      <a:effectRef idx="2">
+        <a:scrgbClr r="0" g="0" b="0"/>
+      </a:effectRef>
+      <a:fontRef idx="minor">
+        <a:schemeClr val="lt1"/>
+      </a:fontRef>
+    </dgm:style>
+  </dgm:styleLbl>
+  <dgm:styleLbl name="fgImgPlace1">
+    <dgm:scene3d>
+      <a:camera prst="orthographicFront"/>
+      <a:lightRig rig="threePt" dir="t"/>
+    </dgm:scene3d>
+    <dgm:sp3d/>
+    <dgm:txPr/>
+    <dgm:style>
+      <a:lnRef idx="0">
+        <a:scrgbClr r="0" g="0" b="0"/>
+      </a:lnRef>
+      <a:fillRef idx="1">
+        <a:scrgbClr r="0" g="0" b="0"/>
+      </a:fillRef>
+      <a:effectRef idx="2">
+        <a:scrgbClr r="0" g="0" b="0"/>
+      </a:effectRef>
+      <a:fontRef idx="minor"/>
+    </dgm:style>
+  </dgm:styleLbl>
+  <dgm:styleLbl name="alignImgPlace1">
+    <dgm:scene3d>
+      <a:camera prst="orthographicFront"/>
+      <a:lightRig rig="threePt" dir="t"/>
+    </dgm:scene3d>
+    <dgm:sp3d/>
+    <dgm:txPr/>
+    <dgm:style>
+      <a:lnRef idx="0">
+        <a:scrgbClr r="0" g="0" b="0"/>
+      </a:lnRef>
+      <a:fillRef idx="1">
+        <a:scrgbClr r="0" g="0" b="0"/>
+      </a:fillRef>
+      <a:effectRef idx="2">
+        <a:scrgbClr r="0" g="0" b="0"/>
+      </a:effectRef>
+      <a:fontRef idx="minor"/>
+    </dgm:style>
+  </dgm:styleLbl>
+  <dgm:styleLbl name="bgImgPlace1">
+    <dgm:scene3d>
+      <a:camera prst="orthographicFront"/>
+      <a:lightRig rig="threePt" dir="t"/>
+    </dgm:scene3d>
+    <dgm:sp3d/>
+    <dgm:txPr/>
+    <dgm:style>
+      <a:lnRef idx="0">
+        <a:scrgbClr r="0" g="0" b="0"/>
+      </a:lnRef>
+      <a:fillRef idx="1">
+        <a:scrgbClr r="0" g="0" b="0"/>
+      </a:fillRef>
+      <a:effectRef idx="2">
+        <a:scrgbClr r="0" g="0" b="0"/>
+      </a:effectRef>
+      <a:fontRef idx="minor"/>
+    </dgm:style>
+  </dgm:styleLbl>
+  <dgm:styleLbl name="sibTrans2D1">
+    <dgm:scene3d>
+      <a:camera prst="orthographicFront"/>
+      <a:lightRig rig="threePt" dir="t"/>
+    </dgm:scene3d>
+    <dgm:sp3d/>
+    <dgm:txPr/>
+    <dgm:style>
+      <a:lnRef idx="0">
+        <a:scrgbClr r="0" g="0" b="0"/>
+      </a:lnRef>
+      <a:fillRef idx="3">
+        <a:scrgbClr r="0" g="0" b="0"/>
+      </a:fillRef>
+      <a:effectRef idx="2">
+        <a:scrgbClr r="0" g="0" b="0"/>
+      </a:effectRef>
+      <a:fontRef idx="minor">
+        <a:schemeClr val="lt1"/>
+      </a:fontRef>
+    </dgm:style>
+  </dgm:styleLbl>
+  <dgm:styleLbl name="fgSibTrans2D1">
+    <dgm:scene3d>
+      <a:camera prst="orthographicFront"/>
+      <a:lightRig rig="threePt" dir="t"/>
+    </dgm:scene3d>
+    <dgm:sp3d/>
+    <dgm:txPr/>
+    <dgm:style>
+      <a:lnRef idx="0">
+        <a:scrgbClr r="0" g="0" b="0"/>
+      </a:lnRef>
+      <a:fillRef idx="3">
+        <a:scrgbClr r="0" g="0" b="0"/>
+      </a:fillRef>
+      <a:effectRef idx="2">
+        <a:scrgbClr r="0" g="0" b="0"/>
+      </a:effectRef>
+      <a:fontRef idx="minor">
+        <a:schemeClr val="lt1"/>
+      </a:fontRef>
+    </dgm:style>
+  </dgm:styleLbl>
+  <dgm:styleLbl name="bgSibTrans2D1">
+    <dgm:scene3d>
+      <a:camera prst="orthographicFront"/>
+      <a:lightRig rig="threePt" dir="t"/>
+    </dgm:scene3d>
+    <dgm:sp3d/>
+    <dgm:txPr/>
+    <dgm:style>
+      <a:lnRef idx="0">
+        <a:scrgbClr r="0" g="0" b="0"/>
+      </a:lnRef>
+      <a:fillRef idx="3">
+        <a:scrgbClr r="0" g="0" b="0"/>
+      </a:fillRef>
+      <a:effectRef idx="2">
+        <a:scrgbClr r="0" g="0" b="0"/>
+      </a:effectRef>
+      <a:fontRef idx="minor">
+        <a:schemeClr val="lt1"/>
+      </a:fontRef>
+    </dgm:style>
+  </dgm:styleLbl>
+  <dgm:styleLbl name="sibTrans1D1">
+    <dgm:scene3d>
+      <a:camera prst="orthographicFront"/>
+      <a:lightRig rig="threePt" dir="t"/>
+    </dgm:scene3d>
+    <dgm:sp3d/>
+    <dgm:txPr/>
+    <dgm:style>
+      <a:lnRef idx="1">
+        <a:scrgbClr r="0" g="0" b="0"/>
+      </a:lnRef>
+      <a:fillRef idx="0">
+        <a:scrgbClr r="0" g="0" b="0"/>
+      </a:fillRef>
+      <a:effectRef idx="0">
+        <a:scrgbClr r="0" g="0" b="0"/>
+      </a:effectRef>
+      <a:fontRef idx="minor"/>
+    </dgm:style>
+  </dgm:styleLbl>
+  <dgm:styleLbl name="callout">
+    <dgm:scene3d>
+      <a:camera prst="orthographicFront"/>
+      <a:lightRig rig="threePt" dir="t"/>
+    </dgm:scene3d>
+    <dgm:sp3d/>
+    <dgm:txPr/>
+    <dgm:style>
+      <a:lnRef idx="2">
+        <a:scrgbClr r="0" g="0" b="0"/>
+      </a:lnRef>
+      <a:fillRef idx="1">
+        <a:scrgbClr r="0" g="0" b="0"/>
+      </a:fillRef>
+      <a:effectRef idx="1">
+        <a:scrgbClr r="0" g="0" b="0"/>
+      </a:effectRef>
+      <a:fontRef idx="minor"/>
+    </dgm:style>
+  </dgm:styleLbl>
+  <dgm:styleLbl name="asst0">
+    <dgm:scene3d>
+      <a:camera prst="orthographicFront"/>
+      <a:lightRig rig="threePt" dir="t"/>
+    </dgm:scene3d>
+    <dgm:sp3d/>
+    <dgm:txPr/>
+    <dgm:style>
+      <a:lnRef idx="0">
+        <a:scrgbClr r="0" g="0" b="0"/>
+      </a:lnRef>
+      <a:fillRef idx="3">
+        <a:scrgbClr r="0" g="0" b="0"/>
+      </a:fillRef>
+      <a:effectRef idx="2">
+        <a:scrgbClr r="0" g="0" b="0"/>
+      </a:effectRef>
+      <a:fontRef idx="minor">
+        <a:schemeClr val="lt1"/>
+      </a:fontRef>
+    </dgm:style>
+  </dgm:styleLbl>
+  <dgm:styleLbl name="asst1">
+    <dgm:scene3d>
+      <a:camera prst="orthographicFront"/>
+      <a:lightRig rig="threePt" dir="t"/>
+    </dgm:scene3d>
+    <dgm:sp3d/>
+    <dgm:txPr/>
+    <dgm:style>
+      <a:lnRef idx="0">
+        <a:scrgbClr r="0" g="0" b="0"/>
+      </a:lnRef>
+      <a:fillRef idx="3">
+        <a:scrgbClr r="0" g="0" b="0"/>
+      </a:fillRef>
+      <a:effectRef idx="2">
+        <a:scrgbClr r="0" g="0" b="0"/>
+      </a:effectRef>
+      <a:fontRef idx="minor">
+        <a:schemeClr val="lt1"/>
+      </a:fontRef>
+    </dgm:style>
+  </dgm:styleLbl>
+  <dgm:styleLbl name="asst2">
+    <dgm:scene3d>
+      <a:camera prst="orthographicFront"/>
+      <a:lightRig rig="threePt" dir="t"/>
+    </dgm:scene3d>
+    <dgm:sp3d/>
+    <dgm:txPr/>
+    <dgm:style>
+      <a:lnRef idx="0">
+        <a:scrgbClr r="0" g="0" b="0"/>
+      </a:lnRef>
+      <a:fillRef idx="3">
+        <a:scrgbClr r="0" g="0" b="0"/>
+      </a:fillRef>
+      <a:effectRef idx="2">
+        <a:scrgbClr r="0" g="0" b="0"/>
+      </a:effectRef>
+      <a:fontRef idx="minor">
+        <a:schemeClr val="lt1"/>
+      </a:fontRef>
+    </dgm:style>
+  </dgm:styleLbl>
+  <dgm:styleLbl name="asst3">
+    <dgm:scene3d>
+      <a:camera prst="orthographicFront"/>
+      <a:lightRig rig="threePt" dir="t"/>
+    </dgm:scene3d>
+    <dgm:sp3d/>
+    <dgm:txPr/>
+    <dgm:style>
+      <a:lnRef idx="0">
+        <a:scrgbClr r="0" g="0" b="0"/>
+      </a:lnRef>
+      <a:fillRef idx="3">
+        <a:scrgbClr r="0" g="0" b="0"/>
+      </a:fillRef>
+      <a:effectRef idx="2">
+        <a:scrgbClr r="0" g="0" b="0"/>
+      </a:effectRef>
+      <a:fontRef idx="minor">
+        <a:schemeClr val="lt1"/>
+      </a:fontRef>
+    </dgm:style>
+  </dgm:styleLbl>
+  <dgm:styleLbl name="asst4">
+    <dgm:scene3d>
+      <a:camera prst="orthographicFront"/>
+      <a:lightRig rig="threePt" dir="t"/>
+    </dgm:scene3d>
+    <dgm:sp3d/>
+    <dgm:txPr/>
+    <dgm:style>
+      <a:lnRef idx="0">
+        <a:scrgbClr r="0" g="0" b="0"/>
+      </a:lnRef>
+      <a:fillRef idx="3">
+        <a:scrgbClr r="0" g="0" b="0"/>
+      </a:fillRef>
+      <a:effectRef idx="2">
+        <a:scrgbClr r="0" g="0" b="0"/>
+      </a:effectRef>
+      <a:fontRef idx="minor">
+        <a:schemeClr val="lt1"/>
+      </a:fontRef>
+    </dgm:style>
+  </dgm:styleLbl>
+  <dgm:styleLbl name="parChTrans2D1">
+    <dgm:scene3d>
+      <a:camera prst="orthographicFront"/>
+      <a:lightRig rig="threePt" dir="t"/>
+    </dgm:scene3d>
+    <dgm:sp3d/>
+    <dgm:txPr/>
+    <dgm:style>
+      <a:lnRef idx="0">
+        <a:scrgbClr r="0" g="0" b="0"/>
+      </a:lnRef>
+      <a:fillRef idx="3">
+        <a:scrgbClr r="0" g="0" b="0"/>
+      </a:fillRef>
+      <a:effectRef idx="2">
+        <a:scrgbClr r="0" g="0" b="0"/>
+      </a:effectRef>
+      <a:fontRef idx="minor">
+        <a:schemeClr val="lt1"/>
+      </a:fontRef>
+    </dgm:style>
+  </dgm:styleLbl>
+  <dgm:styleLbl name="parChTrans2D2">
+    <dgm:scene3d>
+      <a:camera prst="orthographicFront"/>
+      <a:lightRig rig="threePt" dir="t"/>
+    </dgm:scene3d>
+    <dgm:sp3d/>
+    <dgm:txPr/>
+    <dgm:style>
+      <a:lnRef idx="0">
+        <a:scrgbClr r="0" g="0" b="0"/>
+      </a:lnRef>
+      <a:fillRef idx="3">
+        <a:scrgbClr r="0" g="0" b="0"/>
+      </a:fillRef>
+      <a:effectRef idx="2">
+        <a:scrgbClr r="0" g="0" b="0"/>
+      </a:effectRef>
+      <a:fontRef idx="minor">
+        <a:schemeClr val="lt1"/>
+      </a:fontRef>
+    </dgm:style>
+  </dgm:styleLbl>
+  <dgm:styleLbl name="parChTrans2D3">
+    <dgm:scene3d>
+      <a:camera prst="orthographicFront"/>
+      <a:lightRig rig="threePt" dir="t"/>
+    </dgm:scene3d>
+    <dgm:sp3d/>
+    <dgm:txPr/>
+    <dgm:style>
+      <a:lnRef idx="1">
+        <a:scrgbClr r="0" g="0" b="0"/>
+      </a:lnRef>
+      <a:fillRef idx="3">
+        <a:scrgbClr r="0" g="0" b="0"/>
+      </a:fillRef>
+      <a:effectRef idx="2">
+        <a:scrgbClr r="0" g="0" b="0"/>
+      </a:effectRef>
+      <a:fontRef idx="minor">
+        <a:schemeClr val="lt1"/>
+      </a:fontRef>
+    </dgm:style>
+  </dgm:styleLbl>
+  <dgm:styleLbl name="parChTrans2D4">
+    <dgm:scene3d>
+      <a:camera prst="orthographicFront"/>
+      <a:lightRig rig="threePt" dir="t"/>
+    </dgm:scene3d>
+    <dgm:sp3d/>
+    <dgm:txPr/>
+    <dgm:style>
+      <a:lnRef idx="1">
+        <a:scrgbClr r="0" g="0" b="0"/>
+      </a:lnRef>
+      <a:fillRef idx="3">
+        <a:scrgbClr r="0" g="0" b="0"/>
+      </a:fillRef>
+      <a:effectRef idx="2">
+        <a:scrgbClr r="0" g="0" b="0"/>
+      </a:effectRef>
+      <a:fontRef idx="minor">
+        <a:schemeClr val="lt1"/>
+      </a:fontRef>
+    </dgm:style>
+  </dgm:styleLbl>
+  <dgm:styleLbl name="parChTrans1D1">
+    <dgm:scene3d>
+      <a:camera prst="orthographicFront"/>
+      <a:lightRig rig="threePt" dir="t"/>
+    </dgm:scene3d>
+    <dgm:sp3d/>
+    <dgm:txPr/>
+    <dgm:style>
+      <a:lnRef idx="1">
+        <a:scrgbClr r="0" g="0" b="0"/>
+      </a:lnRef>
+      <a:fillRef idx="0">
+        <a:scrgbClr r="0" g="0" b="0"/>
+      </a:fillRef>
+      <a:effectRef idx="0">
+        <a:scrgbClr r="0" g="0" b="0"/>
+      </a:effectRef>
+      <a:fontRef idx="minor"/>
+    </dgm:style>
+  </dgm:styleLbl>
+  <dgm:styleLbl name="parChTrans1D2">
+    <dgm:scene3d>
+      <a:camera prst="orthographicFront"/>
+      <a:lightRig rig="threePt" dir="t"/>
+    </dgm:scene3d>
+    <dgm:sp3d/>
+    <dgm:txPr/>
+    <dgm:style>
+      <a:lnRef idx="1">
+        <a:scrgbClr r="0" g="0" b="0"/>
+      </a:lnRef>
+      <a:fillRef idx="0">
+        <a:scrgbClr r="0" g="0" b="0"/>
+      </a:fillRef>
+      <a:effectRef idx="0">
+        <a:scrgbClr r="0" g="0" b="0"/>
+      </a:effectRef>
+      <a:fontRef idx="minor"/>
+    </dgm:style>
+  </dgm:styleLbl>
+  <dgm:styleLbl name="parChTrans1D3">
+    <dgm:scene3d>
+      <a:camera prst="orthographicFront"/>
+      <a:lightRig rig="threePt" dir="t"/>
+    </dgm:scene3d>
+    <dgm:sp3d/>
+    <dgm:txPr/>
+    <dgm:style>
+      <a:lnRef idx="1">
+        <a:scrgbClr r="0" g="0" b="0"/>
+      </a:lnRef>
+      <a:fillRef idx="0">
+        <a:scrgbClr r="0" g="0" b="0"/>
+      </a:fillRef>
+      <a:effectRef idx="0">
+        <a:scrgbClr r="0" g="0" b="0"/>
+      </a:effectRef>
+      <a:fontRef idx="minor"/>
+    </dgm:style>
+  </dgm:styleLbl>
+  <dgm:styleLbl name="parChTrans1D4">
+    <dgm:scene3d>
+      <a:camera prst="orthographicFront"/>
+      <a:lightRig rig="threePt" dir="t"/>
+    </dgm:scene3d>
+    <dgm:sp3d/>
+    <dgm:txPr/>
+    <dgm:style>
+      <a:lnRef idx="1">
+        <a:scrgbClr r="0" g="0" b="0"/>
+      </a:lnRef>
+      <a:fillRef idx="0">
+        <a:scrgbClr r="0" g="0" b="0"/>
+      </a:fillRef>
+      <a:effectRef idx="0">
+        <a:scrgbClr r="0" g="0" b="0"/>
+      </a:effectRef>
+      <a:fontRef idx="minor"/>
+    </dgm:style>
+  </dgm:styleLbl>
+  <dgm:styleLbl name="fgAcc1">
+    <dgm:scene3d>
+      <a:camera prst="orthographicFront"/>
+      <a:lightRig rig="threePt" dir="t"/>
+    </dgm:scene3d>
+    <dgm:sp3d/>
+    <dgm:txPr/>
+    <dgm:style>
+      <a:lnRef idx="1">
+        <a:scrgbClr r="0" g="0" b="0"/>
+      </a:lnRef>
+      <a:fillRef idx="1">
+        <a:scrgbClr r="0" g="0" b="0"/>
+      </a:fillRef>
+      <a:effectRef idx="0">
+        <a:scrgbClr r="0" g="0" b="0"/>
+      </a:effectRef>
+      <a:fontRef idx="minor"/>
+    </dgm:style>
+  </dgm:styleLbl>
+  <dgm:styleLbl name="conFgAcc1">
+    <dgm:scene3d>
+      <a:camera prst="orthographicFront"/>
+      <a:lightRig rig="threePt" dir="t"/>
+    </dgm:scene3d>
+    <dgm:sp3d/>
+    <dgm:txPr/>
+    <dgm:style>
+      <a:lnRef idx="1">
+        <a:scrgbClr r="0" g="0" b="0"/>
+      </a:lnRef>
+      <a:fillRef idx="1">
+        <a:scrgbClr r="0" g="0" b="0"/>
+      </a:fillRef>
+      <a:effectRef idx="0">
+        <a:scrgbClr r="0" g="0" b="0"/>
+      </a:effectRef>
+      <a:fontRef idx="minor"/>
+    </dgm:style>
+  </dgm:styleLbl>
+  <dgm:styleLbl name="alignAcc1">
+    <dgm:scene3d>
+      <a:camera prst="orthographicFront"/>
+      <a:lightRig rig="threePt" dir="t"/>
+    </dgm:scene3d>
+    <dgm:sp3d/>
+    <dgm:txPr/>
+    <dgm:style>
+      <a:lnRef idx="1">
+        <a:scrgbClr r="0" g="0" b="0"/>
+      </a:lnRef>
+      <a:fillRef idx="1">
+        <a:scrgbClr r="0" g="0" b="0"/>
+      </a:fillRef>
+      <a:effectRef idx="0">
+        <a:scrgbClr r="0" g="0" b="0"/>
+      </a:effectRef>
+      <a:fontRef idx="minor"/>
+    </dgm:style>
+  </dgm:styleLbl>
+  <dgm:styleLbl name="trAlignAcc1">
+    <dgm:scene3d>
+      <a:camera prst="orthographicFront"/>
+      <a:lightRig rig="threePt" dir="t"/>
+    </dgm:scene3d>
+    <dgm:sp3d/>
+    <dgm:txPr/>
+    <dgm:style>
+      <a:lnRef idx="1">
+        <a:scrgbClr r="0" g="0" b="0"/>
+      </a:lnRef>
+      <a:fillRef idx="1">
+        <a:scrgbClr r="0" g="0" b="0"/>
+      </a:fillRef>
+      <a:effectRef idx="0">
+        <a:scrgbClr r="0" g="0" b="0"/>
+      </a:effectRef>
+      <a:fontRef idx="minor"/>
+    </dgm:style>
+  </dgm:styleLbl>
+  <dgm:styleLbl name="bgAcc1">
+    <dgm:scene3d>
+      <a:camera prst="orthographicFront"/>
+      <a:lightRig rig="threePt" dir="t"/>
+    </dgm:scene3d>
+    <dgm:sp3d/>
+    <dgm:txPr/>
+    <dgm:style>
+      <a:lnRef idx="1">
+        <a:scrgbClr r="0" g="0" b="0"/>
+      </a:lnRef>
+      <a:fillRef idx="1">
+        <a:scrgbClr r="0" g="0" b="0"/>
+      </a:fillRef>
+      <a:effectRef idx="0">
+        <a:scrgbClr r="0" g="0" b="0"/>
+      </a:effectRef>
+      <a:fontRef idx="minor"/>
+    </dgm:style>
+  </dgm:styleLbl>
+  <dgm:styleLbl name="solidFgAcc1">
+    <dgm:scene3d>
+      <a:camera prst="orthographicFront"/>
+      <a:lightRig rig="threePt" dir="t"/>
+    </dgm:scene3d>
+    <dgm:sp3d/>
+    <dgm:txPr/>
+    <dgm:style>
+      <a:lnRef idx="1">
+        <a:scrgbClr r="0" g="0" b="0"/>
+      </a:lnRef>
+      <a:fillRef idx="1">
+        <a:scrgbClr r="0" g="0" b="0"/>
+      </a:fillRef>
+      <a:effectRef idx="0">
+        <a:scrgbClr r="0" g="0" b="0"/>
+      </a:effectRef>
+      <a:fontRef idx="minor"/>
+    </dgm:style>
+  </dgm:styleLbl>
+  <dgm:styleLbl name="solidAlignAcc1">
+    <dgm:scene3d>
+      <a:camera prst="orthographicFront"/>
+      <a:lightRig rig="threePt" dir="t"/>
+    </dgm:scene3d>
+    <dgm:sp3d/>
+    <dgm:txPr/>
+    <dgm:style>
+      <a:lnRef idx="1">
+        <a:scrgbClr r="0" g="0" b="0"/>
+      </a:lnRef>
+      <a:fillRef idx="1">
+        <a:scrgbClr r="0" g="0" b="0"/>
+      </a:fillRef>
+      <a:effectRef idx="0">
+        <a:scrgbClr r="0" g="0" b="0"/>
+      </a:effectRef>
+      <a:fontRef idx="minor"/>
+    </dgm:style>
+  </dgm:styleLbl>
+  <dgm:styleLbl name="solidBgAcc1">
+    <dgm:scene3d>
+      <a:camera prst="orthographicFront"/>
+      <a:lightRig rig="threePt" dir="t"/>
+    </dgm:scene3d>
+    <dgm:sp3d/>
+    <dgm:txPr/>
+    <dgm:style>
+      <a:lnRef idx="1">
+        <a:scrgbClr r="0" g="0" b="0"/>
+      </a:lnRef>
+      <a:fillRef idx="1">
+        <a:scrgbClr r="0" g="0" b="0"/>
+      </a:fillRef>
+      <a:effectRef idx="0">
+        <a:scrgbClr r="0" g="0" b="0"/>
+      </a:effectRef>
+      <a:fontRef idx="minor"/>
+    </dgm:style>
+  </dgm:styleLbl>
+  <dgm:styleLbl name="fgAccFollowNode1">
+    <dgm:scene3d>
+      <a:camera prst="orthographicFront"/>
+      <a:lightRig rig="threePt" dir="t"/>
+    </dgm:scene3d>
+    <dgm:sp3d/>
+    <dgm:txPr/>
+    <dgm:style>
+      <a:lnRef idx="1">
+        <a:scrgbClr r="0" g="0" b="0"/>
+      </a:lnRef>
+      <a:fillRef idx="1">
+        <a:scrgbClr r="0" g="0" b="0"/>
+      </a:fillRef>
+      <a:effectRef idx="0">
+        <a:scrgbClr r="0" g="0" b="0"/>
+      </a:effectRef>
+      <a:fontRef idx="minor"/>
+    </dgm:style>
+  </dgm:styleLbl>
+  <dgm:styleLbl name="alignAccFollowNode1">
+    <dgm:scene3d>
+      <a:camera prst="orthographicFront"/>
+      <a:lightRig rig="threePt" dir="t"/>
+    </dgm:scene3d>
+    <dgm:sp3d/>
+    <dgm:txPr/>
+    <dgm:style>
+      <a:lnRef idx="1">
+        <a:scrgbClr r="0" g="0" b="0"/>
+      </a:lnRef>
+      <a:fillRef idx="1">
+        <a:scrgbClr r="0" g="0" b="0"/>
+      </a:fillRef>
+      <a:effectRef idx="0">
+        <a:scrgbClr r="0" g="0" b="0"/>
+      </a:effectRef>
+      <a:fontRef idx="minor"/>
+    </dgm:style>
+  </dgm:styleLbl>
+  <dgm:styleLbl name="bgAccFollowNode1">
+    <dgm:scene3d>
+      <a:camera prst="orthographicFront"/>
+      <a:lightRig rig="threePt" dir="t"/>
+    </dgm:scene3d>
+    <dgm:sp3d/>
+    <dgm:txPr/>
+    <dgm:style>
+      <a:lnRef idx="1">
+        <a:scrgbClr r="0" g="0" b="0"/>
+      </a:lnRef>
+      <a:fillRef idx="1">
+        <a:scrgbClr r="0" g="0" b="0"/>
+      </a:fillRef>
+      <a:effectRef idx="0">
+        <a:scrgbClr r="0" g="0" b="0"/>
+      </a:effectRef>
+      <a:fontRef idx="minor"/>
+    </dgm:style>
+  </dgm:styleLbl>
+  <dgm:styleLbl name="fgAcc0">
+    <dgm:scene3d>
+      <a:camera prst="orthographicFront"/>
+      <a:lightRig rig="threePt" dir="t"/>
+    </dgm:scene3d>
+    <dgm:sp3d/>
+    <dgm:txPr/>
+    <dgm:style>
+      <a:lnRef idx="1">
+        <a:scrgbClr r="0" g="0" b="0"/>
+      </a:lnRef>
+      <a:fillRef idx="1">
+        <a:scrgbClr r="0" g="0" b="0"/>
+      </a:fillRef>
+      <a:effectRef idx="0">
+        <a:scrgbClr r="0" g="0" b="0"/>
+      </a:effectRef>
+      <a:fontRef idx="minor"/>
+    </dgm:style>
+  </dgm:styleLbl>
+  <dgm:styleLbl name="fgAcc2">
+    <dgm:scene3d>
+      <a:camera prst="orthographicFront"/>
+      <a:lightRig rig="threePt" dir="t"/>
+    </dgm:scene3d>
+    <dgm:sp3d/>
+    <dgm:txPr/>
+    <dgm:style>
+      <a:lnRef idx="1">
+        <a:scrgbClr r="0" g="0" b="0"/>
+      </a:lnRef>
+      <a:fillRef idx="1">
+        <a:scrgbClr r="0" g="0" b="0"/>
+      </a:fillRef>
+      <a:effectRef idx="0">
+        <a:scrgbClr r="0" g="0" b="0"/>
+      </a:effectRef>
+      <a:fontRef idx="minor"/>
+    </dgm:style>
+  </dgm:styleLbl>
+  <dgm:styleLbl name="fgAcc3">
+    <dgm:scene3d>
+      <a:camera prst="orthographicFront"/>
+      <a:lightRig rig="threePt" dir="t"/>
+    </dgm:scene3d>
+    <dgm:sp3d/>
+    <dgm:txPr/>
+    <dgm:style>
+      <a:lnRef idx="1">
+        <a:scrgbClr r="0" g="0" b="0"/>
+      </a:lnRef>
+      <a:fillRef idx="1">
+        <a:scrgbClr r="0" g="0" b="0"/>
+      </a:fillRef>
+      <a:effectRef idx="0">
+        <a:scrgbClr r="0" g="0" b="0"/>
+      </a:effectRef>
+      <a:fontRef idx="minor"/>
+    </dgm:style>
+  </dgm:styleLbl>
+  <dgm:styleLbl name="fgAcc4">
+    <dgm:scene3d>
+      <a:camera prst="orthographicFront"/>
+      <a:lightRig rig="threePt" dir="t"/>
+    </dgm:scene3d>
+    <dgm:sp3d/>
+    <dgm:txPr/>
+    <dgm:style>
+      <a:lnRef idx="1">
+        <a:scrgbClr r="0" g="0" b="0"/>
+      </a:lnRef>
+      <a:fillRef idx="1">
+        <a:scrgbClr r="0" g="0" b="0"/>
+      </a:fillRef>
+      <a:effectRef idx="0">
+        <a:scrgbClr r="0" g="0" b="0"/>
+      </a:effectRef>
+      <a:fontRef idx="minor"/>
+    </dgm:style>
+  </dgm:styleLbl>
+  <dgm:styleLbl name="bgShp">
+    <dgm:scene3d>
+      <a:camera prst="orthographicFront"/>
+      <a:lightRig rig="threePt" dir="t"/>
+    </dgm:scene3d>
+    <dgm:sp3d/>
+    <dgm:txPr/>
+    <dgm:style>
+      <a:lnRef idx="0">
+        <a:scrgbClr r="0" g="0" b="0"/>
+      </a:lnRef>
+      <a:fillRef idx="1">
+        <a:scrgbClr r="0" g="0" b="0"/>
+      </a:fillRef>
+      <a:effectRef idx="2">
+        <a:scrgbClr r="0" g="0" b="0"/>
+      </a:effectRef>
+      <a:fontRef idx="minor"/>
+    </dgm:style>
+  </dgm:styleLbl>
+  <dgm:styleLbl name="dkBgShp">
+    <dgm:scene3d>
+      <a:camera prst="orthographicFront"/>
+      <a:lightRig rig="threePt" dir="t"/>
+    </dgm:scene3d>
+    <dgm:sp3d/>
+    <dgm:txPr/>
+    <dgm:style>
+      <a:lnRef idx="0">
+        <a:scrgbClr r="0" g="0" b="0"/>
+      </a:lnRef>
+      <a:fillRef idx="1">
+        <a:scrgbClr r="0" g="0" b="0"/>
+      </a:fillRef>
+      <a:effectRef idx="2">
+        <a:scrgbClr r="0" g="0" b="0"/>
+      </a:effectRef>
+      <a:fontRef idx="minor"/>
+    </dgm:style>
+  </dgm:styleLbl>
+  <dgm:styleLbl name="trBgShp">
+    <dgm:scene3d>
+      <a:camera prst="orthographicFront"/>
+      <a:lightRig rig="threePt" dir="t"/>
+    </dgm:scene3d>
+    <dgm:sp3d/>
+    <dgm:txPr/>
+    <dgm:style>
+      <a:lnRef idx="0">
+        <a:scrgbClr r="0" g="0" b="0"/>
+      </a:lnRef>
+      <a:fillRef idx="1">
+        <a:scrgbClr r="0" g="0" b="0"/>
+      </a:fillRef>
+      <a:effectRef idx="0">
+        <a:scrgbClr r="0" g="0" b="0"/>
+      </a:effectRef>
+      <a:fontRef idx="minor"/>
+    </dgm:style>
+  </dgm:styleLbl>
+  <dgm:styleLbl name="fgShp">
+    <dgm:scene3d>
+      <a:camera prst="orthographicFront"/>
+      <a:lightRig rig="threePt" dir="t"/>
+    </dgm:scene3d>
+    <dgm:sp3d/>
+    <dgm:txPr/>
+    <dgm:style>
+      <a:lnRef idx="0">
+        <a:scrgbClr r="0" g="0" b="0"/>
+      </a:lnRef>
+      <a:fillRef idx="3">
+        <a:scrgbClr r="0" g="0" b="0"/>
+      </a:fillRef>
+      <a:effectRef idx="2">
+        <a:scrgbClr r="0" g="0" b="0"/>
+      </a:effectRef>
+      <a:fontRef idx="minor"/>
+    </dgm:style>
+  </dgm:styleLbl>
+  <dgm:styleLbl name="revTx">
+    <dgm:scene3d>
+      <a:camera prst="orthographicFront"/>
+      <a:lightRig rig="threePt" dir="t"/>
+    </dgm:scene3d>
+    <dgm:sp3d/>
+    <dgm:txPr/>
+    <dgm:style>
+      <a:lnRef idx="0">
+        <a:scrgbClr r="0" g="0" b="0"/>
+      </a:lnRef>
+      <a:fillRef idx="0">
+        <a:scrgbClr r="0" g="0" b="0"/>
+      </a:fillRef>
+      <a:effectRef idx="0">
+        <a:scrgbClr r="0" g="0" b="0"/>
+      </a:effectRef>
+      <a:fontRef idx="minor"/>
+    </dgm:style>
+  </dgm:styleLbl>
+</dgm:styleDef>
+</file>
+
 <file path=ppt/notesMasters/notesMaster1.xml><?xml version="1.0" encoding="utf-8"?>
 <p:notesMaster xmlns:a="http://schemas.openxmlformats.org/drawingml/2006/main" xmlns:r="http://schemas.openxmlformats.org/officeDocument/2006/relationships" xmlns:p="http://schemas.openxmlformats.org/presentationml/2006/main">
   <p:cSld>
@@ -203,7 +2901,7 @@
           <a:p>
             <a:fld id="{2420D118-7D65-784C-86E0-76D1A8D9FECD}" type="datetimeFigureOut">
               <a:rPr kumimoji="1" lang="zh-CN" altLang="en-US" smtClean="0"/>
-              <a:t>15-11-29</a:t>
+              <a:t>15-11-30</a:t>
             </a:fld>
             <a:endParaRPr kumimoji="1" lang="zh-CN" altLang="en-US"/>
           </a:p>
@@ -668,6 +3366,278 @@
 </p:notes>
 </file>
 
+<file path=ppt/notesSlides/notesSlide3.xml><?xml version="1.0" encoding="utf-8"?>
+<p:notes xmlns:a="http://schemas.openxmlformats.org/drawingml/2006/main" xmlns:r="http://schemas.openxmlformats.org/officeDocument/2006/relationships" xmlns:p="http://schemas.openxmlformats.org/presentationml/2006/main">
+  <p:cSld>
+    <p:spTree>
+      <p:nvGrpSpPr>
+        <p:cNvPr id="1" name=""/>
+        <p:cNvGrpSpPr/>
+        <p:nvPr/>
+      </p:nvGrpSpPr>
+      <p:grpSpPr>
+        <a:xfrm>
+          <a:off x="0" y="0"/>
+          <a:ext cx="0" cy="0"/>
+          <a:chOff x="0" y="0"/>
+          <a:chExt cx="0" cy="0"/>
+        </a:xfrm>
+      </p:grpSpPr>
+      <p:sp>
+        <p:nvSpPr>
+          <p:cNvPr id="2" name="幻灯片图像占位符 1"/>
+          <p:cNvSpPr>
+            <a:spLocks noGrp="1" noRot="1" noChangeAspect="1"/>
+          </p:cNvSpPr>
+          <p:nvPr>
+            <p:ph type="sldImg"/>
+          </p:nvPr>
+        </p:nvSpPr>
+        <p:spPr/>
+      </p:sp>
+      <p:sp>
+        <p:nvSpPr>
+          <p:cNvPr id="3" name="备注占位符 2"/>
+          <p:cNvSpPr>
+            <a:spLocks noGrp="1"/>
+          </p:cNvSpPr>
+          <p:nvPr>
+            <p:ph type="body" idx="1"/>
+          </p:nvPr>
+        </p:nvSpPr>
+        <p:spPr/>
+        <p:txBody>
+          <a:bodyPr/>
+          <a:lstStyle/>
+          <a:p>
+            <a:r>
+              <a:rPr kumimoji="1" lang="en-US" altLang="zh-CN" dirty="0" smtClean="0"/>
+              <a:t>Splitter</a:t>
+            </a:r>
+            <a:r>
+              <a:rPr kumimoji="1" lang="en-US" altLang="zh-CN" baseline="0" dirty="0" smtClean="0"/>
+              <a:t> is a transformer, which splits a row read from CSV file to elements.</a:t>
+            </a:r>
+          </a:p>
+          <a:p>
+            <a:r>
+              <a:rPr kumimoji="1" lang="en-US" altLang="zh-CN" baseline="0" dirty="0" smtClean="0"/>
+              <a:t>Extractor is a transformer, which extracts feature vector from elements vector.</a:t>
+            </a:r>
+          </a:p>
+          <a:p>
+            <a:r>
+              <a:rPr kumimoji="1" lang="en-US" altLang="zh-CN" baseline="0" dirty="0" smtClean="0"/>
+              <a:t>Random Forest is a estimator, which learns the model.</a:t>
+            </a:r>
+            <a:endParaRPr kumimoji="1" lang="zh-CN" altLang="en-US" dirty="0"/>
+          </a:p>
+        </p:txBody>
+      </p:sp>
+      <p:sp>
+        <p:nvSpPr>
+          <p:cNvPr id="4" name="幻灯片编号占位符 3"/>
+          <p:cNvSpPr>
+            <a:spLocks noGrp="1"/>
+          </p:cNvSpPr>
+          <p:nvPr>
+            <p:ph type="sldNum" sz="quarter" idx="10"/>
+          </p:nvPr>
+        </p:nvSpPr>
+        <p:spPr/>
+        <p:txBody>
+          <a:bodyPr/>
+          <a:lstStyle/>
+          <a:p>
+            <a:fld id="{64A447E7-7A8C-0B45-8BF1-FB01030CA581}" type="slidenum">
+              <a:rPr kumimoji="1" lang="zh-CN" altLang="en-US" smtClean="0"/>
+              <a:t>4</a:t>
+            </a:fld>
+            <a:endParaRPr kumimoji="1" lang="zh-CN" altLang="en-US"/>
+          </a:p>
+        </p:txBody>
+      </p:sp>
+    </p:spTree>
+    <p:extLst>
+      <p:ext uri="{BB962C8B-B14F-4D97-AF65-F5344CB8AC3E}">
+        <p14:creationId xmlns:p14="http://schemas.microsoft.com/office/powerpoint/2010/main" val="3079804154"/>
+      </p:ext>
+    </p:extLst>
+  </p:cSld>
+  <p:clrMapOvr>
+    <a:masterClrMapping/>
+  </p:clrMapOvr>
+</p:notes>
+</file>
+
+<file path=ppt/notesSlides/notesSlide4.xml><?xml version="1.0" encoding="utf-8"?>
+<p:notes xmlns:a="http://schemas.openxmlformats.org/drawingml/2006/main" xmlns:r="http://schemas.openxmlformats.org/officeDocument/2006/relationships" xmlns:p="http://schemas.openxmlformats.org/presentationml/2006/main">
+  <p:cSld>
+    <p:spTree>
+      <p:nvGrpSpPr>
+        <p:cNvPr id="1" name=""/>
+        <p:cNvGrpSpPr/>
+        <p:nvPr/>
+      </p:nvGrpSpPr>
+      <p:grpSpPr>
+        <a:xfrm>
+          <a:off x="0" y="0"/>
+          <a:ext cx="0" cy="0"/>
+          <a:chOff x="0" y="0"/>
+          <a:chExt cx="0" cy="0"/>
+        </a:xfrm>
+      </p:grpSpPr>
+      <p:sp>
+        <p:nvSpPr>
+          <p:cNvPr id="2" name="幻灯片图像占位符 1"/>
+          <p:cNvSpPr>
+            <a:spLocks noGrp="1" noRot="1" noChangeAspect="1"/>
+          </p:cNvSpPr>
+          <p:nvPr>
+            <p:ph type="sldImg"/>
+          </p:nvPr>
+        </p:nvSpPr>
+        <p:spPr/>
+      </p:sp>
+      <p:sp>
+        <p:nvSpPr>
+          <p:cNvPr id="3" name="备注占位符 2"/>
+          <p:cNvSpPr>
+            <a:spLocks noGrp="1"/>
+          </p:cNvSpPr>
+          <p:nvPr>
+            <p:ph type="body" idx="1"/>
+          </p:nvPr>
+        </p:nvSpPr>
+        <p:spPr/>
+        <p:txBody>
+          <a:bodyPr/>
+          <a:lstStyle/>
+          <a:p>
+            <a:endParaRPr kumimoji="1" lang="zh-CN" altLang="en-US" dirty="0"/>
+          </a:p>
+        </p:txBody>
+      </p:sp>
+      <p:sp>
+        <p:nvSpPr>
+          <p:cNvPr id="4" name="幻灯片编号占位符 3"/>
+          <p:cNvSpPr>
+            <a:spLocks noGrp="1"/>
+          </p:cNvSpPr>
+          <p:nvPr>
+            <p:ph type="sldNum" sz="quarter" idx="10"/>
+          </p:nvPr>
+        </p:nvSpPr>
+        <p:spPr/>
+        <p:txBody>
+          <a:bodyPr/>
+          <a:lstStyle/>
+          <a:p>
+            <a:fld id="{64A447E7-7A8C-0B45-8BF1-FB01030CA581}" type="slidenum">
+              <a:rPr kumimoji="1" lang="zh-CN" altLang="en-US" smtClean="0"/>
+              <a:t>6</a:t>
+            </a:fld>
+            <a:endParaRPr kumimoji="1" lang="zh-CN" altLang="en-US"/>
+          </a:p>
+        </p:txBody>
+      </p:sp>
+    </p:spTree>
+    <p:extLst>
+      <p:ext uri="{BB962C8B-B14F-4D97-AF65-F5344CB8AC3E}">
+        <p14:creationId xmlns:p14="http://schemas.microsoft.com/office/powerpoint/2010/main" val="1760301862"/>
+      </p:ext>
+    </p:extLst>
+  </p:cSld>
+  <p:clrMapOvr>
+    <a:masterClrMapping/>
+  </p:clrMapOvr>
+</p:notes>
+</file>
+
+<file path=ppt/notesSlides/notesSlide5.xml><?xml version="1.0" encoding="utf-8"?>
+<p:notes xmlns:a="http://schemas.openxmlformats.org/drawingml/2006/main" xmlns:r="http://schemas.openxmlformats.org/officeDocument/2006/relationships" xmlns:p="http://schemas.openxmlformats.org/presentationml/2006/main">
+  <p:cSld>
+    <p:spTree>
+      <p:nvGrpSpPr>
+        <p:cNvPr id="1" name=""/>
+        <p:cNvGrpSpPr/>
+        <p:nvPr/>
+      </p:nvGrpSpPr>
+      <p:grpSpPr>
+        <a:xfrm>
+          <a:off x="0" y="0"/>
+          <a:ext cx="0" cy="0"/>
+          <a:chOff x="0" y="0"/>
+          <a:chExt cx="0" cy="0"/>
+        </a:xfrm>
+      </p:grpSpPr>
+      <p:sp>
+        <p:nvSpPr>
+          <p:cNvPr id="2" name="幻灯片图像占位符 1"/>
+          <p:cNvSpPr>
+            <a:spLocks noGrp="1" noRot="1" noChangeAspect="1"/>
+          </p:cNvSpPr>
+          <p:nvPr>
+            <p:ph type="sldImg"/>
+          </p:nvPr>
+        </p:nvSpPr>
+        <p:spPr/>
+      </p:sp>
+      <p:sp>
+        <p:nvSpPr>
+          <p:cNvPr id="3" name="备注占位符 2"/>
+          <p:cNvSpPr>
+            <a:spLocks noGrp="1"/>
+          </p:cNvSpPr>
+          <p:nvPr>
+            <p:ph type="body" idx="1"/>
+          </p:nvPr>
+        </p:nvSpPr>
+        <p:spPr/>
+        <p:txBody>
+          <a:bodyPr/>
+          <a:lstStyle/>
+          <a:p>
+            <a:endParaRPr kumimoji="1" lang="zh-CN" altLang="en-US" dirty="0"/>
+          </a:p>
+        </p:txBody>
+      </p:sp>
+      <p:sp>
+        <p:nvSpPr>
+          <p:cNvPr id="4" name="幻灯片编号占位符 3"/>
+          <p:cNvSpPr>
+            <a:spLocks noGrp="1"/>
+          </p:cNvSpPr>
+          <p:nvPr>
+            <p:ph type="sldNum" sz="quarter" idx="10"/>
+          </p:nvPr>
+        </p:nvSpPr>
+        <p:spPr/>
+        <p:txBody>
+          <a:bodyPr/>
+          <a:lstStyle/>
+          <a:p>
+            <a:fld id="{64A447E7-7A8C-0B45-8BF1-FB01030CA581}" type="slidenum">
+              <a:rPr kumimoji="1" lang="zh-CN" altLang="en-US" smtClean="0"/>
+              <a:t>7</a:t>
+            </a:fld>
+            <a:endParaRPr kumimoji="1" lang="zh-CN" altLang="en-US"/>
+          </a:p>
+        </p:txBody>
+      </p:sp>
+    </p:spTree>
+    <p:extLst>
+      <p:ext uri="{BB962C8B-B14F-4D97-AF65-F5344CB8AC3E}">
+        <p14:creationId xmlns:p14="http://schemas.microsoft.com/office/powerpoint/2010/main" val="2363810351"/>
+      </p:ext>
+    </p:extLst>
+  </p:cSld>
+  <p:clrMapOvr>
+    <a:masterClrMapping/>
+  </p:clrMapOvr>
+</p:notes>
+</file>
+
 <file path=ppt/slideLayouts/slideLayout1.xml><?xml version="1.0" encoding="utf-8"?>
 <p:sldLayout xmlns:a="http://schemas.openxmlformats.org/drawingml/2006/main" xmlns:r="http://schemas.openxmlformats.org/officeDocument/2006/relationships" xmlns:p="http://schemas.openxmlformats.org/presentationml/2006/main" type="title" preserve="1">
   <p:cSld name="Title Slide">
@@ -849,7 +3819,7 @@
           <a:p>
             <a:fld id="{E61A78D0-928A-634F-ABF2-D3FC94F87C6B}" type="datetimeFigureOut">
               <a:rPr lang="en-US" smtClean="0"/>
-              <a:t>15-11-29</a:t>
+              <a:t>15-11-30</a:t>
             </a:fld>
             <a:endParaRPr lang="en-US"/>
           </a:p>
@@ -1019,7 +3989,7 @@
           <a:p>
             <a:fld id="{E61A78D0-928A-634F-ABF2-D3FC94F87C6B}" type="datetimeFigureOut">
               <a:rPr lang="en-US" smtClean="0"/>
-              <a:t>15-11-29</a:t>
+              <a:t>15-11-30</a:t>
             </a:fld>
             <a:endParaRPr lang="en-US"/>
           </a:p>
@@ -1199,7 +4169,7 @@
           <a:p>
             <a:fld id="{E61A78D0-928A-634F-ABF2-D3FC94F87C6B}" type="datetimeFigureOut">
               <a:rPr lang="en-US" smtClean="0"/>
-              <a:t>15-11-29</a:t>
+              <a:t>15-11-30</a:t>
             </a:fld>
             <a:endParaRPr lang="en-US"/>
           </a:p>
@@ -1369,7 +4339,7 @@
           <a:p>
             <a:fld id="{E61A78D0-928A-634F-ABF2-D3FC94F87C6B}" type="datetimeFigureOut">
               <a:rPr lang="en-US" smtClean="0"/>
-              <a:t>15-11-29</a:t>
+              <a:t>15-11-30</a:t>
             </a:fld>
             <a:endParaRPr lang="en-US"/>
           </a:p>
@@ -1615,7 +4585,7 @@
           <a:p>
             <a:fld id="{E61A78D0-928A-634F-ABF2-D3FC94F87C6B}" type="datetimeFigureOut">
               <a:rPr lang="en-US" smtClean="0"/>
-              <a:t>15-11-29</a:t>
+              <a:t>15-11-30</a:t>
             </a:fld>
             <a:endParaRPr lang="en-US"/>
           </a:p>
@@ -1903,7 +4873,7 @@
           <a:p>
             <a:fld id="{E61A78D0-928A-634F-ABF2-D3FC94F87C6B}" type="datetimeFigureOut">
               <a:rPr lang="en-US" smtClean="0"/>
-              <a:t>15-11-29</a:t>
+              <a:t>15-11-30</a:t>
             </a:fld>
             <a:endParaRPr lang="en-US"/>
           </a:p>
@@ -2325,7 +5295,7 @@
           <a:p>
             <a:fld id="{E61A78D0-928A-634F-ABF2-D3FC94F87C6B}" type="datetimeFigureOut">
               <a:rPr lang="en-US" smtClean="0"/>
-              <a:t>15-11-29</a:t>
+              <a:t>15-11-30</a:t>
             </a:fld>
             <a:endParaRPr lang="en-US"/>
           </a:p>
@@ -2443,7 +5413,7 @@
           <a:p>
             <a:fld id="{E61A78D0-928A-634F-ABF2-D3FC94F87C6B}" type="datetimeFigureOut">
               <a:rPr lang="en-US" smtClean="0"/>
-              <a:t>15-11-29</a:t>
+              <a:t>15-11-30</a:t>
             </a:fld>
             <a:endParaRPr lang="en-US"/>
           </a:p>
@@ -2538,7 +5508,7 @@
           <a:p>
             <a:fld id="{E61A78D0-928A-634F-ABF2-D3FC94F87C6B}" type="datetimeFigureOut">
               <a:rPr lang="en-US" smtClean="0"/>
-              <a:t>15-11-29</a:t>
+              <a:t>15-11-30</a:t>
             </a:fld>
             <a:endParaRPr lang="en-US"/>
           </a:p>
@@ -2815,7 +5785,7 @@
           <a:p>
             <a:fld id="{E61A78D0-928A-634F-ABF2-D3FC94F87C6B}" type="datetimeFigureOut">
               <a:rPr lang="en-US" smtClean="0"/>
-              <a:t>15-11-29</a:t>
+              <a:t>15-11-30</a:t>
             </a:fld>
             <a:endParaRPr lang="en-US"/>
           </a:p>
@@ -3068,7 +6038,7 @@
           <a:p>
             <a:fld id="{E61A78D0-928A-634F-ABF2-D3FC94F87C6B}" type="datetimeFigureOut">
               <a:rPr lang="en-US" smtClean="0"/>
-              <a:t>15-11-29</a:t>
+              <a:t>15-11-30</a:t>
             </a:fld>
             <a:endParaRPr lang="en-US"/>
           </a:p>
@@ -3281,7 +6251,7 @@
           <a:p>
             <a:fld id="{E61A78D0-928A-634F-ABF2-D3FC94F87C6B}" type="datetimeFigureOut">
               <a:rPr lang="en-US" smtClean="0"/>
-              <a:t>15-11-29</a:t>
+              <a:t>15-11-30</a:t>
             </a:fld>
             <a:endParaRPr lang="en-US"/>
           </a:p>
@@ -3814,7 +6784,7 @@
           <a:p>
             <a:r>
               <a:rPr lang="en-US" dirty="0" smtClean="0"/>
-              <a:t>Actionable Information or Insights</a:t>
+              <a:t>Error Analysis</a:t>
             </a:r>
             <a:endParaRPr lang="en-US" dirty="0"/>
           </a:p>
@@ -3837,13 +6807,7 @@
           <a:p>
             <a:r>
               <a:rPr lang="en-US" dirty="0" smtClean="0"/>
-              <a:t>Take-home message from analysis.</a:t>
-            </a:r>
-          </a:p>
-          <a:p>
-            <a:r>
-              <a:rPr lang="en-US" dirty="0" smtClean="0"/>
-              <a:t>How can the stakeholder use the information obtained OR How can the insight obtained be used to open a new analytic project that should lead closer to actionable information.</a:t>
+              <a:t>Elucidation of most challenging or difficult cases and a brief description of why they are challenging. One per slide.</a:t>
             </a:r>
             <a:endParaRPr lang="en-US" dirty="0"/>
           </a:p>
@@ -3852,7 +6816,7 @@
     </p:spTree>
     <p:extLst>
       <p:ext uri="{BB962C8B-B14F-4D97-AF65-F5344CB8AC3E}">
-        <p14:creationId xmlns:p14="http://schemas.microsoft.com/office/powerpoint/2010/main" val="2933592575"/>
+        <p14:creationId xmlns:p14="http://schemas.microsoft.com/office/powerpoint/2010/main" val="1634823751"/>
       </p:ext>
     </p:extLst>
   </p:cSld>
@@ -3896,6 +6860,88 @@
           <a:p>
             <a:r>
               <a:rPr lang="en-US" dirty="0" smtClean="0"/>
+              <a:t>Actionable Information or Insights</a:t>
+            </a:r>
+            <a:endParaRPr lang="en-US" dirty="0"/>
+          </a:p>
+        </p:txBody>
+      </p:sp>
+      <p:sp>
+        <p:nvSpPr>
+          <p:cNvPr id="3" name="Content Placeholder 2"/>
+          <p:cNvSpPr>
+            <a:spLocks noGrp="1"/>
+          </p:cNvSpPr>
+          <p:nvPr>
+            <p:ph idx="1"/>
+          </p:nvPr>
+        </p:nvSpPr>
+        <p:spPr/>
+        <p:txBody>
+          <a:bodyPr/>
+          <a:lstStyle/>
+          <a:p>
+            <a:r>
+              <a:rPr lang="en-US" dirty="0" smtClean="0"/>
+              <a:t>Take-home message from analysis.</a:t>
+            </a:r>
+          </a:p>
+          <a:p>
+            <a:r>
+              <a:rPr lang="en-US" dirty="0" smtClean="0"/>
+              <a:t>How can the stakeholder use the information obtained OR How can the insight obtained be used to open a new analytic project that should lead closer to actionable information.</a:t>
+            </a:r>
+            <a:endParaRPr lang="en-US" dirty="0"/>
+          </a:p>
+        </p:txBody>
+      </p:sp>
+    </p:spTree>
+    <p:extLst>
+      <p:ext uri="{BB962C8B-B14F-4D97-AF65-F5344CB8AC3E}">
+        <p14:creationId xmlns:p14="http://schemas.microsoft.com/office/powerpoint/2010/main" val="2933592575"/>
+      </p:ext>
+    </p:extLst>
+  </p:cSld>
+  <p:clrMapOvr>
+    <a:masterClrMapping/>
+  </p:clrMapOvr>
+</p:sld>
+</file>
+
+<file path=ppt/slides/slide12.xml><?xml version="1.0" encoding="utf-8"?>
+<p:sld xmlns:a="http://schemas.openxmlformats.org/drawingml/2006/main" xmlns:r="http://schemas.openxmlformats.org/officeDocument/2006/relationships" xmlns:p="http://schemas.openxmlformats.org/presentationml/2006/main">
+  <p:cSld>
+    <p:spTree>
+      <p:nvGrpSpPr>
+        <p:cNvPr id="1" name=""/>
+        <p:cNvGrpSpPr/>
+        <p:nvPr/>
+      </p:nvGrpSpPr>
+      <p:grpSpPr>
+        <a:xfrm>
+          <a:off x="0" y="0"/>
+          <a:ext cx="0" cy="0"/>
+          <a:chOff x="0" y="0"/>
+          <a:chExt cx="0" cy="0"/>
+        </a:xfrm>
+      </p:grpSpPr>
+      <p:sp>
+        <p:nvSpPr>
+          <p:cNvPr id="2" name="Title 1"/>
+          <p:cNvSpPr>
+            <a:spLocks noGrp="1"/>
+          </p:cNvSpPr>
+          <p:nvPr>
+            <p:ph type="title"/>
+          </p:nvPr>
+        </p:nvSpPr>
+        <p:spPr/>
+        <p:txBody>
+          <a:bodyPr/>
+          <a:lstStyle/>
+          <a:p>
+            <a:r>
+              <a:rPr lang="en-US" dirty="0" smtClean="0"/>
               <a:t>Future Work</a:t>
             </a:r>
             <a:endParaRPr lang="en-US" dirty="0"/>
@@ -3950,7 +6996,7 @@
 </p:sld>
 </file>
 
-<file path=ppt/slides/slide12.xml><?xml version="1.0" encoding="utf-8"?>
+<file path=ppt/slides/slide13.xml><?xml version="1.0" encoding="utf-8"?>
 <p:sld xmlns:a="http://schemas.openxmlformats.org/drawingml/2006/main" xmlns:r="http://schemas.openxmlformats.org/officeDocument/2006/relationships" xmlns:p="http://schemas.openxmlformats.org/presentationml/2006/main">
   <p:cSld>
     <p:spTree>
@@ -4210,7 +7256,7 @@
       </p:grpSpPr>
       <p:sp>
         <p:nvSpPr>
-          <p:cNvPr id="2" name="Title 1"/>
+          <p:cNvPr id="2" name="标题 1"/>
           <p:cNvSpPr>
             <a:spLocks noGrp="1"/>
           </p:cNvSpPr>
@@ -4224,51 +7270,170 @@
           <a:lstStyle/>
           <a:p>
             <a:r>
-              <a:rPr lang="en-US" dirty="0" smtClean="0"/>
-              <a:t>Data and Features</a:t>
-            </a:r>
-            <a:endParaRPr lang="en-US" dirty="0"/>
-          </a:p>
-        </p:txBody>
-      </p:sp>
-      <p:sp>
-        <p:nvSpPr>
-          <p:cNvPr id="3" name="Content Placeholder 2"/>
-          <p:cNvSpPr>
-            <a:spLocks noGrp="1"/>
-          </p:cNvSpPr>
+              <a:rPr kumimoji="1" lang="en-US" altLang="zh-CN" dirty="0" smtClean="0"/>
+              <a:t>Overall Pipeline</a:t>
+            </a:r>
+            <a:endParaRPr kumimoji="1" lang="zh-CN" altLang="en-US" dirty="0"/>
+          </a:p>
+        </p:txBody>
+      </p:sp>
+      <p:graphicFrame>
+        <p:nvGraphicFramePr>
+          <p:cNvPr id="4" name="内容占位符 3"/>
+          <p:cNvGraphicFramePr>
+            <a:graphicFrameLocks noGrp="1"/>
+          </p:cNvGraphicFramePr>
           <p:nvPr>
             <p:ph idx="1"/>
-          </p:nvPr>
-        </p:nvSpPr>
-        <p:spPr/>
-        <p:txBody>
-          <a:bodyPr/>
+            <p:extLst>
+              <p:ext uri="{D42A27DB-BD31-4B8C-83A1-F6EECF244321}">
+                <p14:modId xmlns:p14="http://schemas.microsoft.com/office/powerpoint/2010/main" val="574161063"/>
+              </p:ext>
+            </p:extLst>
+          </p:nvPr>
+        </p:nvGraphicFramePr>
+        <p:xfrm>
+          <a:off x="457200" y="1536437"/>
+          <a:ext cx="8229600" cy="4525963"/>
+        </p:xfrm>
+        <a:graphic>
+          <a:graphicData uri="http://schemas.openxmlformats.org/drawingml/2006/diagram">
+            <dgm:relIds xmlns:dgm="http://schemas.openxmlformats.org/drawingml/2006/diagram" xmlns:r="http://schemas.openxmlformats.org/officeDocument/2006/relationships" r:dm="rId3" r:lo="rId4" r:qs="rId5" r:cs="rId6"/>
+          </a:graphicData>
+        </a:graphic>
+      </p:graphicFrame>
+      <p:sp>
+        <p:nvSpPr>
+          <p:cNvPr id="5" name="文本框 4"/>
+          <p:cNvSpPr txBox="1"/>
+          <p:nvPr/>
+        </p:nvSpPr>
+        <p:spPr>
+          <a:xfrm>
+            <a:off x="309345" y="1969894"/>
+            <a:ext cx="8377455" cy="369332"/>
+          </a:xfrm>
+          <a:prstGeom prst="rect">
+            <a:avLst/>
+          </a:prstGeom>
+          <a:noFill/>
+        </p:spPr>
+        <p:txBody>
+          <a:bodyPr wrap="square" rtlCol="0">
+            <a:spAutoFit/>
+          </a:bodyPr>
           <a:lstStyle/>
           <a:p>
             <a:r>
-              <a:rPr lang="en-US" dirty="0" smtClean="0"/>
-              <a:t>The first step is preparing data and feature extraction.</a:t>
-            </a:r>
-          </a:p>
-          <a:p>
-            <a:r>
-              <a:rPr lang="en-US" dirty="0" smtClean="0"/>
-              <a:t>The initial data saves into CSV format, and provides detail of trades. I read data from CSV format, compute three different features, that is min, max, and average of bid prices in a period of time, and label data based on if making money.</a:t>
-            </a:r>
+              <a:rPr kumimoji="1" lang="en-US" altLang="zh-CN" dirty="0" smtClean="0"/>
+              <a:t>	Transformer</a:t>
+            </a:r>
+            <a:r>
+              <a:rPr kumimoji="1" lang="en-US" altLang="zh-CN" dirty="0"/>
+              <a:t>	</a:t>
+            </a:r>
+            <a:r>
+              <a:rPr kumimoji="1" lang="en-US" altLang="zh-CN" dirty="0" smtClean="0"/>
+              <a:t>			     Transformer 			</a:t>
+            </a:r>
+            <a:r>
+              <a:rPr kumimoji="1" lang="en-US" altLang="zh-CN" dirty="0"/>
+              <a:t>	</a:t>
+            </a:r>
+            <a:r>
+              <a:rPr kumimoji="1" lang="en-US" altLang="zh-CN" dirty="0" smtClean="0"/>
+              <a:t>   estimator                       </a:t>
+            </a:r>
+            <a:endParaRPr kumimoji="1" lang="zh-CN" altLang="en-US" dirty="0"/>
+          </a:p>
+        </p:txBody>
+      </p:sp>
+      <p:sp>
+        <p:nvSpPr>
+          <p:cNvPr id="6" name="文本框 5"/>
+          <p:cNvSpPr txBox="1"/>
+          <p:nvPr/>
+        </p:nvSpPr>
+        <p:spPr>
+          <a:xfrm>
+            <a:off x="797785" y="4672394"/>
+            <a:ext cx="7489410" cy="1200329"/>
+          </a:xfrm>
+          <a:prstGeom prst="rect">
+            <a:avLst/>
+          </a:prstGeom>
+          <a:noFill/>
+        </p:spPr>
+        <p:txBody>
+          <a:bodyPr wrap="square" rtlCol="0">
+            <a:spAutoFit/>
+          </a:bodyPr>
+          <a:lstStyle/>
+          <a:p>
+            <a:r>
+              <a:rPr kumimoji="1" lang="en-US" altLang="zh-CN" b="1" dirty="0"/>
+              <a:t>Splitter </a:t>
+            </a:r>
+            <a:r>
+              <a:rPr kumimoji="1" lang="en-US" altLang="zh-CN" b="1" dirty="0" smtClean="0"/>
+              <a:t>splits </a:t>
+            </a:r>
+            <a:r>
+              <a:rPr kumimoji="1" lang="en-US" altLang="zh-CN" b="1" dirty="0"/>
+              <a:t>a row read from CSV file to elements.</a:t>
+            </a:r>
+          </a:p>
+          <a:p>
+            <a:r>
+              <a:rPr kumimoji="1" lang="en-US" altLang="zh-CN" b="1" dirty="0"/>
+              <a:t>Extractor </a:t>
+            </a:r>
+            <a:r>
+              <a:rPr kumimoji="1" lang="en-US" altLang="zh-CN" b="1" dirty="0" smtClean="0"/>
+              <a:t>extracts </a:t>
+            </a:r>
+            <a:r>
+              <a:rPr kumimoji="1" lang="en-US" altLang="zh-CN" b="1" dirty="0"/>
+              <a:t>feature vector from elements vector.</a:t>
+            </a:r>
+          </a:p>
+          <a:p>
+            <a:r>
+              <a:rPr kumimoji="1" lang="en-US" altLang="zh-CN" b="1" dirty="0"/>
+              <a:t>Random </a:t>
+            </a:r>
+            <a:r>
+              <a:rPr kumimoji="1" lang="en-US" altLang="zh-CN" b="1" dirty="0" smtClean="0"/>
+              <a:t>Forest learns </a:t>
+            </a:r>
+            <a:r>
+              <a:rPr kumimoji="1" lang="en-US" altLang="zh-CN" b="1" dirty="0"/>
+              <a:t>the model.</a:t>
+            </a:r>
+            <a:endParaRPr kumimoji="1" lang="zh-CN" altLang="en-US" b="1" dirty="0"/>
+          </a:p>
+          <a:p>
+            <a:endParaRPr kumimoji="1" lang="zh-CN" altLang="en-US" dirty="0"/>
           </a:p>
         </p:txBody>
       </p:sp>
     </p:spTree>
     <p:extLst>
       <p:ext uri="{BB962C8B-B14F-4D97-AF65-F5344CB8AC3E}">
-        <p14:creationId xmlns:p14="http://schemas.microsoft.com/office/powerpoint/2010/main" val="2374606820"/>
+        <p14:creationId xmlns:p14="http://schemas.microsoft.com/office/powerpoint/2010/main" val="1835637239"/>
       </p:ext>
     </p:extLst>
   </p:cSld>
   <p:clrMapOvr>
     <a:masterClrMapping/>
   </p:clrMapOvr>
+  <p:timing>
+    <p:tnLst>
+      <p:par>
+        <p:cTn xmlns:p14="http://schemas.microsoft.com/office/powerpoint/2010/main" id="1" dur="indefinite" restart="never" nodeType="tmRoot"/>
+      </p:par>
+    </p:tnLst>
+  </p:timing>
 </p:sld>
 </file>
 
@@ -4291,7 +7456,7 @@
       </p:grpSpPr>
       <p:sp>
         <p:nvSpPr>
-          <p:cNvPr id="2" name="标题 1"/>
+          <p:cNvPr id="2" name="Title 1"/>
           <p:cNvSpPr>
             <a:spLocks noGrp="1"/>
           </p:cNvSpPr>
@@ -4305,16 +7470,16 @@
           <a:lstStyle/>
           <a:p>
             <a:r>
-              <a:rPr kumimoji="1" lang="en-US" altLang="zh-CN" dirty="0" smtClean="0"/>
-              <a:t>Platform Selection</a:t>
-            </a:r>
-            <a:endParaRPr kumimoji="1" lang="zh-CN" altLang="en-US" dirty="0"/>
-          </a:p>
-        </p:txBody>
-      </p:sp>
-      <p:sp>
-        <p:nvSpPr>
-          <p:cNvPr id="3" name="内容占位符 2"/>
+              <a:rPr lang="en-US" dirty="0" smtClean="0"/>
+              <a:t>Data and Features</a:t>
+            </a:r>
+            <a:endParaRPr lang="en-US" dirty="0"/>
+          </a:p>
+        </p:txBody>
+      </p:sp>
+      <p:sp>
+        <p:nvSpPr>
+          <p:cNvPr id="3" name="Content Placeholder 2"/>
           <p:cNvSpPr>
             <a:spLocks noGrp="1"/>
           </p:cNvSpPr>
@@ -4328,23 +7493,42 @@
           <a:lstStyle/>
           <a:p>
             <a:r>
-              <a:rPr kumimoji="1" lang="en-US" altLang="zh-CN" dirty="0" smtClean="0"/>
-              <a:t>Because everyone use computers rather than themselves to train model, we have to use some kind of platforms. </a:t>
-            </a:r>
-          </a:p>
-          <a:p>
-            <a:r>
-              <a:rPr kumimoji="1" lang="en-US" altLang="zh-CN" dirty="0" smtClean="0"/>
-              <a:t>The platform I use is spark, and the reason is speed. Spark is really fast because it puts all data into memory. Access memory is fast than accessing disks or SSDs.</a:t>
-            </a:r>
-            <a:endParaRPr kumimoji="1" lang="zh-CN" altLang="en-US" dirty="0"/>
+              <a:rPr lang="en-US" dirty="0" smtClean="0"/>
+              <a:t>The first step is preparing data and feature extraction.</a:t>
+            </a:r>
+          </a:p>
+          <a:p>
+            <a:r>
+              <a:rPr lang="en-US" dirty="0" smtClean="0"/>
+              <a:t>The initial data saves into CSV format, and provides detail of trades. </a:t>
+            </a:r>
+            <a:r>
+              <a:rPr lang="en-US" dirty="0" smtClean="0"/>
+              <a:t>Spark reads </a:t>
+            </a:r>
+            <a:r>
+              <a:rPr lang="en-US" dirty="0" smtClean="0"/>
+              <a:t>data from </a:t>
+            </a:r>
+            <a:r>
+              <a:rPr lang="en-US" dirty="0" smtClean="0"/>
+              <a:t>CVS file, two transformers </a:t>
+            </a:r>
+            <a:r>
+              <a:rPr lang="en-US" dirty="0" smtClean="0"/>
+              <a:t>compute </a:t>
+            </a:r>
+            <a:r>
+              <a:rPr lang="en-US" dirty="0" smtClean="0"/>
+              <a:t>three different features, that is min, max, and average of bid prices in a period of time, and label data based on if making money.</a:t>
+            </a:r>
           </a:p>
         </p:txBody>
       </p:sp>
     </p:spTree>
     <p:extLst>
       <p:ext uri="{BB962C8B-B14F-4D97-AF65-F5344CB8AC3E}">
-        <p14:creationId xmlns:p14="http://schemas.microsoft.com/office/powerpoint/2010/main" val="1883820018"/>
+        <p14:creationId xmlns:p14="http://schemas.microsoft.com/office/powerpoint/2010/main" val="2374606820"/>
       </p:ext>
     </p:extLst>
   </p:cSld>
@@ -4388,7 +7572,7 @@
           <a:p>
             <a:r>
               <a:rPr kumimoji="1" lang="en-US" altLang="zh-CN" dirty="0" smtClean="0"/>
-              <a:t>Model Selection</a:t>
+              <a:t>Platform Selection</a:t>
             </a:r>
             <a:endParaRPr kumimoji="1" lang="zh-CN" altLang="en-US" dirty="0"/>
           </a:p>
@@ -4411,13 +7595,45 @@
           <a:p>
             <a:r>
               <a:rPr kumimoji="1" lang="en-US" altLang="zh-CN" dirty="0" smtClean="0"/>
-              <a:t>There are plenty of machine learning models that could be used to finish my task. I choose random forest. </a:t>
+              <a:t>Because everyone use computers rather than themselves to train model, we have to use some kind of platforms. </a:t>
             </a:r>
           </a:p>
           <a:p>
             <a:r>
               <a:rPr kumimoji="1" lang="en-US" altLang="zh-CN" dirty="0" smtClean="0"/>
-              <a:t>Fandom forest is actually an aggregation of decision tree. One disadvantage of decision tree is overfitting, and fandom forest is pretty robust and correct the overfitting problem of single tree.</a:t>
+              <a:t>The platform I use is spark, and the reason is speed. Spark is really fast because it puts all data into memory. Access memory is fast than accessing disks or SSDs</a:t>
+            </a:r>
+            <a:r>
+              <a:rPr kumimoji="1" lang="en-US" altLang="zh-CN" dirty="0"/>
+              <a:t>.(</a:t>
+            </a:r>
+            <a:r>
+              <a:rPr kumimoji="1" lang="en-US" altLang="zh-CN" dirty="0">
+                <a:hlinkClick r:id="rId3"/>
+              </a:rPr>
+              <a:t>https://</a:t>
+            </a:r>
+            <a:r>
+              <a:rPr kumimoji="1" lang="en-US" altLang="zh-CN" dirty="0" err="1">
+                <a:hlinkClick r:id="rId3"/>
+              </a:rPr>
+              <a:t>en.wikipedia.org</a:t>
+            </a:r>
+            <a:r>
+              <a:rPr kumimoji="1" lang="en-US" altLang="zh-CN" dirty="0">
+                <a:hlinkClick r:id="rId3"/>
+              </a:rPr>
+              <a:t>/wiki/</a:t>
+            </a:r>
+            <a:r>
+              <a:rPr kumimoji="1" lang="en-US" altLang="zh-CN" dirty="0" err="1">
+                <a:hlinkClick r:id="rId3"/>
+              </a:rPr>
+              <a:t>Apache_Spark</a:t>
+            </a:r>
+            <a:r>
+              <a:rPr kumimoji="1" lang="en-US" altLang="zh-CN" dirty="0"/>
+              <a:t>)</a:t>
             </a:r>
             <a:endParaRPr kumimoji="1" lang="zh-CN" altLang="en-US" dirty="0"/>
           </a:p>
@@ -4426,7 +7642,7 @@
     </p:spTree>
     <p:extLst>
       <p:ext uri="{BB962C8B-B14F-4D97-AF65-F5344CB8AC3E}">
-        <p14:creationId xmlns:p14="http://schemas.microsoft.com/office/powerpoint/2010/main" val="200571682"/>
+        <p14:creationId xmlns:p14="http://schemas.microsoft.com/office/powerpoint/2010/main" val="1883820018"/>
       </p:ext>
     </p:extLst>
   </p:cSld>
@@ -4455,7 +7671,7 @@
       </p:grpSpPr>
       <p:sp>
         <p:nvSpPr>
-          <p:cNvPr id="2" name="Title 1"/>
+          <p:cNvPr id="2" name="标题 1"/>
           <p:cNvSpPr>
             <a:spLocks noGrp="1"/>
           </p:cNvSpPr>
@@ -4469,16 +7685,16 @@
           <a:lstStyle/>
           <a:p>
             <a:r>
-              <a:rPr lang="en-US" dirty="0" smtClean="0"/>
-              <a:t>Training and Testing</a:t>
-            </a:r>
-            <a:endParaRPr lang="en-US" dirty="0"/>
-          </a:p>
-        </p:txBody>
-      </p:sp>
-      <p:sp>
-        <p:nvSpPr>
-          <p:cNvPr id="3" name="Content Placeholder 2"/>
+              <a:rPr kumimoji="1" lang="en-US" altLang="zh-CN" dirty="0" smtClean="0"/>
+              <a:t>Model Selection</a:t>
+            </a:r>
+            <a:endParaRPr kumimoji="1" lang="zh-CN" altLang="en-US" dirty="0"/>
+          </a:p>
+        </p:txBody>
+      </p:sp>
+      <p:sp>
+        <p:nvSpPr>
+          <p:cNvPr id="3" name="内容占位符 2"/>
           <p:cNvSpPr>
             <a:spLocks noGrp="1"/>
           </p:cNvSpPr>
@@ -4489,38 +7705,60 @@
         <p:spPr/>
         <p:txBody>
           <a:bodyPr>
-            <a:normAutofit/>
+            <a:normAutofit fontScale="92500"/>
           </a:bodyPr>
           <a:lstStyle/>
           <a:p>
             <a:r>
-              <a:rPr lang="en-US" dirty="0" smtClean="0"/>
-              <a:t>The next step is training and testing data.</a:t>
-            </a:r>
-          </a:p>
-          <a:p>
-            <a:r>
-              <a:rPr lang="en-US" dirty="0" smtClean="0"/>
-              <a:t>I have 10000 instances. 80% is categorized as training set, and 20% </a:t>
-            </a:r>
-            <a:r>
-              <a:rPr lang="en-US" smtClean="0"/>
-              <a:t>is test set. </a:t>
-            </a:r>
-            <a:endParaRPr lang="en-US" dirty="0" smtClean="0"/>
-          </a:p>
-          <a:p>
-            <a:endParaRPr lang="en-US" dirty="0" smtClean="0"/>
-          </a:p>
-          <a:p>
-            <a:endParaRPr lang="en-US" dirty="0" smtClean="0"/>
+              <a:rPr kumimoji="1" lang="en-US" altLang="zh-CN" dirty="0" smtClean="0"/>
+              <a:t>There are plenty of machine learning models that could be used to finish my task. I choose random forest. </a:t>
+            </a:r>
+          </a:p>
+          <a:p>
+            <a:r>
+              <a:rPr kumimoji="1" lang="en-US" altLang="zh-CN" dirty="0" smtClean="0"/>
+              <a:t>Fandom forest is actually an aggregation of decision tree. One disadvantage of decision tree is overfitting, and fandom forest is pretty robust and correct the overfitting problem of single tree</a:t>
+            </a:r>
+            <a:r>
+              <a:rPr kumimoji="1" lang="en-US" altLang="zh-CN" dirty="0"/>
+              <a:t>. (</a:t>
+            </a:r>
+            <a:r>
+              <a:rPr kumimoji="1" lang="en-US" altLang="zh-CN" dirty="0">
+                <a:hlinkClick r:id="rId3"/>
+              </a:rPr>
+              <a:t>https://</a:t>
+            </a:r>
+            <a:r>
+              <a:rPr kumimoji="1" lang="en-US" altLang="zh-CN" dirty="0" err="1">
+                <a:hlinkClick r:id="rId3"/>
+              </a:rPr>
+              <a:t>en.wikipedia.org</a:t>
+            </a:r>
+            <a:r>
+              <a:rPr kumimoji="1" lang="en-US" altLang="zh-CN" dirty="0">
+                <a:hlinkClick r:id="rId3"/>
+              </a:rPr>
+              <a:t>/wiki/</a:t>
+            </a:r>
+            <a:r>
+              <a:rPr kumimoji="1" lang="en-US" altLang="zh-CN" dirty="0" err="1">
+                <a:hlinkClick r:id="rId3"/>
+              </a:rPr>
+              <a:t>Random_forest</a:t>
+            </a:r>
+            <a:r>
+              <a:rPr kumimoji="1" lang="en-US" altLang="zh-CN" dirty="0"/>
+              <a:t>)</a:t>
+            </a:r>
+            <a:endParaRPr kumimoji="1" lang="zh-CN" altLang="en-US" dirty="0"/>
           </a:p>
         </p:txBody>
       </p:sp>
     </p:spTree>
     <p:extLst>
       <p:ext uri="{BB962C8B-B14F-4D97-AF65-F5344CB8AC3E}">
-        <p14:creationId xmlns:p14="http://schemas.microsoft.com/office/powerpoint/2010/main" val="3305405511"/>
+        <p14:creationId xmlns:p14="http://schemas.microsoft.com/office/powerpoint/2010/main" val="200571682"/>
       </p:ext>
     </p:extLst>
   </p:cSld>
@@ -4564,7 +7802,7 @@
           <a:p>
             <a:r>
               <a:rPr lang="en-US" dirty="0" smtClean="0"/>
-              <a:t>Results</a:t>
+              <a:t>Training and Testing</a:t>
             </a:r>
             <a:endParaRPr lang="en-US" dirty="0"/>
           </a:p>
@@ -4582,35 +7820,39 @@
         </p:nvSpPr>
         <p:spPr/>
         <p:txBody>
-          <a:bodyPr/>
+          <a:bodyPr>
+            <a:normAutofit/>
+          </a:bodyPr>
           <a:lstStyle/>
           <a:p>
             <a:r>
               <a:rPr lang="en-US" dirty="0" smtClean="0"/>
-              <a:t>Summary of performance</a:t>
+              <a:t>The next step is training and testing data.</a:t>
             </a:r>
           </a:p>
           <a:p>
             <a:r>
               <a:rPr lang="en-US" dirty="0" smtClean="0"/>
-              <a:t>Confusion Matrix or other more specific description of results (may require 2</a:t>
-            </a:r>
-            <a:r>
-              <a:rPr lang="en-US" baseline="30000" dirty="0" smtClean="0"/>
-              <a:t>nd</a:t>
-            </a:r>
-            <a:r>
-              <a:rPr lang="en-US" dirty="0" smtClean="0"/>
-              <a:t> slide)</a:t>
-            </a:r>
-            <a:endParaRPr lang="en-US" dirty="0"/>
+              <a:t>I have 10000 instances. 80% is categorized as training set, and 20% </a:t>
+            </a:r>
+            <a:r>
+              <a:rPr lang="en-US" smtClean="0"/>
+              <a:t>is test set. </a:t>
+            </a:r>
+            <a:endParaRPr lang="en-US" dirty="0" smtClean="0"/>
+          </a:p>
+          <a:p>
+            <a:endParaRPr lang="en-US" dirty="0" smtClean="0"/>
+          </a:p>
+          <a:p>
+            <a:endParaRPr lang="en-US" dirty="0" smtClean="0"/>
           </a:p>
         </p:txBody>
       </p:sp>
     </p:spTree>
     <p:extLst>
       <p:ext uri="{BB962C8B-B14F-4D97-AF65-F5344CB8AC3E}">
-        <p14:creationId xmlns:p14="http://schemas.microsoft.com/office/powerpoint/2010/main" val="2777363673"/>
+        <p14:creationId xmlns:p14="http://schemas.microsoft.com/office/powerpoint/2010/main" val="3305405511"/>
       </p:ext>
     </p:extLst>
   </p:cSld>
@@ -4654,7 +7896,7 @@
           <a:p>
             <a:r>
               <a:rPr lang="en-US" dirty="0" smtClean="0"/>
-              <a:t>Error Analysis</a:t>
+              <a:t>Results</a:t>
             </a:r>
             <a:endParaRPr lang="en-US" dirty="0"/>
           </a:p>
@@ -4677,7 +7919,21 @@
           <a:p>
             <a:r>
               <a:rPr lang="en-US" dirty="0" smtClean="0"/>
-              <a:t>Elucidation of most challenging or difficult cases and a brief description of why they are challenging. One per slide.</a:t>
+              <a:t>Summary of performance</a:t>
+            </a:r>
+          </a:p>
+          <a:p>
+            <a:r>
+              <a:rPr lang="en-US" dirty="0" smtClean="0"/>
+              <a:t>Confusion Matrix or other more specific description of results (may require 2</a:t>
+            </a:r>
+            <a:r>
+              <a:rPr lang="en-US" baseline="30000" dirty="0" smtClean="0"/>
+              <a:t>nd</a:t>
+            </a:r>
+            <a:r>
+              <a:rPr lang="en-US" dirty="0" smtClean="0"/>
+              <a:t> slide)</a:t>
             </a:r>
             <a:endParaRPr lang="en-US" dirty="0"/>
           </a:p>
@@ -4686,7 +7942,7 @@
     </p:spTree>
     <p:extLst>
       <p:ext uri="{BB962C8B-B14F-4D97-AF65-F5344CB8AC3E}">
-        <p14:creationId xmlns:p14="http://schemas.microsoft.com/office/powerpoint/2010/main" val="1634823751"/>
+        <p14:creationId xmlns:p14="http://schemas.microsoft.com/office/powerpoint/2010/main" val="2777363673"/>
       </p:ext>
     </p:extLst>
   </p:cSld>

--- a/src/HW7/NonTechnical_Audience_Presentation.pptx
+++ b/src/HW7/NonTechnical_Audience_Presentation.pptx
@@ -5,7 +5,7 @@
     <p:sldMasterId id="2147483648" r:id="rId1"/>
   </p:sldMasterIdLst>
   <p:notesMasterIdLst>
-    <p:notesMasterId r:id="rId15"/>
+    <p:notesMasterId r:id="rId18"/>
   </p:notesMasterIdLst>
   <p:sldIdLst>
     <p:sldId id="256" r:id="rId2"/>
@@ -13,14 +13,17 @@
     <p:sldId id="260" r:id="rId4"/>
     <p:sldId id="268" r:id="rId5"/>
     <p:sldId id="264" r:id="rId6"/>
-    <p:sldId id="266" r:id="rId7"/>
-    <p:sldId id="267" r:id="rId8"/>
-    <p:sldId id="265" r:id="rId9"/>
-    <p:sldId id="258" r:id="rId10"/>
-    <p:sldId id="262" r:id="rId11"/>
-    <p:sldId id="259" r:id="rId12"/>
-    <p:sldId id="261" r:id="rId13"/>
-    <p:sldId id="263" r:id="rId14"/>
+    <p:sldId id="269" r:id="rId7"/>
+    <p:sldId id="266" r:id="rId8"/>
+    <p:sldId id="270" r:id="rId9"/>
+    <p:sldId id="267" r:id="rId10"/>
+    <p:sldId id="265" r:id="rId11"/>
+    <p:sldId id="271" r:id="rId12"/>
+    <p:sldId id="258" r:id="rId13"/>
+    <p:sldId id="262" r:id="rId14"/>
+    <p:sldId id="272" r:id="rId15"/>
+    <p:sldId id="259" r:id="rId16"/>
+    <p:sldId id="261" r:id="rId17"/>
   </p:sldIdLst>
   <p:sldSz cx="9144000" cy="6858000" type="screen4x3"/>
   <p:notesSz cx="6858000" cy="9144000"/>
@@ -1143,14 +1146,35 @@
         </dgm:presLayoutVars>
       </dgm:prSet>
       <dgm:spPr/>
+      <dgm:t>
+        <a:bodyPr/>
+        <a:lstStyle/>
+        <a:p>
+          <a:endParaRPr lang="zh-CN" altLang="en-US"/>
+        </a:p>
+      </dgm:t>
     </dgm:pt>
     <dgm:pt modelId="{C930B510-8E5B-3244-B7EF-F547688128FA}" type="pres">
       <dgm:prSet presAssocID="{74842A2A-9819-804A-AF26-B37849E1BEFD}" presName="sibTrans" presStyleLbl="sibTrans2D1" presStyleIdx="0" presStyleCnt="2"/>
       <dgm:spPr/>
+      <dgm:t>
+        <a:bodyPr/>
+        <a:lstStyle/>
+        <a:p>
+          <a:endParaRPr lang="zh-CN" altLang="en-US"/>
+        </a:p>
+      </dgm:t>
     </dgm:pt>
     <dgm:pt modelId="{9A06A2C7-4FA5-ED4A-B8DB-05B31DC46184}" type="pres">
       <dgm:prSet presAssocID="{74842A2A-9819-804A-AF26-B37849E1BEFD}" presName="connectorText" presStyleLbl="sibTrans2D1" presStyleIdx="0" presStyleCnt="2"/>
       <dgm:spPr/>
+      <dgm:t>
+        <a:bodyPr/>
+        <a:lstStyle/>
+        <a:p>
+          <a:endParaRPr lang="zh-CN" altLang="en-US"/>
+        </a:p>
+      </dgm:t>
     </dgm:pt>
     <dgm:pt modelId="{63C508AB-1E84-E74C-B315-C68099F70BB8}" type="pres">
       <dgm:prSet presAssocID="{2AFFADB5-2FD9-A54D-BD14-34F1D56050EB}" presName="node" presStyleLbl="node1" presStyleIdx="1" presStyleCnt="3">
@@ -1170,10 +1194,24 @@
     <dgm:pt modelId="{33892F8B-FB7B-2542-A983-FFCFB89B6512}" type="pres">
       <dgm:prSet presAssocID="{8D456137-1A61-BA4D-BF7D-2CC10A68B41A}" presName="sibTrans" presStyleLbl="sibTrans2D1" presStyleIdx="1" presStyleCnt="2"/>
       <dgm:spPr/>
+      <dgm:t>
+        <a:bodyPr/>
+        <a:lstStyle/>
+        <a:p>
+          <a:endParaRPr lang="zh-CN" altLang="en-US"/>
+        </a:p>
+      </dgm:t>
     </dgm:pt>
     <dgm:pt modelId="{3638FCE4-6486-3446-B7EA-1B1C6185491F}" type="pres">
       <dgm:prSet presAssocID="{8D456137-1A61-BA4D-BF7D-2CC10A68B41A}" presName="connectorText" presStyleLbl="sibTrans2D1" presStyleIdx="1" presStyleCnt="2"/>
       <dgm:spPr/>
+      <dgm:t>
+        <a:bodyPr/>
+        <a:lstStyle/>
+        <a:p>
+          <a:endParaRPr lang="zh-CN" altLang="en-US"/>
+        </a:p>
+      </dgm:t>
     </dgm:pt>
     <dgm:pt modelId="{49AF9875-7129-6943-9AEE-C55444EB0440}" type="pres">
       <dgm:prSet presAssocID="{ED519EC0-D695-5648-A79E-1F44C9860B19}" presName="node" presStyleLbl="node1" presStyleIdx="2" presStyleCnt="3">
@@ -1196,8 +1234,8 @@
     <dgm:cxn modelId="{633E79BD-DBAB-6247-A5D3-D9F587BC3DCC}" srcId="{DE3A5B10-AC9F-C344-9FEC-8B6887A19507}" destId="{2AFFADB5-2FD9-A54D-BD14-34F1D56050EB}" srcOrd="1" destOrd="0" parTransId="{3BC8D67C-2C2C-BD43-9E47-F6EDEBCC2935}" sibTransId="{8D456137-1A61-BA4D-BF7D-2CC10A68B41A}"/>
     <dgm:cxn modelId="{577859BB-3416-0B48-812C-9851889E23DB}" type="presOf" srcId="{74842A2A-9819-804A-AF26-B37849E1BEFD}" destId="{C930B510-8E5B-3244-B7EF-F547688128FA}" srcOrd="0" destOrd="0" presId="urn:microsoft.com/office/officeart/2005/8/layout/process1"/>
     <dgm:cxn modelId="{BFF38D4B-95B8-AD48-B898-3BBA133B7446}" type="presOf" srcId="{74842A2A-9819-804A-AF26-B37849E1BEFD}" destId="{9A06A2C7-4FA5-ED4A-B8DB-05B31DC46184}" srcOrd="1" destOrd="0" presId="urn:microsoft.com/office/officeart/2005/8/layout/process1"/>
+    <dgm:cxn modelId="{CD892C7B-922F-9B4B-A5FF-7FB5CAA0187C}" type="presOf" srcId="{DE3A5B10-AC9F-C344-9FEC-8B6887A19507}" destId="{4D34E6E4-DC1C-0243-9AD5-DC95BF0DD3E9}" srcOrd="0" destOrd="0" presId="urn:microsoft.com/office/officeart/2005/8/layout/process1"/>
     <dgm:cxn modelId="{F957421F-60FA-1842-AEA9-0F3640C615D5}" type="presOf" srcId="{2AFFADB5-2FD9-A54D-BD14-34F1D56050EB}" destId="{63C508AB-1E84-E74C-B315-C68099F70BB8}" srcOrd="0" destOrd="0" presId="urn:microsoft.com/office/officeart/2005/8/layout/process1"/>
-    <dgm:cxn modelId="{CD892C7B-922F-9B4B-A5FF-7FB5CAA0187C}" type="presOf" srcId="{DE3A5B10-AC9F-C344-9FEC-8B6887A19507}" destId="{4D34E6E4-DC1C-0243-9AD5-DC95BF0DD3E9}" srcOrd="0" destOrd="0" presId="urn:microsoft.com/office/officeart/2005/8/layout/process1"/>
     <dgm:cxn modelId="{5D74D57C-710C-394D-BC67-38DE7EBF8DFC}" srcId="{DE3A5B10-AC9F-C344-9FEC-8B6887A19507}" destId="{ED519EC0-D695-5648-A79E-1F44C9860B19}" srcOrd="2" destOrd="0" parTransId="{4AF5C66E-1E3D-F543-84BE-5A13327AF7C0}" sibTransId="{730D4CB4-D74B-734B-BE92-919395373CBD}"/>
     <dgm:cxn modelId="{2C139330-1B5D-F048-836A-C22F5EED0505}" type="presOf" srcId="{97ACF81B-7121-FE4E-B001-A30A18998A79}" destId="{C376FAB0-9B49-6F4C-844D-F48C1A6B19BD}" srcOrd="0" destOrd="0" presId="urn:microsoft.com/office/officeart/2005/8/layout/process1"/>
     <dgm:cxn modelId="{F1EED440-58F6-904D-8E07-12314ABE155F}" type="presOf" srcId="{8D456137-1A61-BA4D-BF7D-2CC10A68B41A}" destId="{33892F8B-FB7B-2542-A983-FFCFB89B6512}" srcOrd="0" destOrd="0" presId="urn:microsoft.com/office/officeart/2005/8/layout/process1"/>
@@ -3544,7 +3582,7 @@
     </p:spTree>
     <p:extLst>
       <p:ext uri="{BB962C8B-B14F-4D97-AF65-F5344CB8AC3E}">
-        <p14:creationId xmlns:p14="http://schemas.microsoft.com/office/powerpoint/2010/main" val="1760301862"/>
+        <p14:creationId xmlns:p14="http://schemas.microsoft.com/office/powerpoint/2010/main" val="1945522140"/>
       </p:ext>
     </p:extLst>
   </p:cSld>
@@ -3628,7 +3666,259 @@
     </p:spTree>
     <p:extLst>
       <p:ext uri="{BB962C8B-B14F-4D97-AF65-F5344CB8AC3E}">
+        <p14:creationId xmlns:p14="http://schemas.microsoft.com/office/powerpoint/2010/main" val="1760301862"/>
+      </p:ext>
+    </p:extLst>
+  </p:cSld>
+  <p:clrMapOvr>
+    <a:masterClrMapping/>
+  </p:clrMapOvr>
+</p:notes>
+</file>
+
+<file path=ppt/notesSlides/notesSlide6.xml><?xml version="1.0" encoding="utf-8"?>
+<p:notes xmlns:a="http://schemas.openxmlformats.org/drawingml/2006/main" xmlns:r="http://schemas.openxmlformats.org/officeDocument/2006/relationships" xmlns:p="http://schemas.openxmlformats.org/presentationml/2006/main">
+  <p:cSld>
+    <p:spTree>
+      <p:nvGrpSpPr>
+        <p:cNvPr id="1" name=""/>
+        <p:cNvGrpSpPr/>
+        <p:nvPr/>
+      </p:nvGrpSpPr>
+      <p:grpSpPr>
+        <a:xfrm>
+          <a:off x="0" y="0"/>
+          <a:ext cx="0" cy="0"/>
+          <a:chOff x="0" y="0"/>
+          <a:chExt cx="0" cy="0"/>
+        </a:xfrm>
+      </p:grpSpPr>
+      <p:sp>
+        <p:nvSpPr>
+          <p:cNvPr id="2" name="幻灯片图像占位符 1"/>
+          <p:cNvSpPr>
+            <a:spLocks noGrp="1" noRot="1" noChangeAspect="1"/>
+          </p:cNvSpPr>
+          <p:nvPr>
+            <p:ph type="sldImg"/>
+          </p:nvPr>
+        </p:nvSpPr>
+        <p:spPr/>
+      </p:sp>
+      <p:sp>
+        <p:nvSpPr>
+          <p:cNvPr id="3" name="备注占位符 2"/>
+          <p:cNvSpPr>
+            <a:spLocks noGrp="1"/>
+          </p:cNvSpPr>
+          <p:nvPr>
+            <p:ph type="body" idx="1"/>
+          </p:nvPr>
+        </p:nvSpPr>
+        <p:spPr/>
+        <p:txBody>
+          <a:bodyPr/>
+          <a:lstStyle/>
+          <a:p>
+            <a:endParaRPr kumimoji="1" lang="zh-CN" altLang="en-US" dirty="0"/>
+          </a:p>
+        </p:txBody>
+      </p:sp>
+      <p:sp>
+        <p:nvSpPr>
+          <p:cNvPr id="4" name="幻灯片编号占位符 3"/>
+          <p:cNvSpPr>
+            <a:spLocks noGrp="1"/>
+          </p:cNvSpPr>
+          <p:nvPr>
+            <p:ph type="sldNum" sz="quarter" idx="10"/>
+          </p:nvPr>
+        </p:nvSpPr>
+        <p:spPr/>
+        <p:txBody>
+          <a:bodyPr/>
+          <a:lstStyle/>
+          <a:p>
+            <a:fld id="{64A447E7-7A8C-0B45-8BF1-FB01030CA581}" type="slidenum">
+              <a:rPr kumimoji="1" lang="zh-CN" altLang="en-US" smtClean="0"/>
+              <a:t>9</a:t>
+            </a:fld>
+            <a:endParaRPr kumimoji="1" lang="zh-CN" altLang="en-US"/>
+          </a:p>
+        </p:txBody>
+      </p:sp>
+    </p:spTree>
+    <p:extLst>
+      <p:ext uri="{BB962C8B-B14F-4D97-AF65-F5344CB8AC3E}">
         <p14:creationId xmlns:p14="http://schemas.microsoft.com/office/powerpoint/2010/main" val="2363810351"/>
+      </p:ext>
+    </p:extLst>
+  </p:cSld>
+  <p:clrMapOvr>
+    <a:masterClrMapping/>
+  </p:clrMapOvr>
+</p:notes>
+</file>
+
+<file path=ppt/notesSlides/notesSlide7.xml><?xml version="1.0" encoding="utf-8"?>
+<p:notes xmlns:a="http://schemas.openxmlformats.org/drawingml/2006/main" xmlns:r="http://schemas.openxmlformats.org/officeDocument/2006/relationships" xmlns:p="http://schemas.openxmlformats.org/presentationml/2006/main">
+  <p:cSld>
+    <p:spTree>
+      <p:nvGrpSpPr>
+        <p:cNvPr id="1" name=""/>
+        <p:cNvGrpSpPr/>
+        <p:nvPr/>
+      </p:nvGrpSpPr>
+      <p:grpSpPr>
+        <a:xfrm>
+          <a:off x="0" y="0"/>
+          <a:ext cx="0" cy="0"/>
+          <a:chOff x="0" y="0"/>
+          <a:chExt cx="0" cy="0"/>
+        </a:xfrm>
+      </p:grpSpPr>
+      <p:sp>
+        <p:nvSpPr>
+          <p:cNvPr id="2" name="幻灯片图像占位符 1"/>
+          <p:cNvSpPr>
+            <a:spLocks noGrp="1" noRot="1" noChangeAspect="1"/>
+          </p:cNvSpPr>
+          <p:nvPr>
+            <p:ph type="sldImg"/>
+          </p:nvPr>
+        </p:nvSpPr>
+        <p:spPr/>
+      </p:sp>
+      <p:sp>
+        <p:nvSpPr>
+          <p:cNvPr id="3" name="备注占位符 2"/>
+          <p:cNvSpPr>
+            <a:spLocks noGrp="1"/>
+          </p:cNvSpPr>
+          <p:nvPr>
+            <p:ph type="body" idx="1"/>
+          </p:nvPr>
+        </p:nvSpPr>
+        <p:spPr/>
+        <p:txBody>
+          <a:bodyPr/>
+          <a:lstStyle/>
+          <a:p>
+            <a:endParaRPr kumimoji="1" lang="zh-CN" altLang="en-US" dirty="0"/>
+          </a:p>
+        </p:txBody>
+      </p:sp>
+      <p:sp>
+        <p:nvSpPr>
+          <p:cNvPr id="4" name="幻灯片编号占位符 3"/>
+          <p:cNvSpPr>
+            <a:spLocks noGrp="1"/>
+          </p:cNvSpPr>
+          <p:nvPr>
+            <p:ph type="sldNum" sz="quarter" idx="10"/>
+          </p:nvPr>
+        </p:nvSpPr>
+        <p:spPr/>
+        <p:txBody>
+          <a:bodyPr/>
+          <a:lstStyle/>
+          <a:p>
+            <a:fld id="{64A447E7-7A8C-0B45-8BF1-FB01030CA581}" type="slidenum">
+              <a:rPr kumimoji="1" lang="zh-CN" altLang="en-US" smtClean="0"/>
+              <a:t>12</a:t>
+            </a:fld>
+            <a:endParaRPr kumimoji="1" lang="zh-CN" altLang="en-US"/>
+          </a:p>
+        </p:txBody>
+      </p:sp>
+    </p:spTree>
+    <p:extLst>
+      <p:ext uri="{BB962C8B-B14F-4D97-AF65-F5344CB8AC3E}">
+        <p14:creationId xmlns:p14="http://schemas.microsoft.com/office/powerpoint/2010/main" val="1089328565"/>
+      </p:ext>
+    </p:extLst>
+  </p:cSld>
+  <p:clrMapOvr>
+    <a:masterClrMapping/>
+  </p:clrMapOvr>
+</p:notes>
+</file>
+
+<file path=ppt/notesSlides/notesSlide8.xml><?xml version="1.0" encoding="utf-8"?>
+<p:notes xmlns:a="http://schemas.openxmlformats.org/drawingml/2006/main" xmlns:r="http://schemas.openxmlformats.org/officeDocument/2006/relationships" xmlns:p="http://schemas.openxmlformats.org/presentationml/2006/main">
+  <p:cSld>
+    <p:spTree>
+      <p:nvGrpSpPr>
+        <p:cNvPr id="1" name=""/>
+        <p:cNvGrpSpPr/>
+        <p:nvPr/>
+      </p:nvGrpSpPr>
+      <p:grpSpPr>
+        <a:xfrm>
+          <a:off x="0" y="0"/>
+          <a:ext cx="0" cy="0"/>
+          <a:chOff x="0" y="0"/>
+          <a:chExt cx="0" cy="0"/>
+        </a:xfrm>
+      </p:grpSpPr>
+      <p:sp>
+        <p:nvSpPr>
+          <p:cNvPr id="2" name="幻灯片图像占位符 1"/>
+          <p:cNvSpPr>
+            <a:spLocks noGrp="1" noRot="1" noChangeAspect="1"/>
+          </p:cNvSpPr>
+          <p:nvPr>
+            <p:ph type="sldImg"/>
+          </p:nvPr>
+        </p:nvSpPr>
+        <p:spPr/>
+      </p:sp>
+      <p:sp>
+        <p:nvSpPr>
+          <p:cNvPr id="3" name="备注占位符 2"/>
+          <p:cNvSpPr>
+            <a:spLocks noGrp="1"/>
+          </p:cNvSpPr>
+          <p:nvPr>
+            <p:ph type="body" idx="1"/>
+          </p:nvPr>
+        </p:nvSpPr>
+        <p:spPr/>
+        <p:txBody>
+          <a:bodyPr/>
+          <a:lstStyle/>
+          <a:p>
+            <a:endParaRPr kumimoji="1" lang="zh-CN" altLang="en-US" dirty="0"/>
+          </a:p>
+        </p:txBody>
+      </p:sp>
+      <p:sp>
+        <p:nvSpPr>
+          <p:cNvPr id="4" name="幻灯片编号占位符 3"/>
+          <p:cNvSpPr>
+            <a:spLocks noGrp="1"/>
+          </p:cNvSpPr>
+          <p:nvPr>
+            <p:ph type="sldNum" sz="quarter" idx="10"/>
+          </p:nvPr>
+        </p:nvSpPr>
+        <p:spPr/>
+        <p:txBody>
+          <a:bodyPr/>
+          <a:lstStyle/>
+          <a:p>
+            <a:fld id="{64A447E7-7A8C-0B45-8BF1-FB01030CA581}" type="slidenum">
+              <a:rPr kumimoji="1" lang="zh-CN" altLang="en-US" smtClean="0"/>
+              <a:t>14</a:t>
+            </a:fld>
+            <a:endParaRPr kumimoji="1" lang="zh-CN" altLang="en-US"/>
+          </a:p>
+        </p:txBody>
+      </p:sp>
+    </p:spTree>
+    <p:extLst>
+      <p:ext uri="{BB962C8B-B14F-4D97-AF65-F5344CB8AC3E}">
+        <p14:creationId xmlns:p14="http://schemas.microsoft.com/office/powerpoint/2010/main" val="2361963134"/>
       </p:ext>
     </p:extLst>
   </p:cSld>
@@ -6747,6 +7037,13 @@
   <p:clrMapOvr>
     <a:masterClrMapping/>
   </p:clrMapOvr>
+  <p:timing>
+    <p:tnLst>
+      <p:par>
+        <p:cTn xmlns:p14="http://schemas.microsoft.com/office/powerpoint/2010/main" id="1" dur="indefinite" restart="never" nodeType="tmRoot"/>
+      </p:par>
+    </p:tnLst>
+  </p:timing>
 </p:sld>
 </file>
 
@@ -6784,7 +7081,7 @@
           <a:p>
             <a:r>
               <a:rPr lang="en-US" dirty="0" smtClean="0"/>
-              <a:t>Error Analysis</a:t>
+              <a:t>Training and Testing</a:t>
             </a:r>
             <a:endParaRPr lang="en-US" dirty="0"/>
           </a:p>
@@ -6802,27 +7099,53 @@
         </p:nvSpPr>
         <p:spPr/>
         <p:txBody>
-          <a:bodyPr/>
+          <a:bodyPr>
+            <a:normAutofit/>
+          </a:bodyPr>
           <a:lstStyle/>
           <a:p>
             <a:r>
               <a:rPr lang="en-US" dirty="0" smtClean="0"/>
-              <a:t>Elucidation of most challenging or difficult cases and a brief description of why they are challenging. One per slide.</a:t>
-            </a:r>
-            <a:endParaRPr lang="en-US" dirty="0"/>
+              <a:t>The next step is training and testing data.</a:t>
+            </a:r>
+          </a:p>
+          <a:p>
+            <a:r>
+              <a:rPr lang="en-US" dirty="0" smtClean="0"/>
+              <a:t>I have 10000 instances. 80% is categorized as training set, and 20% is test set. </a:t>
+            </a:r>
+          </a:p>
+          <a:p>
+            <a:r>
+              <a:rPr lang="en-US" dirty="0" smtClean="0"/>
+              <a:t>Since I have three features, I train the forest with 3 trees and each one use two features for tree splitting.</a:t>
+            </a:r>
+          </a:p>
+          <a:p>
+            <a:endParaRPr lang="en-US" dirty="0" smtClean="0"/>
+          </a:p>
+          <a:p>
+            <a:endParaRPr lang="en-US" dirty="0" smtClean="0"/>
           </a:p>
         </p:txBody>
       </p:sp>
     </p:spTree>
     <p:extLst>
       <p:ext uri="{BB962C8B-B14F-4D97-AF65-F5344CB8AC3E}">
-        <p14:creationId xmlns:p14="http://schemas.microsoft.com/office/powerpoint/2010/main" val="1634823751"/>
+        <p14:creationId xmlns:p14="http://schemas.microsoft.com/office/powerpoint/2010/main" val="3305405511"/>
       </p:ext>
     </p:extLst>
   </p:cSld>
   <p:clrMapOvr>
     <a:masterClrMapping/>
   </p:clrMapOvr>
+  <p:timing>
+    <p:tnLst>
+      <p:par>
+        <p:cTn xmlns:p14="http://schemas.microsoft.com/office/powerpoint/2010/main" id="1" dur="indefinite" restart="never" nodeType="tmRoot"/>
+      </p:par>
+    </p:tnLst>
+  </p:timing>
 </p:sld>
 </file>
 
@@ -6845,7 +7168,7 @@
       </p:grpSpPr>
       <p:sp>
         <p:nvSpPr>
-          <p:cNvPr id="2" name="Title 1"/>
+          <p:cNvPr id="2" name="标题 1"/>
           <p:cNvSpPr>
             <a:spLocks noGrp="1"/>
           </p:cNvSpPr>
@@ -6859,52 +7182,105 @@
           <a:lstStyle/>
           <a:p>
             <a:r>
-              <a:rPr lang="en-US" dirty="0" smtClean="0"/>
-              <a:t>Actionable Information or Insights</a:t>
-            </a:r>
-            <a:endParaRPr lang="en-US" dirty="0"/>
-          </a:p>
-        </p:txBody>
-      </p:sp>
-      <p:sp>
-        <p:nvSpPr>
-          <p:cNvPr id="3" name="Content Placeholder 2"/>
-          <p:cNvSpPr>
-            <a:spLocks noGrp="1"/>
-          </p:cNvSpPr>
+              <a:rPr kumimoji="1" lang="en-US" altLang="zh-CN" dirty="0" smtClean="0"/>
+              <a:t>Forest Example</a:t>
+            </a:r>
+            <a:endParaRPr kumimoji="1" lang="zh-CN" altLang="en-US" dirty="0"/>
+          </a:p>
+        </p:txBody>
+      </p:sp>
+      <p:pic>
+        <p:nvPicPr>
+          <p:cNvPr id="4" name="内容占位符 3" descr="20131204173330.png"/>
+          <p:cNvPicPr>
+            <a:picLocks noGrp="1" noChangeAspect="1"/>
+          </p:cNvPicPr>
           <p:nvPr>
             <p:ph idx="1"/>
           </p:nvPr>
-        </p:nvSpPr>
+        </p:nvPicPr>
+        <p:blipFill>
+          <a:blip r:embed="rId2">
+            <a:extLst>
+              <a:ext uri="{28A0092B-C50C-407E-A947-70E740481C1C}">
+                <a14:useLocalDpi xmlns:a14="http://schemas.microsoft.com/office/drawing/2010/main" val="0"/>
+              </a:ext>
+            </a:extLst>
+          </a:blip>
+          <a:srcRect l="-2593" r="-2593"/>
+          <a:stretch>
+            <a:fillRect/>
+          </a:stretch>
+        </p:blipFill>
         <p:spPr/>
-        <p:txBody>
-          <a:bodyPr/>
-          <a:lstStyle/>
-          <a:p>
-            <a:r>
-              <a:rPr lang="en-US" dirty="0" smtClean="0"/>
-              <a:t>Take-home message from analysis.</a:t>
-            </a:r>
-          </a:p>
-          <a:p>
-            <a:r>
-              <a:rPr lang="en-US" dirty="0" smtClean="0"/>
-              <a:t>How can the stakeholder use the information obtained OR How can the insight obtained be used to open a new analytic project that should lead closer to actionable information.</a:t>
-            </a:r>
-            <a:endParaRPr lang="en-US" dirty="0"/>
+      </p:pic>
+      <p:sp>
+        <p:nvSpPr>
+          <p:cNvPr id="5" name="文本框 4"/>
+          <p:cNvSpPr txBox="1"/>
+          <p:nvPr/>
+        </p:nvSpPr>
+        <p:spPr>
+          <a:xfrm>
+            <a:off x="5812434" y="6245981"/>
+            <a:ext cx="3207421" cy="646331"/>
+          </a:xfrm>
+          <a:prstGeom prst="rect">
+            <a:avLst/>
+          </a:prstGeom>
+          <a:noFill/>
+        </p:spPr>
+        <p:txBody>
+          <a:bodyPr wrap="square" rtlCol="0">
+            <a:spAutoFit/>
+          </a:bodyPr>
+          <a:lstStyle/>
+          <a:p>
+            <a:r>
+              <a:rPr kumimoji="1" lang="en-US" altLang="zh-CN" dirty="0">
+                <a:hlinkClick r:id="rId3"/>
+              </a:rPr>
+              <a:t>http://</a:t>
+            </a:r>
+            <a:r>
+              <a:rPr kumimoji="1" lang="en-US" altLang="zh-CN" dirty="0" err="1">
+                <a:hlinkClick r:id="rId3"/>
+              </a:rPr>
+              <a:t>en.likefm.org</a:t>
+            </a:r>
+            <a:r>
+              <a:rPr kumimoji="1" lang="en-US" altLang="zh-CN" dirty="0">
+                <a:hlinkClick r:id="rId3"/>
+              </a:rPr>
+              <a:t>/artists/images/</a:t>
+            </a:r>
+            <a:r>
+              <a:rPr kumimoji="1" lang="en-US" altLang="zh-CN" dirty="0" err="1">
+                <a:hlinkClick r:id="rId3"/>
+              </a:rPr>
+              <a:t>Random+Forest</a:t>
+            </a:r>
+            <a:endParaRPr kumimoji="1" lang="zh-CN" altLang="en-US" dirty="0"/>
           </a:p>
         </p:txBody>
       </p:sp>
     </p:spTree>
     <p:extLst>
       <p:ext uri="{BB962C8B-B14F-4D97-AF65-F5344CB8AC3E}">
-        <p14:creationId xmlns:p14="http://schemas.microsoft.com/office/powerpoint/2010/main" val="2933592575"/>
+        <p14:creationId xmlns:p14="http://schemas.microsoft.com/office/powerpoint/2010/main" val="1329154506"/>
       </p:ext>
     </p:extLst>
   </p:cSld>
   <p:clrMapOvr>
     <a:masterClrMapping/>
   </p:clrMapOvr>
+  <p:timing>
+    <p:tnLst>
+      <p:par>
+        <p:cTn xmlns:p14="http://schemas.microsoft.com/office/powerpoint/2010/main" id="1" dur="indefinite" restart="never" nodeType="tmRoot"/>
+      </p:par>
+    </p:tnLst>
+  </p:timing>
 </p:sld>
 </file>
 
@@ -6942,7 +7318,7 @@
           <a:p>
             <a:r>
               <a:rPr lang="en-US" dirty="0" smtClean="0"/>
-              <a:t>Future Work</a:t>
+              <a:t>Results</a:t>
             </a:r>
             <a:endParaRPr lang="en-US" dirty="0"/>
           </a:p>
@@ -6965,19 +7341,13 @@
           <a:p>
             <a:r>
               <a:rPr lang="en-US" dirty="0" smtClean="0"/>
-              <a:t>What is the follow on project to this?</a:t>
+              <a:t>The metric I use is accuracy, which is computed by (number of correct prediction) / total test instances. </a:t>
             </a:r>
           </a:p>
           <a:p>
             <a:r>
               <a:rPr lang="en-US" dirty="0" smtClean="0"/>
-              <a:t>What should others following in your steps take into consideration</a:t>
-            </a:r>
-          </a:p>
-          <a:p>
-            <a:r>
-              <a:rPr lang="en-US" dirty="0" smtClean="0"/>
-              <a:t>What should the information need / problem statement be for the next project</a:t>
+              <a:t>My accuracy is about 0.28, which is less than the 50% (flip coin approach). 566 out of 2000 instances were classified correctly.</a:t>
             </a:r>
             <a:endParaRPr lang="en-US" dirty="0"/>
           </a:p>
@@ -6986,13 +7356,20 @@
     </p:spTree>
     <p:extLst>
       <p:ext uri="{BB962C8B-B14F-4D97-AF65-F5344CB8AC3E}">
-        <p14:creationId xmlns:p14="http://schemas.microsoft.com/office/powerpoint/2010/main" val="408718215"/>
+        <p14:creationId xmlns:p14="http://schemas.microsoft.com/office/powerpoint/2010/main" val="2777363673"/>
       </p:ext>
     </p:extLst>
   </p:cSld>
   <p:clrMapOvr>
     <a:masterClrMapping/>
   </p:clrMapOvr>
+  <p:timing>
+    <p:tnLst>
+      <p:par>
+        <p:cTn xmlns:p14="http://schemas.microsoft.com/office/powerpoint/2010/main" id="1" dur="indefinite" restart="never" nodeType="tmRoot"/>
+      </p:par>
+    </p:tnLst>
+  </p:timing>
 </p:sld>
 </file>
 
@@ -7030,7 +7407,7 @@
           <a:p>
             <a:r>
               <a:rPr lang="en-US" dirty="0" smtClean="0"/>
-              <a:t>Supplemental Information</a:t>
+              <a:t>Error Analysis</a:t>
             </a:r>
             <a:endParaRPr lang="en-US" dirty="0"/>
           </a:p>
@@ -7053,7 +7430,17 @@
           <a:p>
             <a:r>
               <a:rPr lang="en-US" dirty="0" smtClean="0"/>
-              <a:t>Any potentially relevant details that couldn’t be easily fit into the core presentation.</a:t>
+              <a:t>I guess The first reason of the bad result, is features. I only have three features, and these features couldn’t give me enough information of trades. </a:t>
+            </a:r>
+          </a:p>
+          <a:p>
+            <a:r>
+              <a:rPr lang="en-US" dirty="0" smtClean="0"/>
+              <a:t>There are definitely some features related to time that could show the essence </a:t>
+            </a:r>
+            <a:r>
+              <a:rPr lang="en-US" dirty="0" smtClean="0"/>
+              <a:t>of currency trades, like the data classified into weekdays.  </a:t>
             </a:r>
             <a:endParaRPr lang="en-US" dirty="0"/>
           </a:p>
@@ -7062,13 +7449,298 @@
     </p:spTree>
     <p:extLst>
       <p:ext uri="{BB962C8B-B14F-4D97-AF65-F5344CB8AC3E}">
-        <p14:creationId xmlns:p14="http://schemas.microsoft.com/office/powerpoint/2010/main" val="499297043"/>
+        <p14:creationId xmlns:p14="http://schemas.microsoft.com/office/powerpoint/2010/main" val="1634823751"/>
       </p:ext>
     </p:extLst>
   </p:cSld>
   <p:clrMapOvr>
     <a:masterClrMapping/>
   </p:clrMapOvr>
+  <p:timing>
+    <p:tnLst>
+      <p:par>
+        <p:cTn xmlns:p14="http://schemas.microsoft.com/office/powerpoint/2010/main" id="1" dur="indefinite" restart="never" nodeType="tmRoot"/>
+      </p:par>
+    </p:tnLst>
+  </p:timing>
+</p:sld>
+</file>
+
+<file path=ppt/slides/slide14.xml><?xml version="1.0" encoding="utf-8"?>
+<p:sld xmlns:a="http://schemas.openxmlformats.org/drawingml/2006/main" xmlns:r="http://schemas.openxmlformats.org/officeDocument/2006/relationships" xmlns:p="http://schemas.openxmlformats.org/presentationml/2006/main">
+  <p:cSld>
+    <p:spTree>
+      <p:nvGrpSpPr>
+        <p:cNvPr id="1" name=""/>
+        <p:cNvGrpSpPr/>
+        <p:nvPr/>
+      </p:nvGrpSpPr>
+      <p:grpSpPr>
+        <a:xfrm>
+          <a:off x="0" y="0"/>
+          <a:ext cx="0" cy="0"/>
+          <a:chOff x="0" y="0"/>
+          <a:chExt cx="0" cy="0"/>
+        </a:xfrm>
+      </p:grpSpPr>
+      <p:sp>
+        <p:nvSpPr>
+          <p:cNvPr id="2" name="Title 1"/>
+          <p:cNvSpPr>
+            <a:spLocks noGrp="1"/>
+          </p:cNvSpPr>
+          <p:nvPr>
+            <p:ph type="title"/>
+          </p:nvPr>
+        </p:nvSpPr>
+        <p:spPr/>
+        <p:txBody>
+          <a:bodyPr/>
+          <a:lstStyle/>
+          <a:p>
+            <a:r>
+              <a:rPr lang="en-US" dirty="0" smtClean="0"/>
+              <a:t>Error Analysis</a:t>
+            </a:r>
+            <a:endParaRPr lang="en-US" dirty="0"/>
+          </a:p>
+        </p:txBody>
+      </p:sp>
+      <p:sp>
+        <p:nvSpPr>
+          <p:cNvPr id="3" name="Content Placeholder 2"/>
+          <p:cNvSpPr>
+            <a:spLocks noGrp="1"/>
+          </p:cNvSpPr>
+          <p:nvPr>
+            <p:ph idx="1"/>
+          </p:nvPr>
+        </p:nvSpPr>
+        <p:spPr/>
+        <p:txBody>
+          <a:bodyPr/>
+          <a:lstStyle/>
+          <a:p>
+            <a:r>
+              <a:rPr lang="en-US" dirty="0" smtClean="0"/>
+              <a:t>The second </a:t>
+            </a:r>
+            <a:r>
+              <a:rPr lang="en-US" dirty="0" smtClean="0"/>
+              <a:t>reason of the bad result, </a:t>
+            </a:r>
+            <a:r>
+              <a:rPr lang="en-US" dirty="0" smtClean="0"/>
+              <a:t>is trends. </a:t>
+            </a:r>
+            <a:r>
+              <a:rPr lang="en-US" dirty="0" smtClean="0"/>
+              <a:t>Is there really patterns exist in the data, which can be mined by me? I just cannot prove it.</a:t>
+            </a:r>
+          </a:p>
+          <a:p>
+            <a:r>
+              <a:rPr lang="en-US" dirty="0" smtClean="0"/>
+              <a:t>So if I can know about the trends, maybe I can improve my solution to get a better result. </a:t>
+            </a:r>
+            <a:endParaRPr lang="en-US" dirty="0" smtClean="0"/>
+          </a:p>
+        </p:txBody>
+      </p:sp>
+    </p:spTree>
+    <p:extLst>
+      <p:ext uri="{BB962C8B-B14F-4D97-AF65-F5344CB8AC3E}">
+        <p14:creationId xmlns:p14="http://schemas.microsoft.com/office/powerpoint/2010/main" val="3198316361"/>
+      </p:ext>
+    </p:extLst>
+  </p:cSld>
+  <p:clrMapOvr>
+    <a:masterClrMapping/>
+  </p:clrMapOvr>
+  <p:timing>
+    <p:tnLst>
+      <p:par>
+        <p:cTn xmlns:p14="http://schemas.microsoft.com/office/powerpoint/2010/main" id="1" dur="indefinite" restart="never" nodeType="tmRoot"/>
+      </p:par>
+    </p:tnLst>
+  </p:timing>
+</p:sld>
+</file>
+
+<file path=ppt/slides/slide15.xml><?xml version="1.0" encoding="utf-8"?>
+<p:sld xmlns:a="http://schemas.openxmlformats.org/drawingml/2006/main" xmlns:r="http://schemas.openxmlformats.org/officeDocument/2006/relationships" xmlns:p="http://schemas.openxmlformats.org/presentationml/2006/main">
+  <p:cSld>
+    <p:spTree>
+      <p:nvGrpSpPr>
+        <p:cNvPr id="1" name=""/>
+        <p:cNvGrpSpPr/>
+        <p:nvPr/>
+      </p:nvGrpSpPr>
+      <p:grpSpPr>
+        <a:xfrm>
+          <a:off x="0" y="0"/>
+          <a:ext cx="0" cy="0"/>
+          <a:chOff x="0" y="0"/>
+          <a:chExt cx="0" cy="0"/>
+        </a:xfrm>
+      </p:grpSpPr>
+      <p:sp>
+        <p:nvSpPr>
+          <p:cNvPr id="2" name="Title 1"/>
+          <p:cNvSpPr>
+            <a:spLocks noGrp="1"/>
+          </p:cNvSpPr>
+          <p:nvPr>
+            <p:ph type="title"/>
+          </p:nvPr>
+        </p:nvSpPr>
+        <p:spPr/>
+        <p:txBody>
+          <a:bodyPr/>
+          <a:lstStyle/>
+          <a:p>
+            <a:r>
+              <a:rPr lang="en-US" dirty="0" smtClean="0"/>
+              <a:t>Actionable Information or Insights</a:t>
+            </a:r>
+            <a:endParaRPr lang="en-US" dirty="0"/>
+          </a:p>
+        </p:txBody>
+      </p:sp>
+      <p:sp>
+        <p:nvSpPr>
+          <p:cNvPr id="3" name="Content Placeholder 2"/>
+          <p:cNvSpPr>
+            <a:spLocks noGrp="1"/>
+          </p:cNvSpPr>
+          <p:nvPr>
+            <p:ph idx="1"/>
+          </p:nvPr>
+        </p:nvSpPr>
+        <p:spPr/>
+        <p:txBody>
+          <a:bodyPr/>
+          <a:lstStyle/>
+          <a:p>
+            <a:r>
+              <a:rPr lang="en-US" dirty="0" smtClean="0"/>
+              <a:t>There should be an independent project that focuses on Finance feature engineering.  Without good understanding on Finance data, it is hard to extract good features and definitely leading to inaccurate result.</a:t>
+            </a:r>
+            <a:endParaRPr lang="en-US" dirty="0" smtClean="0"/>
+          </a:p>
+        </p:txBody>
+      </p:sp>
+    </p:spTree>
+    <p:extLst>
+      <p:ext uri="{BB962C8B-B14F-4D97-AF65-F5344CB8AC3E}">
+        <p14:creationId xmlns:p14="http://schemas.microsoft.com/office/powerpoint/2010/main" val="2933592575"/>
+      </p:ext>
+    </p:extLst>
+  </p:cSld>
+  <p:clrMapOvr>
+    <a:masterClrMapping/>
+  </p:clrMapOvr>
+  <p:timing>
+    <p:tnLst>
+      <p:par>
+        <p:cTn xmlns:p14="http://schemas.microsoft.com/office/powerpoint/2010/main" id="1" dur="indefinite" restart="never" nodeType="tmRoot"/>
+      </p:par>
+    </p:tnLst>
+  </p:timing>
+</p:sld>
+</file>
+
+<file path=ppt/slides/slide16.xml><?xml version="1.0" encoding="utf-8"?>
+<p:sld xmlns:a="http://schemas.openxmlformats.org/drawingml/2006/main" xmlns:r="http://schemas.openxmlformats.org/officeDocument/2006/relationships" xmlns:p="http://schemas.openxmlformats.org/presentationml/2006/main">
+  <p:cSld>
+    <p:spTree>
+      <p:nvGrpSpPr>
+        <p:cNvPr id="1" name=""/>
+        <p:cNvGrpSpPr/>
+        <p:nvPr/>
+      </p:nvGrpSpPr>
+      <p:grpSpPr>
+        <a:xfrm>
+          <a:off x="0" y="0"/>
+          <a:ext cx="0" cy="0"/>
+          <a:chOff x="0" y="0"/>
+          <a:chExt cx="0" cy="0"/>
+        </a:xfrm>
+      </p:grpSpPr>
+      <p:sp>
+        <p:nvSpPr>
+          <p:cNvPr id="2" name="Title 1"/>
+          <p:cNvSpPr>
+            <a:spLocks noGrp="1"/>
+          </p:cNvSpPr>
+          <p:nvPr>
+            <p:ph type="title"/>
+          </p:nvPr>
+        </p:nvSpPr>
+        <p:spPr/>
+        <p:txBody>
+          <a:bodyPr/>
+          <a:lstStyle/>
+          <a:p>
+            <a:r>
+              <a:rPr lang="en-US" dirty="0" smtClean="0"/>
+              <a:t>Future Work</a:t>
+            </a:r>
+            <a:endParaRPr lang="en-US" dirty="0"/>
+          </a:p>
+        </p:txBody>
+      </p:sp>
+      <p:sp>
+        <p:nvSpPr>
+          <p:cNvPr id="3" name="Content Placeholder 2"/>
+          <p:cNvSpPr>
+            <a:spLocks noGrp="1"/>
+          </p:cNvSpPr>
+          <p:nvPr>
+            <p:ph idx="1"/>
+          </p:nvPr>
+        </p:nvSpPr>
+        <p:spPr/>
+        <p:txBody>
+          <a:bodyPr>
+            <a:normAutofit/>
+          </a:bodyPr>
+          <a:lstStyle/>
+          <a:p>
+            <a:r>
+              <a:rPr lang="en-US" dirty="0" smtClean="0"/>
+              <a:t>The first thing </a:t>
+            </a:r>
+            <a:r>
+              <a:rPr lang="en-US" dirty="0" smtClean="0"/>
+              <a:t>is to learn Finance knowledge and to understand the data, the trends.</a:t>
+            </a:r>
+          </a:p>
+          <a:p>
+            <a:r>
+              <a:rPr lang="en-US" dirty="0" smtClean="0"/>
+              <a:t>The second thing is to put more time on feature engineering and extract better features.</a:t>
+            </a:r>
+          </a:p>
+        </p:txBody>
+      </p:sp>
+    </p:spTree>
+    <p:extLst>
+      <p:ext uri="{BB962C8B-B14F-4D97-AF65-F5344CB8AC3E}">
+        <p14:creationId xmlns:p14="http://schemas.microsoft.com/office/powerpoint/2010/main" val="408718215"/>
+      </p:ext>
+    </p:extLst>
+  </p:cSld>
+  <p:clrMapOvr>
+    <a:masterClrMapping/>
+  </p:clrMapOvr>
+  <p:timing>
+    <p:tnLst>
+      <p:par>
+        <p:cTn xmlns:p14="http://schemas.microsoft.com/office/powerpoint/2010/main" id="1" dur="indefinite" restart="never" nodeType="tmRoot"/>
+      </p:par>
+    </p:tnLst>
+  </p:timing>
 </p:sld>
 </file>
 
@@ -7159,6 +7831,13 @@
   <p:clrMapOvr>
     <a:masterClrMapping/>
   </p:clrMapOvr>
+  <p:timing>
+    <p:tnLst>
+      <p:par>
+        <p:cTn xmlns:p14="http://schemas.microsoft.com/office/powerpoint/2010/main" id="1" dur="indefinite" restart="never" nodeType="tmRoot"/>
+      </p:par>
+    </p:tnLst>
+  </p:timing>
 </p:sld>
 </file>
 
@@ -7234,6 +7913,13 @@
   <p:clrMapOvr>
     <a:masterClrMapping/>
   </p:clrMapOvr>
+  <p:timing>
+    <p:tnLst>
+      <p:par>
+        <p:cTn xmlns:p14="http://schemas.microsoft.com/office/powerpoint/2010/main" id="1" dur="indefinite" restart="never" nodeType="tmRoot"/>
+      </p:par>
+    </p:tnLst>
+  </p:timing>
 </p:sld>
 </file>
 
@@ -7500,27 +8186,7 @@
           <a:p>
             <a:r>
               <a:rPr lang="en-US" dirty="0" smtClean="0"/>
-              <a:t>The initial data saves into CSV format, and provides detail of trades. </a:t>
-            </a:r>
-            <a:r>
-              <a:rPr lang="en-US" dirty="0" smtClean="0"/>
-              <a:t>Spark reads </a:t>
-            </a:r>
-            <a:r>
-              <a:rPr lang="en-US" dirty="0" smtClean="0"/>
-              <a:t>data from </a:t>
-            </a:r>
-            <a:r>
-              <a:rPr lang="en-US" dirty="0" smtClean="0"/>
-              <a:t>CVS file, two transformers </a:t>
-            </a:r>
-            <a:r>
-              <a:rPr lang="en-US" dirty="0" smtClean="0"/>
-              <a:t>compute </a:t>
-            </a:r>
-            <a:r>
-              <a:rPr lang="en-US" dirty="0" smtClean="0"/>
-              <a:t>three different features, that is min, max, and average of bid prices in a period of time, and label data based on if making money.</a:t>
+              <a:t>The initial data saves into CSV format, and provides detail of trades. Spark reads data from CVS file, two transformers compute three different features, that is min, max, and average of bid prices in a period of time, and label data based on if making money.</a:t>
             </a:r>
           </a:p>
         </p:txBody>
@@ -7535,6 +8201,13 @@
   <p:clrMapOvr>
     <a:masterClrMapping/>
   </p:clrMapOvr>
+  <p:timing>
+    <p:tnLst>
+      <p:par>
+        <p:cTn xmlns:p14="http://schemas.microsoft.com/office/powerpoint/2010/main" id="1" dur="indefinite" restart="never" nodeType="tmRoot"/>
+      </p:par>
+    </p:tnLst>
+  </p:timing>
 </p:sld>
 </file>
 
@@ -7572,83 +8245,54 @@
           <a:p>
             <a:r>
               <a:rPr kumimoji="1" lang="en-US" altLang="zh-CN" dirty="0" smtClean="0"/>
-              <a:t>Platform Selection</a:t>
+              <a:t>Sample of Data</a:t>
             </a:r>
             <a:endParaRPr kumimoji="1" lang="zh-CN" altLang="en-US" dirty="0"/>
           </a:p>
         </p:txBody>
       </p:sp>
-      <p:sp>
-        <p:nvSpPr>
-          <p:cNvPr id="3" name="内容占位符 2"/>
-          <p:cNvSpPr>
-            <a:spLocks noGrp="1"/>
-          </p:cNvSpPr>
+      <p:pic>
+        <p:nvPicPr>
+          <p:cNvPr id="6" name="内容占位符 5" descr="Snip20151130_2.png"/>
+          <p:cNvPicPr>
+            <a:picLocks noGrp="1" noChangeAspect="1"/>
+          </p:cNvPicPr>
           <p:nvPr>
             <p:ph idx="1"/>
           </p:nvPr>
-        </p:nvSpPr>
+        </p:nvPicPr>
+        <p:blipFill>
+          <a:blip r:embed="rId3">
+            <a:extLst>
+              <a:ext uri="{28A0092B-C50C-407E-A947-70E740481C1C}">
+                <a14:useLocalDpi xmlns:a14="http://schemas.microsoft.com/office/drawing/2010/main" val="0"/>
+              </a:ext>
+            </a:extLst>
+          </a:blip>
+          <a:srcRect t="-19845" b="-19845"/>
+          <a:stretch>
+            <a:fillRect/>
+          </a:stretch>
+        </p:blipFill>
         <p:spPr/>
-        <p:txBody>
-          <a:bodyPr/>
-          <a:lstStyle/>
-          <a:p>
-            <a:r>
-              <a:rPr kumimoji="1" lang="en-US" altLang="zh-CN" dirty="0" smtClean="0"/>
-              <a:t>Because everyone use computers rather than themselves to train model, we have to use some kind of platforms. </a:t>
-            </a:r>
-          </a:p>
-          <a:p>
-            <a:r>
-              <a:rPr kumimoji="1" lang="en-US" altLang="zh-CN" dirty="0" smtClean="0"/>
-              <a:t>The platform I use is spark, and the reason is speed. Spark is really fast because it puts all data into memory. Access memory is fast than accessing disks or SSDs</a:t>
-            </a:r>
-            <a:r>
-              <a:rPr kumimoji="1" lang="en-US" altLang="zh-CN" dirty="0"/>
-              <a:t>.(</a:t>
-            </a:r>
-            <a:r>
-              <a:rPr kumimoji="1" lang="en-US" altLang="zh-CN" dirty="0">
-                <a:hlinkClick r:id="rId3"/>
-              </a:rPr>
-              <a:t>https://</a:t>
-            </a:r>
-            <a:r>
-              <a:rPr kumimoji="1" lang="en-US" altLang="zh-CN" dirty="0" err="1">
-                <a:hlinkClick r:id="rId3"/>
-              </a:rPr>
-              <a:t>en.wikipedia.org</a:t>
-            </a:r>
-            <a:r>
-              <a:rPr kumimoji="1" lang="en-US" altLang="zh-CN" dirty="0">
-                <a:hlinkClick r:id="rId3"/>
-              </a:rPr>
-              <a:t>/wiki/</a:t>
-            </a:r>
-            <a:r>
-              <a:rPr kumimoji="1" lang="en-US" altLang="zh-CN" dirty="0" err="1">
-                <a:hlinkClick r:id="rId3"/>
-              </a:rPr>
-              <a:t>Apache_Spark</a:t>
-            </a:r>
-            <a:r>
-              <a:rPr kumimoji="1" lang="en-US" altLang="zh-CN" dirty="0"/>
-              <a:t>)</a:t>
-            </a:r>
-            <a:endParaRPr kumimoji="1" lang="zh-CN" altLang="en-US" dirty="0"/>
-          </a:p>
-        </p:txBody>
-      </p:sp>
+      </p:pic>
     </p:spTree>
     <p:extLst>
       <p:ext uri="{BB962C8B-B14F-4D97-AF65-F5344CB8AC3E}">
-        <p14:creationId xmlns:p14="http://schemas.microsoft.com/office/powerpoint/2010/main" val="1883820018"/>
+        <p14:creationId xmlns:p14="http://schemas.microsoft.com/office/powerpoint/2010/main" val="587357852"/>
       </p:ext>
     </p:extLst>
   </p:cSld>
   <p:clrMapOvr>
     <a:masterClrMapping/>
   </p:clrMapOvr>
+  <p:timing>
+    <p:tnLst>
+      <p:par>
+        <p:cTn xmlns:p14="http://schemas.microsoft.com/office/powerpoint/2010/main" id="1" dur="indefinite" restart="never" nodeType="tmRoot"/>
+      </p:par>
+    </p:tnLst>
+  </p:timing>
 </p:sld>
 </file>
 
@@ -7686,7 +8330,7 @@
           <a:p>
             <a:r>
               <a:rPr kumimoji="1" lang="en-US" altLang="zh-CN" dirty="0" smtClean="0"/>
-              <a:t>Model Selection</a:t>
+              <a:t>Platform Selection</a:t>
             </a:r>
             <a:endParaRPr kumimoji="1" lang="zh-CN" altLang="en-US" dirty="0"/>
           </a:p>
@@ -7704,24 +8348,22 @@
         </p:nvSpPr>
         <p:spPr/>
         <p:txBody>
-          <a:bodyPr>
-            <a:normAutofit fontScale="92500"/>
-          </a:bodyPr>
+          <a:bodyPr/>
           <a:lstStyle/>
           <a:p>
             <a:r>
               <a:rPr kumimoji="1" lang="en-US" altLang="zh-CN" dirty="0" smtClean="0"/>
-              <a:t>There are plenty of machine learning models that could be used to finish my task. I choose random forest. </a:t>
+              <a:t>Because everyone use computers rather than themselves to train model, we have to use some kind of platforms. </a:t>
             </a:r>
           </a:p>
           <a:p>
             <a:r>
               <a:rPr kumimoji="1" lang="en-US" altLang="zh-CN" dirty="0" smtClean="0"/>
-              <a:t>Fandom forest is actually an aggregation of decision tree. One disadvantage of decision tree is overfitting, and fandom forest is pretty robust and correct the overfitting problem of single tree</a:t>
+              <a:t>The platform I use is spark, and the reason is speed. Spark is really fast because it puts all data into memory. Access memory is fast than accessing disks or SSDs</a:t>
             </a:r>
             <a:r>
               <a:rPr kumimoji="1" lang="en-US" altLang="zh-CN" dirty="0"/>
-              <a:t>. (</a:t>
+              <a:t>.(</a:t>
             </a:r>
             <a:r>
               <a:rPr kumimoji="1" lang="en-US" altLang="zh-CN" dirty="0">
@@ -7745,7 +8387,7 @@
               <a:rPr kumimoji="1" lang="en-US" altLang="zh-CN" dirty="0" err="1">
                 <a:hlinkClick r:id="rId3"/>
               </a:rPr>
-              <a:t>Random_forest</a:t>
+              <a:t>Apache_Spark</a:t>
             </a:r>
             <a:r>
               <a:rPr kumimoji="1" lang="en-US" altLang="zh-CN" dirty="0"/>
@@ -7758,13 +8400,20 @@
     </p:spTree>
     <p:extLst>
       <p:ext uri="{BB962C8B-B14F-4D97-AF65-F5344CB8AC3E}">
-        <p14:creationId xmlns:p14="http://schemas.microsoft.com/office/powerpoint/2010/main" val="200571682"/>
+        <p14:creationId xmlns:p14="http://schemas.microsoft.com/office/powerpoint/2010/main" val="1883820018"/>
       </p:ext>
     </p:extLst>
   </p:cSld>
   <p:clrMapOvr>
     <a:masterClrMapping/>
   </p:clrMapOvr>
+  <p:timing>
+    <p:tnLst>
+      <p:par>
+        <p:cTn xmlns:p14="http://schemas.microsoft.com/office/powerpoint/2010/main" id="1" dur="indefinite" restart="never" nodeType="tmRoot"/>
+      </p:par>
+    </p:tnLst>
+  </p:timing>
 </p:sld>
 </file>
 
@@ -7787,7 +8436,7 @@
       </p:grpSpPr>
       <p:sp>
         <p:nvSpPr>
-          <p:cNvPr id="2" name="Title 1"/>
+          <p:cNvPr id="2" name="标题 1"/>
           <p:cNvSpPr>
             <a:spLocks noGrp="1"/>
           </p:cNvSpPr>
@@ -7797,68 +8446,107 @@
         </p:nvSpPr>
         <p:spPr/>
         <p:txBody>
-          <a:bodyPr/>
-          <a:lstStyle/>
-          <a:p>
-            <a:r>
-              <a:rPr lang="en-US" dirty="0" smtClean="0"/>
-              <a:t>Training and Testing</a:t>
-            </a:r>
-            <a:endParaRPr lang="en-US" dirty="0"/>
-          </a:p>
-        </p:txBody>
-      </p:sp>
-      <p:sp>
-        <p:nvSpPr>
-          <p:cNvPr id="3" name="Content Placeholder 2"/>
-          <p:cNvSpPr>
-            <a:spLocks noGrp="1"/>
-          </p:cNvSpPr>
+          <a:bodyPr>
+            <a:normAutofit fontScale="90000"/>
+          </a:bodyPr>
+          <a:lstStyle/>
+          <a:p>
+            <a:r>
+              <a:rPr kumimoji="1" lang="en-US" altLang="zh-CN" dirty="0" smtClean="0"/>
+              <a:t>Comparison between common platforms</a:t>
+            </a:r>
+            <a:endParaRPr kumimoji="1" lang="zh-CN" altLang="en-US" dirty="0"/>
+          </a:p>
+        </p:txBody>
+      </p:sp>
+      <p:pic>
+        <p:nvPicPr>
+          <p:cNvPr id="4" name="内容占位符 3" descr="Snip20151130_3.png"/>
+          <p:cNvPicPr>
+            <a:picLocks noGrp="1" noChangeAspect="1"/>
+          </p:cNvPicPr>
           <p:nvPr>
             <p:ph idx="1"/>
           </p:nvPr>
-        </p:nvSpPr>
+        </p:nvPicPr>
+        <p:blipFill>
+          <a:blip r:embed="rId2">
+            <a:extLst>
+              <a:ext uri="{28A0092B-C50C-407E-A947-70E740481C1C}">
+                <a14:useLocalDpi xmlns:a14="http://schemas.microsoft.com/office/drawing/2010/main" val="0"/>
+              </a:ext>
+            </a:extLst>
+          </a:blip>
+          <a:srcRect l="-60538" r="-60538"/>
+          <a:stretch>
+            <a:fillRect/>
+          </a:stretch>
+        </p:blipFill>
         <p:spPr/>
-        <p:txBody>
-          <a:bodyPr>
-            <a:normAutofit/>
+      </p:pic>
+      <p:sp>
+        <p:nvSpPr>
+          <p:cNvPr id="6" name="文本框 5"/>
+          <p:cNvSpPr txBox="1"/>
+          <p:nvPr/>
+        </p:nvSpPr>
+        <p:spPr>
+          <a:xfrm>
+            <a:off x="6300873" y="6300406"/>
+            <a:ext cx="2251692" cy="369332"/>
+          </a:xfrm>
+          <a:prstGeom prst="rect">
+            <a:avLst/>
+          </a:prstGeom>
+          <a:noFill/>
+        </p:spPr>
+        <p:txBody>
+          <a:bodyPr wrap="square" rtlCol="0">
+            <a:spAutoFit/>
           </a:bodyPr>
           <a:lstStyle/>
           <a:p>
             <a:r>
-              <a:rPr lang="en-US" dirty="0" smtClean="0"/>
-              <a:t>The next step is training and testing data.</a:t>
-            </a:r>
-          </a:p>
-          <a:p>
-            <a:r>
-              <a:rPr lang="en-US" dirty="0" smtClean="0"/>
-              <a:t>I have 10000 instances. 80% is categorized as training set, and 20% </a:t>
-            </a:r>
-            <a:r>
-              <a:rPr lang="en-US" smtClean="0"/>
-              <a:t>is test set. </a:t>
-            </a:r>
-            <a:endParaRPr lang="en-US" dirty="0" smtClean="0"/>
-          </a:p>
-          <a:p>
-            <a:endParaRPr lang="en-US" dirty="0" smtClean="0"/>
-          </a:p>
-          <a:p>
-            <a:endParaRPr lang="en-US" dirty="0" smtClean="0"/>
+              <a:rPr kumimoji="1" lang="en-US" altLang="zh-CN" dirty="0" smtClean="0"/>
+              <a:t>(</a:t>
+            </a:r>
+            <a:r>
+              <a:rPr lang="en-US" altLang="zh-CN" dirty="0" err="1"/>
+              <a:t>Zaharia</a:t>
+            </a:r>
+            <a:r>
+              <a:rPr lang="en-US" altLang="zh-CN" dirty="0"/>
+              <a:t> </a:t>
+            </a:r>
+            <a:r>
+              <a:rPr lang="en-US" altLang="zh-CN" dirty="0" smtClean="0"/>
+              <a:t>et al., 2012</a:t>
+            </a:r>
+            <a:r>
+              <a:rPr kumimoji="1" lang="en-US" altLang="zh-CN" dirty="0" smtClean="0"/>
+              <a:t>)</a:t>
+            </a:r>
+            <a:endParaRPr kumimoji="1" lang="zh-CN" altLang="en-US" dirty="0"/>
           </a:p>
         </p:txBody>
       </p:sp>
     </p:spTree>
     <p:extLst>
       <p:ext uri="{BB962C8B-B14F-4D97-AF65-F5344CB8AC3E}">
-        <p14:creationId xmlns:p14="http://schemas.microsoft.com/office/powerpoint/2010/main" val="3305405511"/>
+        <p14:creationId xmlns:p14="http://schemas.microsoft.com/office/powerpoint/2010/main" val="3597355789"/>
       </p:ext>
     </p:extLst>
   </p:cSld>
   <p:clrMapOvr>
     <a:masterClrMapping/>
   </p:clrMapOvr>
+  <p:timing>
+    <p:tnLst>
+      <p:par>
+        <p:cTn xmlns:p14="http://schemas.microsoft.com/office/powerpoint/2010/main" id="1" dur="indefinite" restart="never" nodeType="tmRoot"/>
+      </p:par>
+    </p:tnLst>
+  </p:timing>
 </p:sld>
 </file>
 
@@ -7881,7 +8569,7 @@
       </p:grpSpPr>
       <p:sp>
         <p:nvSpPr>
-          <p:cNvPr id="2" name="Title 1"/>
+          <p:cNvPr id="2" name="标题 1"/>
           <p:cNvSpPr>
             <a:spLocks noGrp="1"/>
           </p:cNvSpPr>
@@ -7895,16 +8583,16 @@
           <a:lstStyle/>
           <a:p>
             <a:r>
-              <a:rPr lang="en-US" dirty="0" smtClean="0"/>
-              <a:t>Results</a:t>
-            </a:r>
-            <a:endParaRPr lang="en-US" dirty="0"/>
-          </a:p>
-        </p:txBody>
-      </p:sp>
-      <p:sp>
-        <p:nvSpPr>
-          <p:cNvPr id="3" name="Content Placeholder 2"/>
+              <a:rPr kumimoji="1" lang="en-US" altLang="zh-CN" dirty="0" smtClean="0"/>
+              <a:t>Model Selection</a:t>
+            </a:r>
+            <a:endParaRPr kumimoji="1" lang="zh-CN" altLang="en-US" dirty="0"/>
+          </a:p>
+        </p:txBody>
+      </p:sp>
+      <p:sp>
+        <p:nvSpPr>
+          <p:cNvPr id="3" name="内容占位符 2"/>
           <p:cNvSpPr>
             <a:spLocks noGrp="1"/>
           </p:cNvSpPr>
@@ -7914,41 +8602,74 @@
         </p:nvSpPr>
         <p:spPr/>
         <p:txBody>
-          <a:bodyPr/>
-          <a:lstStyle/>
-          <a:p>
-            <a:r>
-              <a:rPr lang="en-US" dirty="0" smtClean="0"/>
-              <a:t>Summary of performance</a:t>
-            </a:r>
-          </a:p>
-          <a:p>
-            <a:r>
-              <a:rPr lang="en-US" dirty="0" smtClean="0"/>
-              <a:t>Confusion Matrix or other more specific description of results (may require 2</a:t>
-            </a:r>
-            <a:r>
-              <a:rPr lang="en-US" baseline="30000" dirty="0" smtClean="0"/>
-              <a:t>nd</a:t>
-            </a:r>
-            <a:r>
-              <a:rPr lang="en-US" dirty="0" smtClean="0"/>
-              <a:t> slide)</a:t>
-            </a:r>
-            <a:endParaRPr lang="en-US" dirty="0"/>
+          <a:bodyPr>
+            <a:normAutofit fontScale="92500"/>
+          </a:bodyPr>
+          <a:lstStyle/>
+          <a:p>
+            <a:r>
+              <a:rPr kumimoji="1" lang="en-US" altLang="zh-CN" dirty="0" smtClean="0"/>
+              <a:t>There are plenty of machine learning models that could be used to finish my task. I choose random forest. </a:t>
+            </a:r>
+          </a:p>
+          <a:p>
+            <a:r>
+              <a:rPr kumimoji="1" lang="en-US" altLang="zh-CN" dirty="0" smtClean="0"/>
+              <a:t>Fandom forest is actually an aggregation of decision tree. One disadvantage of decision tree is overfitting, and fandom forest is pretty robust and correct the overfitting problem of single tree</a:t>
+            </a:r>
+            <a:r>
+              <a:rPr kumimoji="1" lang="en-US" altLang="zh-CN" dirty="0"/>
+              <a:t>. (</a:t>
+            </a:r>
+            <a:r>
+              <a:rPr kumimoji="1" lang="en-US" altLang="zh-CN" dirty="0">
+                <a:hlinkClick r:id="rId3"/>
+              </a:rPr>
+              <a:t>https://</a:t>
+            </a:r>
+            <a:r>
+              <a:rPr kumimoji="1" lang="en-US" altLang="zh-CN" dirty="0" err="1">
+                <a:hlinkClick r:id="rId3"/>
+              </a:rPr>
+              <a:t>en.wikipedia.org</a:t>
+            </a:r>
+            <a:r>
+              <a:rPr kumimoji="1" lang="en-US" altLang="zh-CN" dirty="0">
+                <a:hlinkClick r:id="rId3"/>
+              </a:rPr>
+              <a:t>/wiki/</a:t>
+            </a:r>
+            <a:r>
+              <a:rPr kumimoji="1" lang="en-US" altLang="zh-CN" dirty="0" err="1">
+                <a:hlinkClick r:id="rId3"/>
+              </a:rPr>
+              <a:t>Random_forest</a:t>
+            </a:r>
+            <a:r>
+              <a:rPr kumimoji="1" lang="en-US" altLang="zh-CN" dirty="0"/>
+              <a:t>)</a:t>
+            </a:r>
+            <a:endParaRPr kumimoji="1" lang="zh-CN" altLang="en-US" dirty="0"/>
           </a:p>
         </p:txBody>
       </p:sp>
     </p:spTree>
     <p:extLst>
       <p:ext uri="{BB962C8B-B14F-4D97-AF65-F5344CB8AC3E}">
-        <p14:creationId xmlns:p14="http://schemas.microsoft.com/office/powerpoint/2010/main" val="2777363673"/>
+        <p14:creationId xmlns:p14="http://schemas.microsoft.com/office/powerpoint/2010/main" val="200571682"/>
       </p:ext>
     </p:extLst>
   </p:cSld>
   <p:clrMapOvr>
     <a:masterClrMapping/>
   </p:clrMapOvr>
+  <p:timing>
+    <p:tnLst>
+      <p:par>
+        <p:cTn xmlns:p14="http://schemas.microsoft.com/office/powerpoint/2010/main" id="1" dur="indefinite" restart="never" nodeType="tmRoot"/>
+      </p:par>
+    </p:tnLst>
+  </p:timing>
 </p:sld>
 </file>
 
